--- a/윤리와철학/수업 ppt/데카르트 철학의 난점들 튜링테스트 중국어 방.pptx
+++ b/윤리와철학/수업 ppt/데카르트 철학의 난점들 튜링테스트 중국어 방.pptx
@@ -273,7 +273,7 @@
           </a:lstStyle>
           <a:p>
             <a:r>
-              <a:rPr kumimoji="0" lang="ko-KR" altLang="en-US" smtClean="0"/>
+              <a:rPr kumimoji="0" lang="ko-KR" altLang="en-US"/>
               <a:t>마스터 제목 스타일 편집</a:t>
             </a:r>
             <a:endParaRPr kumimoji="0" lang="en-US"/>
@@ -335,7 +335,7 @@
           </a:lstStyle>
           <a:p>
             <a:r>
-              <a:rPr kumimoji="0" lang="ko-KR" altLang="en-US" smtClean="0"/>
+              <a:rPr kumimoji="0" lang="ko-KR" altLang="en-US"/>
               <a:t>마스터 부제목 스타일 편집</a:t>
             </a:r>
             <a:endParaRPr kumimoji="0" lang="en-US"/>
@@ -758,7 +758,7 @@
             <a:fld id="{F7D88D80-8E22-4AC9-B1B7-FCAE15AB02D8}" type="datetimeFigureOut">
               <a:rPr lang="ko-KR" altLang="en-US" smtClean="0"/>
               <a:pPr/>
-              <a:t>2018-05-02</a:t>
+              <a:t>2018-05-25</a:t>
             </a:fld>
             <a:endParaRPr lang="ko-KR" altLang="en-US"/>
           </a:p>
@@ -868,7 +868,7 @@
           <a:lstStyle/>
           <a:p>
             <a:r>
-              <a:rPr kumimoji="0" lang="ko-KR" altLang="en-US" smtClean="0"/>
+              <a:rPr kumimoji="0" lang="ko-KR" altLang="en-US"/>
               <a:t>마스터 제목 스타일 편집</a:t>
             </a:r>
             <a:endParaRPr kumimoji="0" lang="en-US"/>
@@ -897,35 +897,35 @@
           <a:p>
             <a:pPr lvl="0" eaLnBrk="1" latinLnBrk="0" hangingPunct="1"/>
             <a:r>
-              <a:rPr lang="ko-KR" altLang="en-US" smtClean="0"/>
+              <a:rPr lang="ko-KR" altLang="en-US"/>
               <a:t>마스터 텍스트 스타일을 편집합니다</a:t>
             </a:r>
           </a:p>
           <a:p>
             <a:pPr lvl="1" eaLnBrk="1" latinLnBrk="0" hangingPunct="1"/>
             <a:r>
-              <a:rPr lang="ko-KR" altLang="en-US" smtClean="0"/>
+              <a:rPr lang="ko-KR" altLang="en-US"/>
               <a:t>둘째 수준</a:t>
             </a:r>
           </a:p>
           <a:p>
             <a:pPr lvl="2" eaLnBrk="1" latinLnBrk="0" hangingPunct="1"/>
             <a:r>
-              <a:rPr lang="ko-KR" altLang="en-US" smtClean="0"/>
+              <a:rPr lang="ko-KR" altLang="en-US"/>
               <a:t>셋째 수준</a:t>
             </a:r>
           </a:p>
           <a:p>
             <a:pPr lvl="3" eaLnBrk="1" latinLnBrk="0" hangingPunct="1"/>
             <a:r>
-              <a:rPr lang="ko-KR" altLang="en-US" smtClean="0"/>
+              <a:rPr lang="ko-KR" altLang="en-US"/>
               <a:t>넷째 수준</a:t>
             </a:r>
           </a:p>
           <a:p>
             <a:pPr lvl="4" eaLnBrk="1" latinLnBrk="0" hangingPunct="1"/>
             <a:r>
-              <a:rPr lang="ko-KR" altLang="en-US" smtClean="0"/>
+              <a:rPr lang="ko-KR" altLang="en-US"/>
               <a:t>다섯째 수준</a:t>
             </a:r>
             <a:endParaRPr kumimoji="0" lang="en-US"/>
@@ -950,7 +950,7 @@
             <a:fld id="{F7D88D80-8E22-4AC9-B1B7-FCAE15AB02D8}" type="datetimeFigureOut">
               <a:rPr lang="ko-KR" altLang="en-US" smtClean="0"/>
               <a:pPr/>
-              <a:t>2018-05-02</a:t>
+              <a:t>2018-05-25</a:t>
             </a:fld>
             <a:endParaRPr lang="ko-KR" altLang="en-US"/>
           </a:p>
@@ -1045,7 +1045,7 @@
           <a:lstStyle/>
           <a:p>
             <a:r>
-              <a:rPr kumimoji="0" lang="ko-KR" altLang="en-US" smtClean="0"/>
+              <a:rPr kumimoji="0" lang="ko-KR" altLang="en-US"/>
               <a:t>마스터 제목 스타일 편집</a:t>
             </a:r>
             <a:endParaRPr kumimoji="0" lang="en-US"/>
@@ -1074,35 +1074,35 @@
           <a:p>
             <a:pPr lvl="0" eaLnBrk="1" latinLnBrk="0" hangingPunct="1"/>
             <a:r>
-              <a:rPr lang="ko-KR" altLang="en-US" smtClean="0"/>
+              <a:rPr lang="ko-KR" altLang="en-US"/>
               <a:t>마스터 텍스트 스타일을 편집합니다</a:t>
             </a:r>
           </a:p>
           <a:p>
             <a:pPr lvl="1" eaLnBrk="1" latinLnBrk="0" hangingPunct="1"/>
             <a:r>
-              <a:rPr lang="ko-KR" altLang="en-US" smtClean="0"/>
+              <a:rPr lang="ko-KR" altLang="en-US"/>
               <a:t>둘째 수준</a:t>
             </a:r>
           </a:p>
           <a:p>
             <a:pPr lvl="2" eaLnBrk="1" latinLnBrk="0" hangingPunct="1"/>
             <a:r>
-              <a:rPr lang="ko-KR" altLang="en-US" smtClean="0"/>
+              <a:rPr lang="ko-KR" altLang="en-US"/>
               <a:t>셋째 수준</a:t>
             </a:r>
           </a:p>
           <a:p>
             <a:pPr lvl="3" eaLnBrk="1" latinLnBrk="0" hangingPunct="1"/>
             <a:r>
-              <a:rPr lang="ko-KR" altLang="en-US" smtClean="0"/>
+              <a:rPr lang="ko-KR" altLang="en-US"/>
               <a:t>넷째 수준</a:t>
             </a:r>
           </a:p>
           <a:p>
             <a:pPr lvl="4" eaLnBrk="1" latinLnBrk="0" hangingPunct="1"/>
             <a:r>
-              <a:rPr lang="ko-KR" altLang="en-US" smtClean="0"/>
+              <a:rPr lang="ko-KR" altLang="en-US"/>
               <a:t>다섯째 수준</a:t>
             </a:r>
             <a:endParaRPr kumimoji="0" lang="en-US"/>
@@ -1127,7 +1127,7 @@
             <a:fld id="{F7D88D80-8E22-4AC9-B1B7-FCAE15AB02D8}" type="datetimeFigureOut">
               <a:rPr lang="ko-KR" altLang="en-US" smtClean="0"/>
               <a:pPr/>
-              <a:t>2018-05-02</a:t>
+              <a:t>2018-05-25</a:t>
             </a:fld>
             <a:endParaRPr lang="ko-KR" altLang="en-US"/>
           </a:p>
@@ -1218,35 +1218,35 @@
           <a:p>
             <a:pPr lvl="0" eaLnBrk="1" latinLnBrk="0" hangingPunct="1"/>
             <a:r>
-              <a:rPr lang="ko-KR" altLang="en-US" smtClean="0"/>
+              <a:rPr lang="ko-KR" altLang="en-US"/>
               <a:t>마스터 텍스트 스타일을 편집합니다</a:t>
             </a:r>
           </a:p>
           <a:p>
             <a:pPr lvl="1" eaLnBrk="1" latinLnBrk="0" hangingPunct="1"/>
             <a:r>
-              <a:rPr lang="ko-KR" altLang="en-US" smtClean="0"/>
+              <a:rPr lang="ko-KR" altLang="en-US"/>
               <a:t>둘째 수준</a:t>
             </a:r>
           </a:p>
           <a:p>
             <a:pPr lvl="2" eaLnBrk="1" latinLnBrk="0" hangingPunct="1"/>
             <a:r>
-              <a:rPr lang="ko-KR" altLang="en-US" smtClean="0"/>
+              <a:rPr lang="ko-KR" altLang="en-US"/>
               <a:t>셋째 수준</a:t>
             </a:r>
           </a:p>
           <a:p>
             <a:pPr lvl="3" eaLnBrk="1" latinLnBrk="0" hangingPunct="1"/>
             <a:r>
-              <a:rPr lang="ko-KR" altLang="en-US" smtClean="0"/>
+              <a:rPr lang="ko-KR" altLang="en-US"/>
               <a:t>넷째 수준</a:t>
             </a:r>
           </a:p>
           <a:p>
             <a:pPr lvl="4" eaLnBrk="1" latinLnBrk="0" hangingPunct="1"/>
             <a:r>
-              <a:rPr lang="ko-KR" altLang="en-US" smtClean="0"/>
+              <a:rPr lang="ko-KR" altLang="en-US"/>
               <a:t>다섯째 수준</a:t>
             </a:r>
             <a:endParaRPr kumimoji="0" lang="en-US"/>
@@ -1271,7 +1271,7 @@
             <a:fld id="{F7D88D80-8E22-4AC9-B1B7-FCAE15AB02D8}" type="datetimeFigureOut">
               <a:rPr lang="ko-KR" altLang="en-US" smtClean="0"/>
               <a:pPr/>
-              <a:t>2018-05-02</a:t>
+              <a:t>2018-05-25</a:t>
             </a:fld>
             <a:endParaRPr lang="ko-KR" altLang="en-US"/>
           </a:p>
@@ -1336,7 +1336,7 @@
           <a:lstStyle/>
           <a:p>
             <a:r>
-              <a:rPr kumimoji="0" lang="ko-KR" altLang="en-US" smtClean="0"/>
+              <a:rPr kumimoji="0" lang="ko-KR" altLang="en-US"/>
               <a:t>마스터 제목 스타일 편집</a:t>
             </a:r>
             <a:endParaRPr kumimoji="0" lang="en-US"/>
@@ -1417,7 +1417,7 @@
           </a:lstStyle>
           <a:p>
             <a:r>
-              <a:rPr kumimoji="0" lang="ko-KR" altLang="en-US" smtClean="0"/>
+              <a:rPr kumimoji="0" lang="ko-KR" altLang="en-US"/>
               <a:t>마스터 제목 스타일 편집</a:t>
             </a:r>
             <a:endParaRPr kumimoji="0" lang="en-US"/>
@@ -1496,7 +1496,7 @@
           <a:p>
             <a:pPr lvl="0" eaLnBrk="1" latinLnBrk="0" hangingPunct="1"/>
             <a:r>
-              <a:rPr kumimoji="0" lang="ko-KR" altLang="en-US" smtClean="0"/>
+              <a:rPr kumimoji="0" lang="ko-KR" altLang="en-US"/>
               <a:t>마스터 텍스트 스타일을 편집합니다</a:t>
             </a:r>
           </a:p>
@@ -1520,7 +1520,7 @@
             <a:fld id="{F7D88D80-8E22-4AC9-B1B7-FCAE15AB02D8}" type="datetimeFigureOut">
               <a:rPr lang="ko-KR" altLang="en-US" smtClean="0"/>
               <a:pPr/>
-              <a:t>2018-05-02</a:t>
+              <a:t>2018-05-25</a:t>
             </a:fld>
             <a:endParaRPr lang="ko-KR" altLang="en-US"/>
           </a:p>
@@ -1794,35 +1794,35 @@
           <a:p>
             <a:pPr lvl="0" eaLnBrk="1" latinLnBrk="0" hangingPunct="1"/>
             <a:r>
-              <a:rPr lang="ko-KR" altLang="en-US" smtClean="0"/>
+              <a:rPr lang="ko-KR" altLang="en-US"/>
               <a:t>마스터 텍스트 스타일을 편집합니다</a:t>
             </a:r>
           </a:p>
           <a:p>
             <a:pPr lvl="1" eaLnBrk="1" latinLnBrk="0" hangingPunct="1"/>
             <a:r>
-              <a:rPr lang="ko-KR" altLang="en-US" smtClean="0"/>
+              <a:rPr lang="ko-KR" altLang="en-US"/>
               <a:t>둘째 수준</a:t>
             </a:r>
           </a:p>
           <a:p>
             <a:pPr lvl="2" eaLnBrk="1" latinLnBrk="0" hangingPunct="1"/>
             <a:r>
-              <a:rPr lang="ko-KR" altLang="en-US" smtClean="0"/>
+              <a:rPr lang="ko-KR" altLang="en-US"/>
               <a:t>셋째 수준</a:t>
             </a:r>
           </a:p>
           <a:p>
             <a:pPr lvl="3" eaLnBrk="1" latinLnBrk="0" hangingPunct="1"/>
             <a:r>
-              <a:rPr lang="ko-KR" altLang="en-US" smtClean="0"/>
+              <a:rPr lang="ko-KR" altLang="en-US"/>
               <a:t>넷째 수준</a:t>
             </a:r>
           </a:p>
           <a:p>
             <a:pPr lvl="4" eaLnBrk="1" latinLnBrk="0" hangingPunct="1"/>
             <a:r>
-              <a:rPr lang="ko-KR" altLang="en-US" smtClean="0"/>
+              <a:rPr lang="ko-KR" altLang="en-US"/>
               <a:t>다섯째 수준</a:t>
             </a:r>
             <a:endParaRPr kumimoji="0" lang="en-US"/>
@@ -1868,35 +1868,35 @@
           <a:p>
             <a:pPr lvl="0" eaLnBrk="1" latinLnBrk="0" hangingPunct="1"/>
             <a:r>
-              <a:rPr lang="ko-KR" altLang="en-US" smtClean="0"/>
+              <a:rPr lang="ko-KR" altLang="en-US"/>
               <a:t>마스터 텍스트 스타일을 편집합니다</a:t>
             </a:r>
           </a:p>
           <a:p>
             <a:pPr lvl="1" eaLnBrk="1" latinLnBrk="0" hangingPunct="1"/>
             <a:r>
-              <a:rPr lang="ko-KR" altLang="en-US" smtClean="0"/>
+              <a:rPr lang="ko-KR" altLang="en-US"/>
               <a:t>둘째 수준</a:t>
             </a:r>
           </a:p>
           <a:p>
             <a:pPr lvl="2" eaLnBrk="1" latinLnBrk="0" hangingPunct="1"/>
             <a:r>
-              <a:rPr lang="ko-KR" altLang="en-US" smtClean="0"/>
+              <a:rPr lang="ko-KR" altLang="en-US"/>
               <a:t>셋째 수준</a:t>
             </a:r>
           </a:p>
           <a:p>
             <a:pPr lvl="3" eaLnBrk="1" latinLnBrk="0" hangingPunct="1"/>
             <a:r>
-              <a:rPr lang="ko-KR" altLang="en-US" smtClean="0"/>
+              <a:rPr lang="ko-KR" altLang="en-US"/>
               <a:t>넷째 수준</a:t>
             </a:r>
           </a:p>
           <a:p>
             <a:pPr lvl="4" eaLnBrk="1" latinLnBrk="0" hangingPunct="1"/>
             <a:r>
-              <a:rPr lang="ko-KR" altLang="en-US" smtClean="0"/>
+              <a:rPr lang="ko-KR" altLang="en-US"/>
               <a:t>다섯째 수준</a:t>
             </a:r>
             <a:endParaRPr kumimoji="0" lang="en-US"/>
@@ -1921,7 +1921,7 @@
             <a:fld id="{F7D88D80-8E22-4AC9-B1B7-FCAE15AB02D8}" type="datetimeFigureOut">
               <a:rPr lang="ko-KR" altLang="en-US" smtClean="0"/>
               <a:pPr/>
-              <a:t>2018-05-02</a:t>
+              <a:t>2018-05-25</a:t>
             </a:fld>
             <a:endParaRPr lang="ko-KR" altLang="en-US"/>
           </a:p>
@@ -1986,7 +1986,7 @@
           <a:lstStyle/>
           <a:p>
             <a:r>
-              <a:rPr kumimoji="0" lang="ko-KR" altLang="en-US" smtClean="0"/>
+              <a:rPr kumimoji="0" lang="ko-KR" altLang="en-US"/>
               <a:t>마스터 제목 스타일 편집</a:t>
             </a:r>
             <a:endParaRPr kumimoji="0" lang="en-US"/>
@@ -2049,7 +2049,7 @@
           </a:lstStyle>
           <a:p>
             <a:r>
-              <a:rPr kumimoji="0" lang="ko-KR" altLang="en-US" smtClean="0"/>
+              <a:rPr kumimoji="0" lang="ko-KR" altLang="en-US"/>
               <a:t>마스터 제목 스타일 편집</a:t>
             </a:r>
             <a:endParaRPr kumimoji="0" lang="en-US"/>
@@ -2113,7 +2113,7 @@
           <a:p>
             <a:pPr lvl="0" eaLnBrk="1" latinLnBrk="0" hangingPunct="1"/>
             <a:r>
-              <a:rPr kumimoji="0" lang="ko-KR" altLang="en-US" smtClean="0"/>
+              <a:rPr kumimoji="0" lang="ko-KR" altLang="en-US"/>
               <a:t>마스터 텍스트 스타일을 편집합니다</a:t>
             </a:r>
           </a:p>
@@ -2176,7 +2176,7 @@
           <a:p>
             <a:pPr lvl="0" eaLnBrk="1" latinLnBrk="0" hangingPunct="1"/>
             <a:r>
-              <a:rPr kumimoji="0" lang="ko-KR" altLang="en-US" smtClean="0"/>
+              <a:rPr kumimoji="0" lang="ko-KR" altLang="en-US"/>
               <a:t>마스터 텍스트 스타일을 편집합니다</a:t>
             </a:r>
           </a:p>
@@ -2226,35 +2226,35 @@
           <a:p>
             <a:pPr lvl="0" eaLnBrk="1" latinLnBrk="0" hangingPunct="1"/>
             <a:r>
-              <a:rPr lang="ko-KR" altLang="en-US" smtClean="0"/>
+              <a:rPr lang="ko-KR" altLang="en-US"/>
               <a:t>마스터 텍스트 스타일을 편집합니다</a:t>
             </a:r>
           </a:p>
           <a:p>
             <a:pPr lvl="1" eaLnBrk="1" latinLnBrk="0" hangingPunct="1"/>
             <a:r>
-              <a:rPr lang="ko-KR" altLang="en-US" smtClean="0"/>
+              <a:rPr lang="ko-KR" altLang="en-US"/>
               <a:t>둘째 수준</a:t>
             </a:r>
           </a:p>
           <a:p>
             <a:pPr lvl="2" eaLnBrk="1" latinLnBrk="0" hangingPunct="1"/>
             <a:r>
-              <a:rPr lang="ko-KR" altLang="en-US" smtClean="0"/>
+              <a:rPr lang="ko-KR" altLang="en-US"/>
               <a:t>셋째 수준</a:t>
             </a:r>
           </a:p>
           <a:p>
             <a:pPr lvl="3" eaLnBrk="1" latinLnBrk="0" hangingPunct="1"/>
             <a:r>
-              <a:rPr lang="ko-KR" altLang="en-US" smtClean="0"/>
+              <a:rPr lang="ko-KR" altLang="en-US"/>
               <a:t>넷째 수준</a:t>
             </a:r>
           </a:p>
           <a:p>
             <a:pPr lvl="4" eaLnBrk="1" latinLnBrk="0" hangingPunct="1"/>
             <a:r>
-              <a:rPr lang="ko-KR" altLang="en-US" smtClean="0"/>
+              <a:rPr lang="ko-KR" altLang="en-US"/>
               <a:t>다섯째 수준</a:t>
             </a:r>
             <a:endParaRPr kumimoji="0" lang="en-US"/>
@@ -2308,35 +2308,35 @@
           <a:p>
             <a:pPr lvl="0" eaLnBrk="1" latinLnBrk="0" hangingPunct="1"/>
             <a:r>
-              <a:rPr lang="ko-KR" altLang="en-US" smtClean="0"/>
+              <a:rPr lang="ko-KR" altLang="en-US"/>
               <a:t>마스터 텍스트 스타일을 편집합니다</a:t>
             </a:r>
           </a:p>
           <a:p>
             <a:pPr lvl="1" eaLnBrk="1" latinLnBrk="0" hangingPunct="1"/>
             <a:r>
-              <a:rPr lang="ko-KR" altLang="en-US" smtClean="0"/>
+              <a:rPr lang="ko-KR" altLang="en-US"/>
               <a:t>둘째 수준</a:t>
             </a:r>
           </a:p>
           <a:p>
             <a:pPr lvl="2" eaLnBrk="1" latinLnBrk="0" hangingPunct="1"/>
             <a:r>
-              <a:rPr lang="ko-KR" altLang="en-US" smtClean="0"/>
+              <a:rPr lang="ko-KR" altLang="en-US"/>
               <a:t>셋째 수준</a:t>
             </a:r>
           </a:p>
           <a:p>
             <a:pPr lvl="3" eaLnBrk="1" latinLnBrk="0" hangingPunct="1"/>
             <a:r>
-              <a:rPr lang="ko-KR" altLang="en-US" smtClean="0"/>
+              <a:rPr lang="ko-KR" altLang="en-US"/>
               <a:t>넷째 수준</a:t>
             </a:r>
           </a:p>
           <a:p>
             <a:pPr lvl="4" eaLnBrk="1" latinLnBrk="0" hangingPunct="1"/>
             <a:r>
-              <a:rPr lang="ko-KR" altLang="en-US" smtClean="0"/>
+              <a:rPr lang="ko-KR" altLang="en-US"/>
               <a:t>다섯째 수준</a:t>
             </a:r>
             <a:endParaRPr kumimoji="0" lang="en-US"/>
@@ -2361,7 +2361,7 @@
             <a:fld id="{F7D88D80-8E22-4AC9-B1B7-FCAE15AB02D8}" type="datetimeFigureOut">
               <a:rPr lang="ko-KR" altLang="en-US" smtClean="0"/>
               <a:pPr/>
-              <a:t>2018-05-02</a:t>
+              <a:t>2018-05-25</a:t>
             </a:fld>
             <a:endParaRPr lang="ko-KR" altLang="en-US"/>
           </a:p>
@@ -2458,7 +2458,7 @@
             <a:fld id="{F7D88D80-8E22-4AC9-B1B7-FCAE15AB02D8}" type="datetimeFigureOut">
               <a:rPr lang="ko-KR" altLang="en-US" smtClean="0"/>
               <a:pPr/>
-              <a:t>2018-05-02</a:t>
+              <a:t>2018-05-25</a:t>
             </a:fld>
             <a:endParaRPr lang="ko-KR" altLang="en-US"/>
           </a:p>
@@ -2523,7 +2523,7 @@
           <a:lstStyle/>
           <a:p>
             <a:r>
-              <a:rPr kumimoji="0" lang="ko-KR" altLang="en-US" smtClean="0"/>
+              <a:rPr kumimoji="0" lang="ko-KR" altLang="en-US"/>
               <a:t>마스터 제목 스타일 편집</a:t>
             </a:r>
             <a:endParaRPr kumimoji="0" lang="en-US"/>
@@ -2573,7 +2573,7 @@
             <a:fld id="{F7D88D80-8E22-4AC9-B1B7-FCAE15AB02D8}" type="datetimeFigureOut">
               <a:rPr lang="ko-KR" altLang="en-US" smtClean="0"/>
               <a:pPr/>
-              <a:t>2018-05-02</a:t>
+              <a:t>2018-05-25</a:t>
             </a:fld>
             <a:endParaRPr lang="ko-KR" altLang="en-US"/>
           </a:p>
@@ -2689,7 +2689,7 @@
           </a:lstStyle>
           <a:p>
             <a:r>
-              <a:rPr kumimoji="0" lang="ko-KR" altLang="en-US" smtClean="0"/>
+              <a:rPr kumimoji="0" lang="ko-KR" altLang="en-US"/>
               <a:t>마스터 제목 스타일 편집</a:t>
             </a:r>
             <a:endParaRPr kumimoji="0" lang="en-US"/>
@@ -2740,7 +2740,7 @@
           <a:p>
             <a:pPr lvl="0" eaLnBrk="1" latinLnBrk="0" hangingPunct="1"/>
             <a:r>
-              <a:rPr kumimoji="0" lang="ko-KR" altLang="en-US" smtClean="0"/>
+              <a:rPr kumimoji="0" lang="ko-KR" altLang="en-US"/>
               <a:t>마스터 텍스트 스타일을 편집합니다</a:t>
             </a:r>
           </a:p>
@@ -2785,35 +2785,35 @@
           <a:p>
             <a:pPr lvl="0" eaLnBrk="1" latinLnBrk="0" hangingPunct="1"/>
             <a:r>
-              <a:rPr lang="ko-KR" altLang="en-US" smtClean="0"/>
+              <a:rPr lang="ko-KR" altLang="en-US"/>
               <a:t>마스터 텍스트 스타일을 편집합니다</a:t>
             </a:r>
           </a:p>
           <a:p>
             <a:pPr lvl="1" eaLnBrk="1" latinLnBrk="0" hangingPunct="1"/>
             <a:r>
-              <a:rPr lang="ko-KR" altLang="en-US" smtClean="0"/>
+              <a:rPr lang="ko-KR" altLang="en-US"/>
               <a:t>둘째 수준</a:t>
             </a:r>
           </a:p>
           <a:p>
             <a:pPr lvl="2" eaLnBrk="1" latinLnBrk="0" hangingPunct="1"/>
             <a:r>
-              <a:rPr lang="ko-KR" altLang="en-US" smtClean="0"/>
+              <a:rPr lang="ko-KR" altLang="en-US"/>
               <a:t>셋째 수준</a:t>
             </a:r>
           </a:p>
           <a:p>
             <a:pPr lvl="3" eaLnBrk="1" latinLnBrk="0" hangingPunct="1"/>
             <a:r>
-              <a:rPr lang="ko-KR" altLang="en-US" smtClean="0"/>
+              <a:rPr lang="ko-KR" altLang="en-US"/>
               <a:t>넷째 수준</a:t>
             </a:r>
           </a:p>
           <a:p>
             <a:pPr lvl="4" eaLnBrk="1" latinLnBrk="0" hangingPunct="1"/>
             <a:r>
-              <a:rPr lang="ko-KR" altLang="en-US" smtClean="0"/>
+              <a:rPr lang="ko-KR" altLang="en-US"/>
               <a:t>다섯째 수준</a:t>
             </a:r>
             <a:endParaRPr kumimoji="0" lang="en-US"/>
@@ -2843,7 +2843,7 @@
             <a:fld id="{F7D88D80-8E22-4AC9-B1B7-FCAE15AB02D8}" type="datetimeFigureOut">
               <a:rPr lang="ko-KR" altLang="en-US" smtClean="0"/>
               <a:pPr/>
-              <a:t>2018-05-02</a:t>
+              <a:t>2018-05-25</a:t>
             </a:fld>
             <a:endParaRPr lang="ko-KR" altLang="en-US"/>
           </a:p>
@@ -2963,7 +2963,7 @@
           <a:p>
             <a:pPr lvl="0" eaLnBrk="1" latinLnBrk="0" hangingPunct="1"/>
             <a:r>
-              <a:rPr kumimoji="0" lang="ko-KR" altLang="en-US" smtClean="0"/>
+              <a:rPr kumimoji="0" lang="ko-KR" altLang="en-US"/>
               <a:t>마스터 텍스트 스타일을 편집합니다</a:t>
             </a:r>
           </a:p>
@@ -3012,7 +3012,7 @@
           </a:lstStyle>
           <a:p>
             <a:r>
-              <a:rPr kumimoji="0" lang="ko-KR" altLang="en-US" smtClean="0"/>
+              <a:rPr kumimoji="0" lang="ko-KR" altLang="en-US"/>
               <a:t>그림을 추가하려면 아이콘을 클릭하십시오</a:t>
             </a:r>
             <a:endParaRPr kumimoji="0" lang="en-US" dirty="0"/>
@@ -3046,7 +3046,7 @@
             <a:fld id="{F7D88D80-8E22-4AC9-B1B7-FCAE15AB02D8}" type="datetimeFigureOut">
               <a:rPr lang="ko-KR" altLang="en-US" smtClean="0"/>
               <a:pPr/>
-              <a:t>2018-05-02</a:t>
+              <a:t>2018-05-25</a:t>
             </a:fld>
             <a:endParaRPr lang="ko-KR" altLang="en-US"/>
           </a:p>
@@ -3159,7 +3159,7 @@
           </a:lstStyle>
           <a:p>
             <a:r>
-              <a:rPr kumimoji="0" lang="ko-KR" altLang="en-US" smtClean="0"/>
+              <a:rPr kumimoji="0" lang="ko-KR" altLang="en-US"/>
               <a:t>마스터 제목 스타일 편집</a:t>
             </a:r>
             <a:endParaRPr kumimoji="0" lang="en-US"/>
@@ -4033,7 +4033,7 @@
           <a:lstStyle/>
           <a:p>
             <a:r>
-              <a:rPr kumimoji="0" lang="ko-KR" altLang="en-US" smtClean="0"/>
+              <a:rPr kumimoji="0" lang="ko-KR" altLang="en-US"/>
               <a:t>마스터 제목 스타일 편집</a:t>
             </a:r>
             <a:endParaRPr kumimoji="0" lang="en-US"/>
@@ -4067,35 +4067,35 @@
           <a:p>
             <a:pPr lvl="0" eaLnBrk="1" latinLnBrk="0" hangingPunct="1"/>
             <a:r>
-              <a:rPr kumimoji="0" lang="ko-KR" altLang="en-US" smtClean="0"/>
+              <a:rPr kumimoji="0" lang="ko-KR" altLang="en-US"/>
               <a:t>마스터 텍스트 스타일을 편집합니다</a:t>
             </a:r>
           </a:p>
           <a:p>
             <a:pPr lvl="1" eaLnBrk="1" latinLnBrk="0" hangingPunct="1"/>
             <a:r>
-              <a:rPr kumimoji="0" lang="ko-KR" altLang="en-US" smtClean="0"/>
+              <a:rPr kumimoji="0" lang="ko-KR" altLang="en-US"/>
               <a:t>둘째 수준</a:t>
             </a:r>
           </a:p>
           <a:p>
             <a:pPr lvl="2" eaLnBrk="1" latinLnBrk="0" hangingPunct="1"/>
             <a:r>
-              <a:rPr kumimoji="0" lang="ko-KR" altLang="en-US" smtClean="0"/>
+              <a:rPr kumimoji="0" lang="ko-KR" altLang="en-US"/>
               <a:t>셋째 수준</a:t>
             </a:r>
           </a:p>
           <a:p>
             <a:pPr lvl="3" eaLnBrk="1" latinLnBrk="0" hangingPunct="1"/>
             <a:r>
-              <a:rPr kumimoji="0" lang="ko-KR" altLang="en-US" smtClean="0"/>
+              <a:rPr kumimoji="0" lang="ko-KR" altLang="en-US"/>
               <a:t>넷째 수준</a:t>
             </a:r>
           </a:p>
           <a:p>
             <a:pPr lvl="4" eaLnBrk="1" latinLnBrk="0" hangingPunct="1"/>
             <a:r>
-              <a:rPr kumimoji="0" lang="ko-KR" altLang="en-US" smtClean="0"/>
+              <a:rPr kumimoji="0" lang="ko-KR" altLang="en-US"/>
               <a:t>다섯째 수준</a:t>
             </a:r>
             <a:endParaRPr kumimoji="0" lang="en-US"/>
@@ -4137,7 +4137,7 @@
             <a:fld id="{F7D88D80-8E22-4AC9-B1B7-FCAE15AB02D8}" type="datetimeFigureOut">
               <a:rPr lang="ko-KR" altLang="en-US" smtClean="0"/>
               <a:pPr/>
-              <a:t>2018-05-02</a:t>
+              <a:t>2018-05-25</a:t>
             </a:fld>
             <a:endParaRPr lang="ko-KR" altLang="en-US"/>
           </a:p>
@@ -4561,27 +4561,27 @@
           <a:lstStyle/>
           <a:p>
             <a:r>
-              <a:rPr lang="ko-KR" altLang="en-US" dirty="0" smtClean="0"/>
+              <a:rPr lang="ko-KR" altLang="en-US" dirty="0"/>
               <a:t>인간</a:t>
             </a:r>
             <a:r>
-              <a:rPr lang="en-US" altLang="ko-KR" dirty="0" smtClean="0"/>
+              <a:rPr lang="en-US" altLang="ko-KR" dirty="0"/>
               <a:t>, </a:t>
             </a:r>
             <a:r>
-              <a:rPr lang="ko-KR" altLang="en-US" dirty="0" smtClean="0"/>
+              <a:rPr lang="ko-KR" altLang="en-US" dirty="0"/>
               <a:t>동물</a:t>
             </a:r>
             <a:r>
-              <a:rPr lang="en-US" altLang="ko-KR" dirty="0" smtClean="0"/>
+              <a:rPr lang="en-US" altLang="ko-KR" dirty="0"/>
               <a:t>, </a:t>
             </a:r>
             <a:r>
-              <a:rPr lang="ko-KR" altLang="en-US" dirty="0" smtClean="0"/>
+              <a:rPr lang="ko-KR" altLang="en-US" dirty="0"/>
               <a:t>기계 </a:t>
             </a:r>
             <a:r>
-              <a:rPr lang="en-US" altLang="ko-KR" dirty="0" smtClean="0"/>
+              <a:rPr lang="en-US" altLang="ko-KR" dirty="0"/>
               <a:t>(3)</a:t>
             </a:r>
             <a:endParaRPr lang="ko-KR" altLang="en-US" dirty="0"/>
@@ -4604,26 +4604,25 @@
           <a:lstStyle/>
           <a:p>
             <a:r>
-              <a:rPr lang="ko-KR" altLang="en-US" dirty="0" smtClean="0"/>
+              <a:rPr lang="ko-KR" altLang="en-US" dirty="0"/>
               <a:t>데카르트 철학의 난점들</a:t>
             </a:r>
             <a:r>
-              <a:rPr lang="en-US" altLang="ko-KR" dirty="0" smtClean="0"/>
+              <a:rPr lang="en-US" altLang="ko-KR" dirty="0"/>
               <a:t>, </a:t>
             </a:r>
             <a:r>
-              <a:rPr lang="ko-KR" altLang="en-US" dirty="0" err="1" smtClean="0"/>
+              <a:rPr lang="ko-KR" altLang="en-US" dirty="0" err="1"/>
               <a:t>튜링테스트</a:t>
             </a:r>
             <a:r>
-              <a:rPr lang="en-US" altLang="ko-KR" dirty="0" smtClean="0"/>
+              <a:rPr lang="en-US" altLang="ko-KR" dirty="0"/>
               <a:t>, </a:t>
             </a:r>
             <a:r>
-              <a:rPr lang="ko-KR" altLang="en-US" dirty="0" smtClean="0"/>
+              <a:rPr lang="ko-KR" altLang="en-US" dirty="0"/>
               <a:t>중국어 방</a:t>
             </a:r>
-            <a:endParaRPr lang="ko-KR" altLang="en-US" dirty="0"/>
           </a:p>
         </p:txBody>
       </p:sp>
@@ -4675,21 +4674,21 @@
               </a:lnSpc>
             </a:pPr>
             <a:r>
-              <a:rPr lang="en-US" altLang="ko-KR" b="1" dirty="0" smtClean="0">
+              <a:rPr lang="en-US" altLang="ko-KR" b="1" dirty="0">
                 <a:latin typeface="나눔고딕" pitchFamily="50" charset="-127"/>
                 <a:ea typeface="나눔고딕" pitchFamily="50" charset="-127"/>
               </a:rPr>
               <a:t> (1) </a:t>
             </a:r>
             <a:r>
-              <a:rPr lang="ko-KR" altLang="en-US" b="1" dirty="0" smtClean="0">
+              <a:rPr lang="ko-KR" altLang="en-US" b="1" dirty="0">
                 <a:latin typeface="나눔고딕" pitchFamily="50" charset="-127"/>
                 <a:ea typeface="나눔고딕" pitchFamily="50" charset="-127"/>
               </a:rPr>
               <a:t>생각하는 나의 존재의 허구가능성 및 조작가능성→ 인간의 정체성∙본성을 이루는 생각하는 영혼의 존재 또한 제작의 대상이 될 수 있지 않은가</a:t>
             </a:r>
             <a:r>
-              <a:rPr lang="en-US" altLang="ko-KR" b="1" dirty="0" smtClean="0">
+              <a:rPr lang="en-US" altLang="ko-KR" b="1" dirty="0">
                 <a:latin typeface="나눔고딕" pitchFamily="50" charset="-127"/>
                 <a:ea typeface="나눔고딕" pitchFamily="50" charset="-127"/>
               </a:rPr>
@@ -4703,21 +4702,21 @@
               </a:lnSpc>
             </a:pPr>
             <a:r>
-              <a:rPr lang="en-US" altLang="ko-KR" b="1" dirty="0" smtClean="0">
+              <a:rPr lang="en-US" altLang="ko-KR" b="1" dirty="0">
                 <a:latin typeface="나눔고딕" pitchFamily="50" charset="-127"/>
                 <a:ea typeface="나눔고딕" pitchFamily="50" charset="-127"/>
               </a:rPr>
               <a:t> (2) </a:t>
             </a:r>
             <a:r>
-              <a:rPr lang="ko-KR" altLang="en-US" b="1" dirty="0" smtClean="0">
+              <a:rPr lang="ko-KR" altLang="en-US" b="1" dirty="0">
                 <a:latin typeface="나눔고딕" pitchFamily="50" charset="-127"/>
                 <a:ea typeface="나눔고딕" pitchFamily="50" charset="-127"/>
               </a:rPr>
               <a:t>생각하는 타인의 영혼의 존재의 불확실성 → 우리는 어떤 기준에 의해 타인이 생각하는 영혼을 가졌다고 판단할 수 있는가</a:t>
             </a:r>
             <a:r>
-              <a:rPr lang="en-US" altLang="ko-KR" b="1" dirty="0" smtClean="0">
+              <a:rPr lang="en-US" altLang="ko-KR" b="1" dirty="0">
                 <a:latin typeface="나눔고딕" pitchFamily="50" charset="-127"/>
                 <a:ea typeface="나눔고딕" pitchFamily="50" charset="-127"/>
               </a:rPr>
@@ -4732,27 +4731,27 @@
               <a:buNone/>
             </a:pPr>
             <a:r>
-              <a:rPr lang="en-US" altLang="ko-KR" b="1" dirty="0" smtClean="0">
+              <a:rPr lang="en-US" altLang="ko-KR" b="1" dirty="0">
                 <a:latin typeface="나눔고딕"/>
                 <a:ea typeface="나눔고딕"/>
               </a:rPr>
               <a:t>▶ </a:t>
             </a:r>
             <a:r>
-              <a:rPr lang="ko-KR" altLang="en-US" b="1" dirty="0" smtClean="0">
+              <a:rPr lang="ko-KR" altLang="en-US" b="1" dirty="0">
                 <a:latin typeface="나눔고딕"/>
                 <a:ea typeface="나눔고딕"/>
               </a:rPr>
               <a:t>인간과 </a:t>
             </a:r>
             <a:r>
-              <a:rPr lang="ko-KR" altLang="en-US" b="1" dirty="0" smtClean="0">
+              <a:rPr lang="ko-KR" altLang="en-US" b="1" dirty="0">
                 <a:latin typeface="나눔고딕" pitchFamily="50" charset="-127"/>
                 <a:ea typeface="나눔고딕" pitchFamily="50" charset="-127"/>
               </a:rPr>
               <a:t>인공지능의 차이에 관련된 두 핵심물음 </a:t>
             </a:r>
-            <a:endParaRPr lang="en-US" altLang="ko-KR" b="1" dirty="0" smtClean="0">
+            <a:endParaRPr lang="en-US" altLang="ko-KR" b="1" dirty="0">
               <a:latin typeface="나눔고딕" pitchFamily="50" charset="-127"/>
               <a:ea typeface="나눔고딕" pitchFamily="50" charset="-127"/>
             </a:endParaRPr>
@@ -4795,13 +4794,6 @@
   <p:clrMapOvr>
     <a:masterClrMapping/>
   </p:clrMapOvr>
-  <p:timing>
-    <p:tnLst>
-      <p:par>
-        <p:cTn id="1" dur="indefinite" restart="never" nodeType="tmRoot"/>
-      </p:par>
-    </p:tnLst>
-  </p:timing>
 </p:sld>
 </file>
 
@@ -4835,7 +4827,7 @@
         <p:spPr/>
         <p:txBody>
           <a:bodyPr>
-            <a:normAutofit fontScale="85000" lnSpcReduction="20000"/>
+            <a:normAutofit fontScale="77500" lnSpcReduction="20000"/>
           </a:bodyPr>
           <a:lstStyle/>
           <a:p>
@@ -4845,13 +4837,13 @@
               </a:lnSpc>
             </a:pPr>
             <a:r>
-              <a:rPr lang="ko-KR" altLang="en-US" b="1" dirty="0" smtClean="0">
+              <a:rPr lang="ko-KR" altLang="en-US" b="1" dirty="0">
                 <a:latin typeface="나눔고딕" pitchFamily="50" charset="-127"/>
                 <a:ea typeface="나눔고딕" pitchFamily="50" charset="-127"/>
               </a:rPr>
               <a:t>인공지능</a:t>
             </a:r>
-            <a:endParaRPr lang="en-US" altLang="ko-KR" b="1" dirty="0" smtClean="0">
+            <a:endParaRPr lang="en-US" altLang="ko-KR" b="1" dirty="0">
               <a:latin typeface="나눔고딕" pitchFamily="50" charset="-127"/>
               <a:ea typeface="나눔고딕" pitchFamily="50" charset="-127"/>
             </a:endParaRPr>
@@ -4864,41 +4856,41 @@
               <a:buAutoNum type="arabicParenBoth"/>
             </a:pPr>
             <a:r>
-              <a:rPr lang="ko-KR" altLang="en-US" b="1" dirty="0" smtClean="0">
+              <a:rPr lang="ko-KR" altLang="en-US" b="1" dirty="0">
                 <a:latin typeface="나눔고딕" pitchFamily="50" charset="-127"/>
                 <a:ea typeface="나눔고딕" pitchFamily="50" charset="-127"/>
               </a:rPr>
               <a:t>물질적∙자연적 존재</a:t>
             </a:r>
             <a:r>
-              <a:rPr lang="en-US" altLang="ko-KR" b="1" dirty="0" smtClean="0">
+              <a:rPr lang="en-US" altLang="ko-KR" b="1" dirty="0">
                 <a:latin typeface="나눔고딕" pitchFamily="50" charset="-127"/>
                 <a:ea typeface="나눔고딕" pitchFamily="50" charset="-127"/>
               </a:rPr>
               <a:t>(=</a:t>
             </a:r>
             <a:r>
-              <a:rPr lang="ko-KR" altLang="en-US" b="1" dirty="0" smtClean="0">
+              <a:rPr lang="ko-KR" altLang="en-US" b="1" dirty="0">
                 <a:latin typeface="나눔고딕" pitchFamily="50" charset="-127"/>
                 <a:ea typeface="나눔고딕" pitchFamily="50" charset="-127"/>
               </a:rPr>
               <a:t>기계</a:t>
             </a:r>
             <a:r>
-              <a:rPr lang="en-US" altLang="ko-KR" b="1" dirty="0" smtClean="0">
+              <a:rPr lang="en-US" altLang="ko-KR" b="1" dirty="0">
                 <a:latin typeface="나눔고딕" pitchFamily="50" charset="-127"/>
                 <a:ea typeface="나눔고딕" pitchFamily="50" charset="-127"/>
               </a:rPr>
               <a:t>): </a:t>
             </a:r>
             <a:r>
-              <a:rPr lang="ko-KR" altLang="en-US" b="1" dirty="0" smtClean="0">
+              <a:rPr lang="ko-KR" altLang="en-US" b="1" dirty="0">
                 <a:latin typeface="나눔고딕" pitchFamily="50" charset="-127"/>
                 <a:ea typeface="나눔고딕" pitchFamily="50" charset="-127"/>
               </a:rPr>
               <a:t>연장이 본질적 속성</a:t>
             </a:r>
-            <a:endParaRPr lang="en-US" altLang="ko-KR" b="1" dirty="0" smtClean="0">
+            <a:endParaRPr lang="en-US" altLang="ko-KR" b="1" dirty="0">
               <a:latin typeface="나눔고딕" pitchFamily="50" charset="-127"/>
               <a:ea typeface="나눔고딕" pitchFamily="50" charset="-127"/>
             </a:endParaRPr>
@@ -4911,55 +4903,55 @@
               <a:buAutoNum type="arabicParenBoth"/>
             </a:pPr>
             <a:r>
-              <a:rPr lang="ko-KR" altLang="en-US" b="1" dirty="0" smtClean="0">
+              <a:rPr lang="ko-KR" altLang="en-US" b="1" dirty="0">
                 <a:latin typeface="나눔고딕" pitchFamily="50" charset="-127"/>
                 <a:ea typeface="나눔고딕" pitchFamily="50" charset="-127"/>
               </a:rPr>
               <a:t>단순한 요소들</a:t>
             </a:r>
             <a:r>
-              <a:rPr lang="en-US" altLang="ko-KR" b="1" dirty="0" smtClean="0">
+              <a:rPr lang="en-US" altLang="ko-KR" b="1" dirty="0">
                 <a:latin typeface="나눔고딕" pitchFamily="50" charset="-127"/>
                 <a:ea typeface="나눔고딕" pitchFamily="50" charset="-127"/>
               </a:rPr>
               <a:t>(element)∙</a:t>
             </a:r>
             <a:r>
-              <a:rPr lang="ko-KR" altLang="en-US" b="1" dirty="0" smtClean="0">
+              <a:rPr lang="ko-KR" altLang="en-US" b="1" dirty="0">
                 <a:latin typeface="나눔고딕" pitchFamily="50" charset="-127"/>
                 <a:ea typeface="나눔고딕" pitchFamily="50" charset="-127"/>
               </a:rPr>
               <a:t>단위들</a:t>
             </a:r>
             <a:r>
-              <a:rPr lang="en-US" altLang="ko-KR" b="1" dirty="0" smtClean="0">
+              <a:rPr lang="en-US" altLang="ko-KR" b="1" dirty="0">
                 <a:latin typeface="나눔고딕" pitchFamily="50" charset="-127"/>
                 <a:ea typeface="나눔고딕" pitchFamily="50" charset="-127"/>
               </a:rPr>
               <a:t>(unit)</a:t>
             </a:r>
             <a:r>
-              <a:rPr lang="ko-KR" altLang="en-US" b="1" dirty="0" smtClean="0">
+              <a:rPr lang="ko-KR" altLang="en-US" b="1" dirty="0">
                 <a:latin typeface="나눔고딕" pitchFamily="50" charset="-127"/>
                 <a:ea typeface="나눔고딕" pitchFamily="50" charset="-127"/>
               </a:rPr>
               <a:t>로</a:t>
             </a:r>
             <a:r>
-              <a:rPr lang="en-US" altLang="ko-KR" b="1" dirty="0" smtClean="0">
+              <a:rPr lang="en-US" altLang="ko-KR" b="1" dirty="0">
                 <a:latin typeface="나눔고딕" pitchFamily="50" charset="-127"/>
                 <a:ea typeface="나눔고딕" pitchFamily="50" charset="-127"/>
               </a:rPr>
               <a:t> </a:t>
             </a:r>
             <a:r>
-              <a:rPr lang="ko-KR" altLang="en-US" b="1" dirty="0" smtClean="0">
+              <a:rPr lang="ko-KR" altLang="en-US" b="1" dirty="0">
                 <a:latin typeface="나눔고딕" pitchFamily="50" charset="-127"/>
                 <a:ea typeface="나눔고딕" pitchFamily="50" charset="-127"/>
               </a:rPr>
               <a:t>나누어짐 → 단위들의 인식 → 수학적 측정의 대상 → 인간에 제작될 수 있음</a:t>
             </a:r>
-            <a:endParaRPr lang="en-US" altLang="ko-KR" b="1" dirty="0" smtClean="0">
+            <a:endParaRPr lang="en-US" altLang="ko-KR" b="1" dirty="0">
               <a:latin typeface="나눔고딕" pitchFamily="50" charset="-127"/>
               <a:ea typeface="나눔고딕" pitchFamily="50" charset="-127"/>
             </a:endParaRPr>
@@ -4971,13 +4963,13 @@
               </a:lnSpc>
             </a:pPr>
             <a:r>
-              <a:rPr lang="ko-KR" altLang="en-US" b="1" dirty="0" smtClean="0">
+              <a:rPr lang="ko-KR" altLang="en-US" b="1" dirty="0">
                 <a:latin typeface="나눔고딕" pitchFamily="50" charset="-127"/>
                 <a:ea typeface="나눔고딕" pitchFamily="50" charset="-127"/>
               </a:rPr>
               <a:t>인간의 영혼</a:t>
             </a:r>
-            <a:endParaRPr lang="en-US" altLang="ko-KR" b="1" dirty="0" smtClean="0">
+            <a:endParaRPr lang="en-US" altLang="ko-KR" b="1" dirty="0">
               <a:latin typeface="나눔고딕" pitchFamily="50" charset="-127"/>
               <a:ea typeface="나눔고딕" pitchFamily="50" charset="-127"/>
             </a:endParaRPr>
@@ -4990,27 +4982,27 @@
               <a:buAutoNum type="arabicParenBoth"/>
             </a:pPr>
             <a:r>
-              <a:rPr lang="ko-KR" altLang="en-US" b="1" dirty="0" smtClean="0">
+              <a:rPr lang="ko-KR" altLang="en-US" b="1" dirty="0">
                 <a:latin typeface="나눔고딕" pitchFamily="50" charset="-127"/>
                 <a:ea typeface="나눔고딕" pitchFamily="50" charset="-127"/>
               </a:rPr>
               <a:t>정신적 존재</a:t>
             </a:r>
             <a:r>
-              <a:rPr lang="en-US" altLang="ko-KR" b="1" dirty="0" smtClean="0">
+              <a:rPr lang="en-US" altLang="ko-KR" b="1" dirty="0">
                 <a:latin typeface="나눔고딕" pitchFamily="50" charset="-127"/>
                 <a:ea typeface="나눔고딕" pitchFamily="50" charset="-127"/>
               </a:rPr>
               <a:t>: </a:t>
             </a:r>
             <a:r>
-              <a:rPr lang="ko-KR" altLang="en-US" b="1" dirty="0" smtClean="0">
+              <a:rPr lang="ko-KR" altLang="en-US" b="1" dirty="0">
                 <a:latin typeface="나눔고딕" pitchFamily="50" charset="-127"/>
                 <a:ea typeface="나눔고딕" pitchFamily="50" charset="-127"/>
               </a:rPr>
               <a:t>생각이 본질적 속성</a:t>
             </a:r>
-            <a:endParaRPr lang="en-US" altLang="ko-KR" b="1" dirty="0" smtClean="0">
+            <a:endParaRPr lang="en-US" altLang="ko-KR" b="1" dirty="0">
               <a:latin typeface="나눔고딕" pitchFamily="50" charset="-127"/>
               <a:ea typeface="나눔고딕" pitchFamily="50" charset="-127"/>
             </a:endParaRPr>
@@ -5023,27 +5015,27 @@
               <a:buAutoNum type="arabicParenBoth"/>
             </a:pPr>
             <a:r>
-              <a:rPr lang="ko-KR" altLang="en-US" b="1" dirty="0" smtClean="0">
+              <a:rPr lang="ko-KR" altLang="en-US" b="1" dirty="0">
                 <a:latin typeface="나눔고딕" pitchFamily="50" charset="-127"/>
                 <a:ea typeface="나눔고딕" pitchFamily="50" charset="-127"/>
               </a:rPr>
               <a:t>더 이상 나누어질 수 없는 존재</a:t>
             </a:r>
             <a:r>
-              <a:rPr lang="en-US" altLang="ko-KR" b="1" dirty="0" smtClean="0">
+              <a:rPr lang="en-US" altLang="ko-KR" b="1" dirty="0">
                 <a:latin typeface="나눔고딕" pitchFamily="50" charset="-127"/>
                 <a:ea typeface="나눔고딕" pitchFamily="50" charset="-127"/>
               </a:rPr>
               <a:t>: </a:t>
             </a:r>
             <a:r>
-              <a:rPr lang="ko-KR" altLang="en-US" b="1" dirty="0" smtClean="0">
+              <a:rPr lang="ko-KR" altLang="en-US" b="1" dirty="0">
                 <a:latin typeface="나눔고딕" pitchFamily="50" charset="-127"/>
                 <a:ea typeface="나눔고딕" pitchFamily="50" charset="-127"/>
               </a:rPr>
               <a:t>오직 신에 의해 창조될 수 있음</a:t>
             </a:r>
-            <a:endParaRPr lang="en-US" altLang="ko-KR" b="1" dirty="0" smtClean="0">
+            <a:endParaRPr lang="en-US" altLang="ko-KR" b="1" dirty="0">
               <a:latin typeface="나눔고딕" pitchFamily="50" charset="-127"/>
               <a:ea typeface="나눔고딕" pitchFamily="50" charset="-127"/>
             </a:endParaRPr>
@@ -5055,28 +5047,28 @@
               </a:lnSpc>
             </a:pPr>
             <a:r>
-              <a:rPr lang="ko-KR" altLang="en-US" b="1" dirty="0" smtClean="0">
+              <a:rPr lang="ko-KR" altLang="en-US" b="1" dirty="0">
                 <a:latin typeface="나눔고딕" pitchFamily="50" charset="-127"/>
                 <a:ea typeface="나눔고딕" pitchFamily="50" charset="-127"/>
               </a:rPr>
               <a:t>인공지능은 생각할 수 없다</a:t>
             </a:r>
             <a:r>
-              <a:rPr lang="en-US" altLang="ko-KR" b="1" dirty="0" smtClean="0">
+              <a:rPr lang="en-US" altLang="ko-KR" b="1" dirty="0">
                 <a:latin typeface="나눔고딕" pitchFamily="50" charset="-127"/>
                 <a:ea typeface="나눔고딕" pitchFamily="50" charset="-127"/>
               </a:rPr>
               <a:t>: </a:t>
             </a:r>
             <a:r>
-              <a:rPr lang="ko-KR" altLang="en-US" b="1" dirty="0" smtClean="0">
+              <a:rPr lang="ko-KR" altLang="en-US" b="1" dirty="0">
                 <a:latin typeface="나눔고딕" pitchFamily="50" charset="-127"/>
                 <a:ea typeface="나눔고딕" pitchFamily="50" charset="-127"/>
               </a:rPr>
               <a:t>인공지능은 자연의 법칙에 따라 작동하는 기계일 뿐</a:t>
             </a:r>
             <a:r>
-              <a:rPr lang="en-US" altLang="ko-KR" b="1" dirty="0" smtClean="0">
+              <a:rPr lang="en-US" altLang="ko-KR" b="1" dirty="0">
                 <a:latin typeface="나눔고딕" pitchFamily="50" charset="-127"/>
                 <a:ea typeface="나눔고딕" pitchFamily="50" charset="-127"/>
               </a:rPr>
@@ -5183,7 +5175,7 @@
           <a:lstStyle/>
           <a:p>
             <a:r>
-              <a:rPr lang="ko-KR" altLang="en-US" b="1" dirty="0" err="1" smtClean="0"/>
+              <a:rPr lang="ko-KR" altLang="en-US" b="1" dirty="0" err="1"/>
               <a:t>튜링테스트</a:t>
             </a:r>
             <a:endParaRPr lang="ko-KR" altLang="en-US" b="1" dirty="0"/>
@@ -5213,35 +5205,35 @@
               </a:lnSpc>
             </a:pPr>
             <a:r>
-              <a:rPr lang="en-US" altLang="ko-KR" b="1" dirty="0" smtClean="0">
+              <a:rPr lang="en-US" altLang="ko-KR" b="1" dirty="0">
                 <a:latin typeface="나눔고딕" pitchFamily="50" charset="-127"/>
                 <a:ea typeface="나눔고딕" pitchFamily="50" charset="-127"/>
               </a:rPr>
               <a:t> </a:t>
             </a:r>
             <a:r>
-              <a:rPr lang="ko-KR" altLang="en-US" b="1" dirty="0" err="1" smtClean="0">
+              <a:rPr lang="ko-KR" altLang="en-US" b="1" dirty="0" err="1">
                 <a:latin typeface="나눔고딕" pitchFamily="50" charset="-127"/>
                 <a:ea typeface="나눔고딕" pitchFamily="50" charset="-127"/>
               </a:rPr>
               <a:t>앨런</a:t>
             </a:r>
             <a:r>
-              <a:rPr lang="ko-KR" altLang="en-US" b="1" dirty="0" smtClean="0">
+              <a:rPr lang="ko-KR" altLang="en-US" b="1" dirty="0">
                 <a:latin typeface="나눔고딕" pitchFamily="50" charset="-127"/>
                 <a:ea typeface="나눔고딕" pitchFamily="50" charset="-127"/>
               </a:rPr>
               <a:t> </a:t>
             </a:r>
             <a:r>
-              <a:rPr lang="ko-KR" altLang="en-US" b="1" dirty="0" err="1" smtClean="0">
+              <a:rPr lang="ko-KR" altLang="en-US" b="1" dirty="0" err="1">
                 <a:latin typeface="나눔고딕" pitchFamily="50" charset="-127"/>
                 <a:ea typeface="나눔고딕" pitchFamily="50" charset="-127"/>
               </a:rPr>
               <a:t>튜링</a:t>
             </a:r>
             <a:r>
-              <a:rPr lang="en-US" altLang="ko-KR" b="1" dirty="0" smtClean="0">
+              <a:rPr lang="en-US" altLang="ko-KR" b="1" dirty="0">
                 <a:latin typeface="나눔고딕" pitchFamily="50" charset="-127"/>
                 <a:ea typeface="나눔고딕" pitchFamily="50" charset="-127"/>
               </a:rPr>
@@ -5256,27 +5248,27 @@
               <a:buNone/>
             </a:pPr>
             <a:r>
-              <a:rPr lang="ko-KR" altLang="en-US" b="1" dirty="0" smtClean="0">
+              <a:rPr lang="ko-KR" altLang="en-US" b="1" dirty="0">
                 <a:latin typeface="나눔고딕" pitchFamily="50" charset="-127"/>
                 <a:ea typeface="나눔고딕" pitchFamily="50" charset="-127"/>
               </a:rPr>
               <a:t>영국의 수학자</a:t>
             </a:r>
             <a:r>
-              <a:rPr lang="en-US" altLang="ko-KR" b="1" dirty="0" smtClean="0">
+              <a:rPr lang="en-US" altLang="ko-KR" b="1" dirty="0">
                 <a:latin typeface="나눔고딕" pitchFamily="50" charset="-127"/>
                 <a:ea typeface="나눔고딕" pitchFamily="50" charset="-127"/>
               </a:rPr>
               <a:t>, </a:t>
             </a:r>
             <a:r>
-              <a:rPr lang="ko-KR" altLang="en-US" b="1" dirty="0" smtClean="0">
+              <a:rPr lang="ko-KR" altLang="en-US" b="1" dirty="0">
                 <a:latin typeface="나눔고딕" pitchFamily="50" charset="-127"/>
                 <a:ea typeface="나눔고딕" pitchFamily="50" charset="-127"/>
               </a:rPr>
               <a:t>암호학자</a:t>
             </a:r>
-            <a:endParaRPr lang="en-US" altLang="ko-KR" b="1" dirty="0" smtClean="0">
+            <a:endParaRPr lang="en-US" altLang="ko-KR" b="1" dirty="0">
               <a:latin typeface="나눔고딕" pitchFamily="50" charset="-127"/>
               <a:ea typeface="나눔고딕" pitchFamily="50" charset="-127"/>
             </a:endParaRPr>
@@ -5288,7 +5280,7 @@
               </a:lnSpc>
             </a:pPr>
             <a:r>
-              <a:rPr lang="en-US" altLang="ko-KR" b="1" dirty="0" smtClean="0">
+              <a:rPr lang="en-US" altLang="ko-KR" b="1" dirty="0">
                 <a:latin typeface="나눔고딕" pitchFamily="50" charset="-127"/>
                 <a:ea typeface="나눔고딕" pitchFamily="50" charset="-127"/>
               </a:rPr>
@@ -5303,7 +5295,7 @@
               <a:buNone/>
             </a:pPr>
             <a:r>
-              <a:rPr lang="en-US" altLang="ko-KR" b="1" dirty="0" smtClean="0">
+              <a:rPr lang="en-US" altLang="ko-KR" b="1" dirty="0">
                 <a:latin typeface="나눔고딕" pitchFamily="50" charset="-127"/>
                 <a:ea typeface="나눔고딕" pitchFamily="50" charset="-127"/>
               </a:rPr>
@@ -5317,14 +5309,14 @@
               </a:lnSpc>
             </a:pPr>
             <a:r>
-              <a:rPr lang="ko-KR" altLang="en-US" b="1" dirty="0" smtClean="0">
+              <a:rPr lang="ko-KR" altLang="en-US" b="1" dirty="0">
                 <a:latin typeface="나눔고딕" pitchFamily="50" charset="-127"/>
                 <a:ea typeface="나눔고딕" pitchFamily="50" charset="-127"/>
               </a:rPr>
               <a:t>기계는 생각할 수 있는가</a:t>
             </a:r>
             <a:r>
-              <a:rPr lang="en-US" altLang="ko-KR" b="1" dirty="0" smtClean="0">
+              <a:rPr lang="en-US" altLang="ko-KR" b="1" dirty="0">
                 <a:latin typeface="나눔고딕" pitchFamily="50" charset="-127"/>
                 <a:ea typeface="나눔고딕" pitchFamily="50" charset="-127"/>
               </a:rPr>
@@ -5339,13 +5331,13 @@
               <a:buNone/>
             </a:pPr>
             <a:r>
-              <a:rPr lang="en-US" altLang="ko-KR" b="1" dirty="0" smtClean="0">
+              <a:rPr lang="en-US" altLang="ko-KR" b="1" dirty="0">
                 <a:latin typeface="나눔고딕" pitchFamily="50" charset="-127"/>
                 <a:ea typeface="나눔고딕" pitchFamily="50" charset="-127"/>
               </a:rPr>
               <a:t>(Can machine think?)</a:t>
             </a:r>
-            <a:endParaRPr lang="en-US" altLang="ko-KR" b="1" dirty="0" smtClean="0">
+            <a:endParaRPr lang="en-US" altLang="ko-KR" b="1" dirty="0">
               <a:latin typeface="나눔고딕" pitchFamily="50" charset="-127"/>
               <a:ea typeface="나눔고딕" pitchFamily="50" charset="-127"/>
               <a:cs typeface="Times New Roman"/>
@@ -5358,7 +5350,7 @@
               </a:lnSpc>
             </a:pPr>
             <a:r>
-              <a:rPr lang="en-US" altLang="ko-KR" b="1" dirty="0" smtClean="0">
+              <a:rPr lang="en-US" altLang="ko-KR" b="1" dirty="0">
                 <a:latin typeface="나눔고딕" pitchFamily="50" charset="-127"/>
                 <a:ea typeface="나눔고딕" pitchFamily="50" charset="-127"/>
                 <a:cs typeface="Times New Roman"/>
@@ -5366,14 +5358,14 @@
               <a:t> </a:t>
             </a:r>
             <a:r>
-              <a:rPr lang="ko-KR" altLang="en-US" b="1" dirty="0" err="1" smtClean="0">
+              <a:rPr lang="ko-KR" altLang="en-US" b="1" dirty="0" err="1">
                 <a:latin typeface="나눔고딕" pitchFamily="50" charset="-127"/>
                 <a:ea typeface="나눔고딕" pitchFamily="50" charset="-127"/>
                 <a:cs typeface="Times New Roman"/>
               </a:rPr>
               <a:t>튜링테스트</a:t>
             </a:r>
-            <a:endParaRPr lang="en-US" altLang="ko-KR" b="1" dirty="0" smtClean="0">
+            <a:endParaRPr lang="en-US" altLang="ko-KR" b="1" dirty="0">
               <a:latin typeface="나눔고딕" pitchFamily="50" charset="-127"/>
               <a:ea typeface="나눔고딕" pitchFamily="50" charset="-127"/>
               <a:cs typeface="Times New Roman"/>
@@ -5387,7 +5379,7 @@
               <a:buNone/>
             </a:pPr>
             <a:r>
-              <a:rPr lang="en-US" altLang="ko-KR" b="1" dirty="0" smtClean="0">
+              <a:rPr lang="en-US" altLang="ko-KR" b="1" dirty="0">
                 <a:latin typeface="나눔고딕" pitchFamily="50" charset="-127"/>
                 <a:ea typeface="나눔고딕" pitchFamily="50" charset="-127"/>
                 <a:cs typeface="Times New Roman"/>
@@ -5395,14 +5387,14 @@
               <a:t>= </a:t>
             </a:r>
             <a:r>
-              <a:rPr lang="ko-KR" altLang="en-US" b="1" dirty="0" smtClean="0">
+              <a:rPr lang="ko-KR" altLang="en-US" b="1" dirty="0">
                 <a:latin typeface="나눔고딕" pitchFamily="50" charset="-127"/>
                 <a:ea typeface="나눔고딕" pitchFamily="50" charset="-127"/>
                 <a:cs typeface="Times New Roman"/>
               </a:rPr>
               <a:t>이미테이션 게임</a:t>
             </a:r>
-            <a:endParaRPr lang="en-US" altLang="ko-KR" b="1" dirty="0" smtClean="0">
+            <a:endParaRPr lang="en-US" altLang="ko-KR" b="1" dirty="0">
               <a:latin typeface="나눔고딕" pitchFamily="50" charset="-127"/>
               <a:ea typeface="나눔고딕" pitchFamily="50" charset="-127"/>
               <a:cs typeface="Times New Roman"/>
@@ -5414,7 +5406,7 @@
                 <a:spcPct val="150000"/>
               </a:lnSpc>
             </a:pPr>
-            <a:endParaRPr lang="en-US" altLang="ko-KR" b="1" dirty="0" smtClean="0">
+            <a:endParaRPr lang="en-US" altLang="ko-KR" b="1" dirty="0">
               <a:latin typeface="나눔고딕" pitchFamily="50" charset="-127"/>
               <a:ea typeface="나눔고딕" pitchFamily="50" charset="-127"/>
               <a:cs typeface="Times New Roman"/>
@@ -5427,7 +5419,7 @@
               </a:lnSpc>
               <a:buNone/>
             </a:pPr>
-            <a:endParaRPr lang="en-US" altLang="ko-KR" b="1" dirty="0" smtClean="0">
+            <a:endParaRPr lang="en-US" altLang="ko-KR" b="1" dirty="0">
               <a:latin typeface="Times New Roman"/>
               <a:cs typeface="Times New Roman"/>
             </a:endParaRPr>
@@ -5463,13 +5455,6 @@
   <p:clrMapOvr>
     <a:masterClrMapping/>
   </p:clrMapOvr>
-  <p:timing>
-    <p:tnLst>
-      <p:par>
-        <p:cTn id="1" dur="indefinite" restart="never" nodeType="tmRoot"/>
-      </p:par>
-    </p:tnLst>
-  </p:timing>
 </p:sld>
 </file>
 
@@ -5506,7 +5491,7 @@
           <a:lstStyle/>
           <a:p>
             <a:r>
-              <a:rPr lang="ko-KR" altLang="en-US" b="1" dirty="0" err="1" smtClean="0"/>
+              <a:rPr lang="ko-KR" altLang="en-US" b="1" dirty="0" err="1"/>
               <a:t>튜링테스트</a:t>
             </a:r>
             <a:endParaRPr lang="ko-KR" altLang="en-US" b="1" dirty="0"/>
@@ -5749,13 +5734,6 @@
   <p:clrMapOvr>
     <a:masterClrMapping/>
   </p:clrMapOvr>
-  <p:timing>
-    <p:tnLst>
-      <p:par>
-        <p:cTn id="1" dur="indefinite" restart="never" nodeType="tmRoot"/>
-      </p:par>
-    </p:tnLst>
-  </p:timing>
 </p:sld>
 </file>
 
@@ -5792,7 +5770,7 @@
           <a:lstStyle/>
           <a:p>
             <a:r>
-              <a:rPr lang="ko-KR" altLang="en-US" b="1" dirty="0" err="1" smtClean="0"/>
+              <a:rPr lang="ko-KR" altLang="en-US" b="1" dirty="0" err="1"/>
               <a:t>튜링테스트</a:t>
             </a:r>
             <a:endParaRPr lang="ko-KR" altLang="en-US" b="1" dirty="0"/>
@@ -5827,13 +5805,6 @@
   <p:clrMapOvr>
     <a:masterClrMapping/>
   </p:clrMapOvr>
-  <p:timing>
-    <p:tnLst>
-      <p:par>
-        <p:cTn id="1" dur="indefinite" restart="never" nodeType="tmRoot"/>
-      </p:par>
-    </p:tnLst>
-  </p:timing>
 </p:sld>
 </file>
 
@@ -5870,7 +5841,7 @@
           <a:lstStyle/>
           <a:p>
             <a:r>
-              <a:rPr lang="ko-KR" altLang="en-US" b="1" dirty="0" err="1" smtClean="0"/>
+              <a:rPr lang="ko-KR" altLang="en-US" b="1" dirty="0" err="1"/>
               <a:t>튜링테스트</a:t>
             </a:r>
             <a:endParaRPr lang="ko-KR" altLang="en-US" dirty="0"/>
@@ -6016,21 +5987,7 @@
                 <a:latin typeface="나눔고딕"/>
                 <a:ea typeface="나눔고딕"/>
               </a:rPr>
-              <a:t>에 답하기 위해 생각함에 대한 정의에서 </a:t>
-            </a:r>
-            <a:r>
-              <a:rPr lang="ko-KR" altLang="en-US" sz="4000" b="1">
-                <a:latin typeface="나눔고딕"/>
-                <a:ea typeface="나눔고딕"/>
-              </a:rPr>
-              <a:t>출발하는 것은 </a:t>
-            </a:r>
-            <a:r>
-              <a:rPr lang="ko-KR" altLang="en-US" sz="4000" b="1" dirty="0">
-                <a:latin typeface="나눔고딕"/>
-                <a:ea typeface="나눔고딕"/>
-              </a:rPr>
-              <a:t>좋지 않다</a:t>
+              <a:t>에 답하기 위해 생각함에 대한 정의에서 출발하는 것은 좋지 않다</a:t>
             </a:r>
             <a:r>
               <a:rPr lang="en-US" altLang="ko-KR" sz="4000" b="1" dirty="0">
@@ -6246,18 +6203,162 @@
           </a:p>
         </p:txBody>
       </p:sp>
+      <p:cxnSp>
+        <p:nvCxnSpPr>
+          <p:cNvPr id="5" name="직선 화살표 연결선 4">
+            <a:extLst>
+              <a:ext uri="{FF2B5EF4-FFF2-40B4-BE49-F238E27FC236}">
+                <a16:creationId xmlns:a16="http://schemas.microsoft.com/office/drawing/2014/main" id="{4A7DF551-8E9C-407F-B2B7-9A9D8AE7EDB9}"/>
+              </a:ext>
+            </a:extLst>
+          </p:cNvPr>
+          <p:cNvCxnSpPr>
+            <a:cxnSpLocks/>
+            <a:stCxn id="6" idx="1"/>
+          </p:cNvCxnSpPr>
+          <p:nvPr/>
+        </p:nvCxnSpPr>
+        <p:spPr>
+          <a:xfrm flipH="1">
+            <a:off x="3071664" y="666042"/>
+            <a:ext cx="1656184" cy="895454"/>
+          </a:xfrm>
+          <a:prstGeom prst="straightConnector1">
+            <a:avLst/>
+          </a:prstGeom>
+          <a:ln>
+            <a:tailEnd type="triangle"/>
+          </a:ln>
+        </p:spPr>
+        <p:style>
+          <a:lnRef idx="1">
+            <a:schemeClr val="accent1"/>
+          </a:lnRef>
+          <a:fillRef idx="0">
+            <a:schemeClr val="accent1"/>
+          </a:fillRef>
+          <a:effectRef idx="0">
+            <a:schemeClr val="accent1"/>
+          </a:effectRef>
+          <a:fontRef idx="minor">
+            <a:schemeClr val="tx1"/>
+          </a:fontRef>
+        </p:style>
+      </p:cxnSp>
+      <p:sp>
+        <p:nvSpPr>
+          <p:cNvPr id="6" name="TextBox 5">
+            <a:extLst>
+              <a:ext uri="{FF2B5EF4-FFF2-40B4-BE49-F238E27FC236}">
+                <a16:creationId xmlns:a16="http://schemas.microsoft.com/office/drawing/2014/main" id="{1F5AB9F0-2B89-42C3-9543-B5C814B506C4}"/>
+              </a:ext>
+            </a:extLst>
+          </p:cNvPr>
+          <p:cNvSpPr txBox="1"/>
+          <p:nvPr/>
+        </p:nvSpPr>
+        <p:spPr>
+          <a:xfrm>
+            <a:off x="4727848" y="481376"/>
+            <a:ext cx="2736304" cy="369332"/>
+          </a:xfrm>
+          <a:prstGeom prst="rect">
+            <a:avLst/>
+          </a:prstGeom>
+          <a:noFill/>
+        </p:spPr>
+        <p:txBody>
+          <a:bodyPr wrap="square" rtlCol="0">
+            <a:spAutoFit/>
+          </a:bodyPr>
+          <a:lstStyle/>
+          <a:p>
+            <a:r>
+              <a:rPr lang="ko-KR" altLang="en-US" dirty="0"/>
+              <a:t>얼마나 잘 모방 하는가</a:t>
+            </a:r>
+          </a:p>
+        </p:txBody>
+      </p:sp>
+      <p:cxnSp>
+        <p:nvCxnSpPr>
+          <p:cNvPr id="8" name="직선 화살표 연결선 7">
+            <a:extLst>
+              <a:ext uri="{FF2B5EF4-FFF2-40B4-BE49-F238E27FC236}">
+                <a16:creationId xmlns:a16="http://schemas.microsoft.com/office/drawing/2014/main" id="{D9200C5D-7459-4319-B70D-0391BFE75FB2}"/>
+              </a:ext>
+            </a:extLst>
+          </p:cNvPr>
+          <p:cNvCxnSpPr/>
+          <p:nvPr/>
+        </p:nvCxnSpPr>
+        <p:spPr>
+          <a:xfrm>
+            <a:off x="10128448" y="4221088"/>
+            <a:ext cx="504056" cy="0"/>
+          </a:xfrm>
+          <a:prstGeom prst="straightConnector1">
+            <a:avLst/>
+          </a:prstGeom>
+          <a:ln>
+            <a:tailEnd type="triangle"/>
+          </a:ln>
+        </p:spPr>
+        <p:style>
+          <a:lnRef idx="1">
+            <a:schemeClr val="accent1"/>
+          </a:lnRef>
+          <a:fillRef idx="0">
+            <a:schemeClr val="accent1"/>
+          </a:fillRef>
+          <a:effectRef idx="0">
+            <a:schemeClr val="accent1"/>
+          </a:effectRef>
+          <a:fontRef idx="minor">
+            <a:schemeClr val="tx1"/>
+          </a:fontRef>
+        </p:style>
+      </p:cxnSp>
+      <p:sp>
+        <p:nvSpPr>
+          <p:cNvPr id="9" name="TextBox 8">
+            <a:extLst>
+              <a:ext uri="{FF2B5EF4-FFF2-40B4-BE49-F238E27FC236}">
+                <a16:creationId xmlns:a16="http://schemas.microsoft.com/office/drawing/2014/main" id="{70FBC5F8-C194-410A-9A57-1F530F770B5F}"/>
+              </a:ext>
+            </a:extLst>
+          </p:cNvPr>
+          <p:cNvSpPr txBox="1"/>
+          <p:nvPr/>
+        </p:nvSpPr>
+        <p:spPr>
+          <a:xfrm>
+            <a:off x="10632504" y="4036422"/>
+            <a:ext cx="1728192" cy="369332"/>
+          </a:xfrm>
+          <a:prstGeom prst="rect">
+            <a:avLst/>
+          </a:prstGeom>
+          <a:noFill/>
+        </p:spPr>
+        <p:txBody>
+          <a:bodyPr wrap="square" rtlCol="0">
+            <a:spAutoFit/>
+          </a:bodyPr>
+          <a:lstStyle/>
+          <a:p>
+            <a:r>
+              <a:rPr lang="ko-KR" altLang="en-US" dirty="0"/>
+              <a:t>외적인 측면만</a:t>
+            </a:r>
+          </a:p>
+        </p:txBody>
+      </p:sp>
     </p:spTree>
   </p:cSld>
   <p:clrMapOvr>
     <a:masterClrMapping/>
   </p:clrMapOvr>
-  <p:timing>
-    <p:tnLst>
-      <p:par>
-        <p:cTn id="1" dur="indefinite" restart="never" nodeType="tmRoot"/>
-      </p:par>
-    </p:tnLst>
-  </p:timing>
 </p:sld>
 </file>
 
@@ -6377,14 +6478,14 @@
               </a:lnSpc>
             </a:pPr>
             <a:r>
-              <a:rPr lang="ko-KR" altLang="en-US" b="1" dirty="0" smtClean="0">
+              <a:rPr lang="ko-KR" altLang="en-US" b="1" dirty="0">
                 <a:latin typeface="나눔고딕" pitchFamily="50" charset="-127"/>
                 <a:ea typeface="나눔고딕" pitchFamily="50" charset="-127"/>
               </a:rPr>
               <a:t>절차</a:t>
             </a:r>
             <a:r>
-              <a:rPr lang="en-US" altLang="ko-KR" b="1" dirty="0" smtClean="0">
+              <a:rPr lang="en-US" altLang="ko-KR" b="1" dirty="0">
                 <a:latin typeface="나눔고딕" pitchFamily="50" charset="-127"/>
                 <a:ea typeface="나눔고딕" pitchFamily="50" charset="-127"/>
               </a:rPr>
@@ -6400,20 +6501,20 @@
               <a:buChar char="-"/>
             </a:pPr>
             <a:r>
-              <a:rPr lang="en-US" altLang="ko-KR" b="1" dirty="0" smtClean="0">
+              <a:rPr lang="en-US" altLang="ko-KR" b="1" dirty="0">
                 <a:latin typeface="나눔고딕" pitchFamily="50" charset="-127"/>
                 <a:ea typeface="나눔고딕" pitchFamily="50" charset="-127"/>
               </a:rPr>
               <a:t> </a:t>
             </a:r>
             <a:r>
-              <a:rPr lang="ko-KR" altLang="en-US" b="1" dirty="0" smtClean="0">
+              <a:rPr lang="ko-KR" altLang="en-US" b="1" dirty="0">
                 <a:latin typeface="나눔고딕" pitchFamily="50" charset="-127"/>
                 <a:ea typeface="나눔고딕" pitchFamily="50" charset="-127"/>
               </a:rPr>
               <a:t>중국어를 모르는 사람을 방 안에 넣음</a:t>
             </a:r>
-            <a:endParaRPr lang="en-US" altLang="ko-KR" b="1" dirty="0" smtClean="0">
+            <a:endParaRPr lang="en-US" altLang="ko-KR" b="1" dirty="0">
               <a:latin typeface="나눔고딕" pitchFamily="50" charset="-127"/>
               <a:ea typeface="나눔고딕" pitchFamily="50" charset="-127"/>
             </a:endParaRPr>
@@ -6427,34 +6528,34 @@
               <a:buChar char="-"/>
             </a:pPr>
             <a:r>
-              <a:rPr lang="en-US" altLang="ko-KR" b="1" dirty="0" smtClean="0">
+              <a:rPr lang="en-US" altLang="ko-KR" b="1" dirty="0">
                 <a:latin typeface="나눔고딕" pitchFamily="50" charset="-127"/>
                 <a:ea typeface="나눔고딕" pitchFamily="50" charset="-127"/>
               </a:rPr>
               <a:t> </a:t>
             </a:r>
             <a:r>
-              <a:rPr lang="ko-KR" altLang="en-US" b="1" dirty="0" smtClean="0">
+              <a:rPr lang="ko-KR" altLang="en-US" b="1" dirty="0">
                 <a:latin typeface="나눔고딕" pitchFamily="50" charset="-127"/>
                 <a:ea typeface="나눔고딕" pitchFamily="50" charset="-127"/>
               </a:rPr>
               <a:t>중국어로 된 질문 목록과 질문에 상응하는 중국어 대답이 적힌 목록</a:t>
             </a:r>
             <a:r>
-              <a:rPr lang="en-US" altLang="ko-KR" b="1" dirty="0" smtClean="0">
+              <a:rPr lang="en-US" altLang="ko-KR" b="1" dirty="0">
                 <a:latin typeface="나눔고딕" pitchFamily="50" charset="-127"/>
                 <a:ea typeface="나눔고딕" pitchFamily="50" charset="-127"/>
               </a:rPr>
               <a:t>,</a:t>
             </a:r>
             <a:r>
-              <a:rPr lang="ko-KR" altLang="en-US" b="1" dirty="0" smtClean="0">
+              <a:rPr lang="ko-KR" altLang="en-US" b="1" dirty="0">
                 <a:latin typeface="나눔고딕" pitchFamily="50" charset="-127"/>
                 <a:ea typeface="나눔고딕" pitchFamily="50" charset="-127"/>
               </a:rPr>
               <a:t> 필기도구</a:t>
             </a:r>
-            <a:endParaRPr lang="en-US" altLang="ko-KR" b="1" dirty="0" smtClean="0">
+            <a:endParaRPr lang="en-US" altLang="ko-KR" b="1" dirty="0">
               <a:latin typeface="나눔고딕" pitchFamily="50" charset="-127"/>
               <a:ea typeface="나눔고딕" pitchFamily="50" charset="-127"/>
             </a:endParaRPr>
@@ -6468,20 +6569,20 @@
               <a:buChar char="-"/>
             </a:pPr>
             <a:r>
-              <a:rPr lang="en-US" altLang="ko-KR" b="1" dirty="0" smtClean="0">
+              <a:rPr lang="en-US" altLang="ko-KR" b="1" dirty="0">
                 <a:latin typeface="나눔고딕" pitchFamily="50" charset="-127"/>
                 <a:ea typeface="나눔고딕" pitchFamily="50" charset="-127"/>
               </a:rPr>
               <a:t> </a:t>
             </a:r>
             <a:r>
-              <a:rPr lang="ko-KR" altLang="en-US" b="1" dirty="0" smtClean="0">
+              <a:rPr lang="ko-KR" altLang="en-US" b="1" dirty="0">
                 <a:latin typeface="나눔고딕" pitchFamily="50" charset="-127"/>
                 <a:ea typeface="나눔고딕" pitchFamily="50" charset="-127"/>
               </a:rPr>
               <a:t>중국어를 몰라도 대답을 할 수 있음</a:t>
             </a:r>
-            <a:endParaRPr lang="en-US" altLang="ko-KR" b="1" dirty="0" smtClean="0">
+            <a:endParaRPr lang="en-US" altLang="ko-KR" b="1" dirty="0">
               <a:latin typeface="나눔고딕" pitchFamily="50" charset="-127"/>
               <a:ea typeface="나눔고딕" pitchFamily="50" charset="-127"/>
             </a:endParaRPr>
@@ -6500,13 +6601,6 @@
   <p:clrMapOvr>
     <a:masterClrMapping/>
   </p:clrMapOvr>
-  <p:timing>
-    <p:tnLst>
-      <p:par>
-        <p:cTn id="1" dur="indefinite" restart="never" nodeType="tmRoot"/>
-      </p:par>
-    </p:tnLst>
-  </p:timing>
 </p:sld>
 </file>
 
@@ -6543,37 +6637,33 @@
           <a:lstStyle/>
           <a:p>
             <a:r>
-              <a:rPr lang="en-US" altLang="ko-KR" b="1" dirty="0" smtClean="0">
+              <a:rPr lang="en-US" altLang="ko-KR" b="1" dirty="0">
                 <a:latin typeface="나눔고딕" pitchFamily="50" charset="-127"/>
                 <a:ea typeface="나눔고딕" pitchFamily="50" charset="-127"/>
               </a:rPr>
               <a:t>‘</a:t>
             </a:r>
             <a:r>
-              <a:rPr lang="ko-KR" altLang="en-US" b="1" dirty="0" smtClean="0">
+              <a:rPr lang="ko-KR" altLang="en-US" b="1" dirty="0">
                 <a:latin typeface="나눔고딕" pitchFamily="50" charset="-127"/>
                 <a:ea typeface="나눔고딕" pitchFamily="50" charset="-127"/>
               </a:rPr>
               <a:t>중국어 방</a:t>
             </a:r>
             <a:r>
-              <a:rPr lang="en-US" altLang="ko-KR" b="1" dirty="0" smtClean="0">
+              <a:rPr lang="en-US" altLang="ko-KR" b="1" dirty="0">
                 <a:latin typeface="나눔고딕" pitchFamily="50" charset="-127"/>
                 <a:ea typeface="나눔고딕" pitchFamily="50" charset="-127"/>
               </a:rPr>
               <a:t>’ </a:t>
             </a:r>
             <a:r>
-              <a:rPr lang="ko-KR" altLang="en-US" b="1" dirty="0" smtClean="0">
+              <a:rPr lang="ko-KR" altLang="en-US" b="1" dirty="0">
                 <a:latin typeface="나눔고딕" pitchFamily="50" charset="-127"/>
                 <a:ea typeface="나눔고딕" pitchFamily="50" charset="-127"/>
               </a:rPr>
               <a:t>논변</a:t>
             </a:r>
-            <a:endParaRPr lang="ko-KR" altLang="en-US" b="1" dirty="0">
-              <a:latin typeface="나눔고딕" pitchFamily="50" charset="-127"/>
-              <a:ea typeface="나눔고딕" pitchFamily="50" charset="-127"/>
-            </a:endParaRPr>
           </a:p>
         </p:txBody>
       </p:sp>
@@ -6600,27 +6690,27 @@
               </a:lnSpc>
             </a:pPr>
             <a:r>
-              <a:rPr lang="en-US" altLang="ko-KR" b="1" dirty="0" smtClean="0">
+              <a:rPr lang="en-US" altLang="ko-KR" b="1" dirty="0">
                 <a:latin typeface="나눔고딕" pitchFamily="50" charset="-127"/>
                 <a:ea typeface="나눔고딕" pitchFamily="50" charset="-127"/>
               </a:rPr>
               <a:t> </a:t>
             </a:r>
             <a:r>
-              <a:rPr lang="ko-KR" altLang="en-US" b="1" dirty="0" err="1" smtClean="0">
+              <a:rPr lang="ko-KR" altLang="en-US" b="1" dirty="0" err="1">
                 <a:latin typeface="나눔고딕" pitchFamily="50" charset="-127"/>
                 <a:ea typeface="나눔고딕" pitchFamily="50" charset="-127"/>
               </a:rPr>
               <a:t>튜링</a:t>
             </a:r>
             <a:r>
-              <a:rPr lang="ko-KR" altLang="en-US" b="1" dirty="0" smtClean="0">
+              <a:rPr lang="ko-KR" altLang="en-US" b="1" dirty="0">
                 <a:latin typeface="나눔고딕" pitchFamily="50" charset="-127"/>
                 <a:ea typeface="나눔고딕" pitchFamily="50" charset="-127"/>
               </a:rPr>
               <a:t> 테스트 비판</a:t>
             </a:r>
-            <a:endParaRPr lang="en-US" altLang="ko-KR" b="1" dirty="0" smtClean="0">
+            <a:endParaRPr lang="en-US" altLang="ko-KR" b="1" dirty="0">
               <a:latin typeface="나눔고딕" pitchFamily="50" charset="-127"/>
               <a:ea typeface="나눔고딕" pitchFamily="50" charset="-127"/>
             </a:endParaRPr>
@@ -6632,27 +6722,27 @@
               </a:lnSpc>
             </a:pPr>
             <a:r>
-              <a:rPr lang="en-US" altLang="ko-KR" b="1" dirty="0" smtClean="0">
+              <a:rPr lang="en-US" altLang="ko-KR" b="1" dirty="0">
                 <a:latin typeface="나눔고딕" pitchFamily="50" charset="-127"/>
                 <a:ea typeface="나눔고딕" pitchFamily="50" charset="-127"/>
               </a:rPr>
               <a:t> </a:t>
             </a:r>
             <a:r>
-              <a:rPr lang="ko-KR" altLang="en-US" b="1" dirty="0" err="1" smtClean="0">
+              <a:rPr lang="ko-KR" altLang="en-US" b="1" dirty="0" err="1">
                 <a:latin typeface="나눔고딕" pitchFamily="50" charset="-127"/>
                 <a:ea typeface="나눔고딕" pitchFamily="50" charset="-127"/>
               </a:rPr>
               <a:t>튜링테스트를</a:t>
             </a:r>
             <a:r>
-              <a:rPr lang="ko-KR" altLang="en-US" b="1" dirty="0" smtClean="0">
+              <a:rPr lang="ko-KR" altLang="en-US" b="1" dirty="0">
                 <a:latin typeface="나눔고딕" pitchFamily="50" charset="-127"/>
                 <a:ea typeface="나눔고딕" pitchFamily="50" charset="-127"/>
               </a:rPr>
               <a:t> 통과한 컴퓨터는 언어의 의미를 모른 채 정확한 대답을 할 수 있는 중국어 방과도 같다 </a:t>
             </a:r>
-            <a:endParaRPr lang="en-US" altLang="ko-KR" b="1" dirty="0" smtClean="0">
+            <a:endParaRPr lang="en-US" altLang="ko-KR" b="1" dirty="0">
               <a:latin typeface="나눔고딕" pitchFamily="50" charset="-127"/>
               <a:ea typeface="나눔고딕" pitchFamily="50" charset="-127"/>
             </a:endParaRPr>
@@ -6664,27 +6754,27 @@
               </a:lnSpc>
             </a:pPr>
             <a:r>
-              <a:rPr lang="en-US" altLang="ko-KR" b="1" dirty="0" smtClean="0">
+              <a:rPr lang="en-US" altLang="ko-KR" b="1" dirty="0">
                 <a:latin typeface="나눔고딕" pitchFamily="50" charset="-127"/>
                 <a:ea typeface="나눔고딕" pitchFamily="50" charset="-127"/>
               </a:rPr>
               <a:t> </a:t>
             </a:r>
             <a:r>
-              <a:rPr lang="ko-KR" altLang="en-US" b="1" dirty="0" err="1" smtClean="0">
+              <a:rPr lang="ko-KR" altLang="en-US" b="1" dirty="0" err="1">
                 <a:latin typeface="나눔고딕" pitchFamily="50" charset="-127"/>
                 <a:ea typeface="나눔고딕" pitchFamily="50" charset="-127"/>
               </a:rPr>
               <a:t>튜링</a:t>
             </a:r>
             <a:r>
-              <a:rPr lang="ko-KR" altLang="en-US" b="1" dirty="0" smtClean="0">
+              <a:rPr lang="ko-KR" altLang="en-US" b="1" dirty="0">
                 <a:latin typeface="나눔고딕" pitchFamily="50" charset="-127"/>
                 <a:ea typeface="나눔고딕" pitchFamily="50" charset="-127"/>
               </a:rPr>
               <a:t> 테스트를 통과했다는 것이 곧 의미를 이해하고 생각할 줄 아는 정신 또는 영혼을 갖고 있다는 것을 의미하지는 않는다</a:t>
             </a:r>
-            <a:endParaRPr lang="en-US" altLang="ko-KR" b="1" dirty="0" smtClean="0">
+            <a:endParaRPr lang="en-US" altLang="ko-KR" b="1" dirty="0">
               <a:latin typeface="나눔고딕" pitchFamily="50" charset="-127"/>
               <a:ea typeface="나눔고딕" pitchFamily="50" charset="-127"/>
             </a:endParaRPr>
@@ -6698,20 +6788,20 @@
               <a:buChar char="-"/>
             </a:pPr>
             <a:r>
-              <a:rPr lang="en-US" altLang="ko-KR" b="1" dirty="0" smtClean="0">
+              <a:rPr lang="en-US" altLang="ko-KR" b="1" dirty="0">
                 <a:latin typeface="나눔고딕" pitchFamily="50" charset="-127"/>
                 <a:ea typeface="나눔고딕" pitchFamily="50" charset="-127"/>
               </a:rPr>
               <a:t> </a:t>
             </a:r>
             <a:r>
-              <a:rPr lang="ko-KR" altLang="en-US" b="1" dirty="0" smtClean="0">
+              <a:rPr lang="ko-KR" altLang="en-US" b="1" dirty="0">
                 <a:latin typeface="나눔고딕" pitchFamily="50" charset="-127"/>
                 <a:ea typeface="나눔고딕" pitchFamily="50" charset="-127"/>
               </a:rPr>
               <a:t>형식적 구문론과 내용적 의미론의 구별</a:t>
             </a:r>
-            <a:endParaRPr lang="en-US" altLang="ko-KR" b="1" dirty="0" smtClean="0">
+            <a:endParaRPr lang="en-US" altLang="ko-KR" b="1" dirty="0">
               <a:latin typeface="나눔고딕" pitchFamily="50" charset="-127"/>
               <a:ea typeface="나눔고딕" pitchFamily="50" charset="-127"/>
             </a:endParaRPr>
@@ -6762,21 +6852,21 @@
           <a:lstStyle/>
           <a:p>
             <a:r>
-              <a:rPr lang="en-US" altLang="ko-KR" b="1" dirty="0" smtClean="0">
+              <a:rPr lang="en-US" altLang="ko-KR" b="1" dirty="0">
                 <a:latin typeface="나눔고딕" pitchFamily="50" charset="-127"/>
                 <a:ea typeface="나눔고딕" pitchFamily="50" charset="-127"/>
               </a:rPr>
               <a:t>“</a:t>
             </a:r>
             <a:r>
-              <a:rPr lang="ko-KR" altLang="en-US" b="1" dirty="0" smtClean="0">
+              <a:rPr lang="ko-KR" altLang="en-US" b="1" dirty="0">
                 <a:latin typeface="나눔고딕" pitchFamily="50" charset="-127"/>
                 <a:ea typeface="나눔고딕" pitchFamily="50" charset="-127"/>
               </a:rPr>
               <a:t>인간과 꼭 닮은 로봇</a:t>
             </a:r>
             <a:r>
-              <a:rPr lang="en-US" altLang="ko-KR" b="1" dirty="0" smtClean="0">
+              <a:rPr lang="en-US" altLang="ko-KR" b="1" dirty="0">
                 <a:latin typeface="나눔고딕" pitchFamily="50" charset="-127"/>
                 <a:ea typeface="나눔고딕" pitchFamily="50" charset="-127"/>
               </a:rPr>
@@ -6802,7 +6892,7 @@
         <p:spPr/>
         <p:txBody>
           <a:bodyPr>
-            <a:normAutofit fontScale="92500"/>
+            <a:normAutofit fontScale="92500" lnSpcReduction="10000"/>
           </a:bodyPr>
           <a:lstStyle/>
           <a:p>
@@ -6812,34 +6902,34 @@
               </a:lnSpc>
             </a:pPr>
             <a:r>
-              <a:rPr lang="en-US" altLang="ko-KR" b="1" dirty="0" smtClean="0">
+              <a:rPr lang="en-US" altLang="ko-KR" b="1" dirty="0">
                 <a:latin typeface="나눔고딕" pitchFamily="50" charset="-127"/>
                 <a:ea typeface="나눔고딕" pitchFamily="50" charset="-127"/>
               </a:rPr>
               <a:t> </a:t>
             </a:r>
             <a:r>
-              <a:rPr lang="ko-KR" altLang="en-US" b="1" dirty="0" smtClean="0">
+              <a:rPr lang="ko-KR" altLang="en-US" b="1" dirty="0">
                 <a:latin typeface="나눔고딕" pitchFamily="50" charset="-127"/>
                 <a:ea typeface="나눔고딕" pitchFamily="50" charset="-127"/>
               </a:rPr>
               <a:t>로봇 제작자의 꿈</a:t>
             </a:r>
             <a:r>
-              <a:rPr lang="en-US" altLang="ko-KR" b="1" dirty="0" smtClean="0">
+              <a:rPr lang="en-US" altLang="ko-KR" b="1" dirty="0">
                 <a:latin typeface="나눔고딕" pitchFamily="50" charset="-127"/>
                 <a:ea typeface="나눔고딕" pitchFamily="50" charset="-127"/>
               </a:rPr>
               <a:t>: </a:t>
             </a:r>
             <a:r>
-              <a:rPr lang="ko-KR" altLang="en-US" b="1" dirty="0" smtClean="0">
+              <a:rPr lang="ko-KR" altLang="en-US" b="1" dirty="0">
                 <a:latin typeface="나눔고딕" pitchFamily="50" charset="-127"/>
                 <a:ea typeface="나눔고딕" pitchFamily="50" charset="-127"/>
               </a:rPr>
               <a:t>인간과 같은 로봇을 만드는 것</a:t>
             </a:r>
-            <a:endParaRPr lang="en-US" altLang="ko-KR" b="1" dirty="0" smtClean="0">
+            <a:endParaRPr lang="en-US" altLang="ko-KR" b="1" dirty="0">
               <a:latin typeface="나눔고딕" pitchFamily="50" charset="-127"/>
               <a:ea typeface="나눔고딕" pitchFamily="50" charset="-127"/>
             </a:endParaRPr>
@@ -6851,42 +6941,42 @@
               </a:lnSpc>
             </a:pPr>
             <a:r>
-              <a:rPr lang="ko-KR" altLang="en-US" b="1" dirty="0" smtClean="0">
+              <a:rPr lang="ko-KR" altLang="en-US" b="1" dirty="0">
                 <a:latin typeface="나눔고딕" pitchFamily="50" charset="-127"/>
                 <a:ea typeface="나눔고딕" pitchFamily="50" charset="-127"/>
               </a:rPr>
               <a:t> 로봇</a:t>
             </a:r>
             <a:r>
-              <a:rPr lang="en-US" altLang="ko-KR" b="1" dirty="0" smtClean="0">
+              <a:rPr lang="en-US" altLang="ko-KR" b="1" dirty="0">
                 <a:latin typeface="나눔고딕" pitchFamily="50" charset="-127"/>
                 <a:ea typeface="나눔고딕" pitchFamily="50" charset="-127"/>
               </a:rPr>
               <a:t>: </a:t>
             </a:r>
             <a:r>
-              <a:rPr lang="ko-KR" altLang="en-US" b="1" dirty="0" smtClean="0">
+              <a:rPr lang="ko-KR" altLang="en-US" b="1" dirty="0">
                 <a:latin typeface="나눔고딕" pitchFamily="50" charset="-127"/>
                 <a:ea typeface="나눔고딕" pitchFamily="50" charset="-127"/>
               </a:rPr>
               <a:t>인간의 이미테이션</a:t>
             </a:r>
             <a:r>
-              <a:rPr lang="en-US" altLang="ko-KR" b="1" dirty="0" smtClean="0">
+              <a:rPr lang="en-US" altLang="ko-KR" b="1" dirty="0">
                 <a:latin typeface="나눔고딕" pitchFamily="50" charset="-127"/>
                 <a:ea typeface="나눔고딕" pitchFamily="50" charset="-127"/>
               </a:rPr>
               <a:t>(</a:t>
             </a:r>
             <a:r>
-              <a:rPr lang="ko-KR" altLang="en-US" b="1" dirty="0" err="1" smtClean="0">
+              <a:rPr lang="ko-KR" altLang="en-US" b="1" dirty="0" err="1">
                 <a:latin typeface="나눔고딕" pitchFamily="50" charset="-127"/>
                 <a:ea typeface="나눔고딕" pitchFamily="50" charset="-127"/>
               </a:rPr>
               <a:t>모방물</a:t>
             </a:r>
             <a:r>
-              <a:rPr lang="en-US" altLang="ko-KR" b="1" dirty="0" smtClean="0">
+              <a:rPr lang="en-US" altLang="ko-KR" b="1" dirty="0">
                 <a:latin typeface="나눔고딕" pitchFamily="50" charset="-127"/>
                 <a:ea typeface="나눔고딕" pitchFamily="50" charset="-127"/>
               </a:rPr>
@@ -6900,90 +6990,90 @@
               </a:lnSpc>
             </a:pPr>
             <a:r>
-              <a:rPr lang="en-US" altLang="ko-KR" b="1" dirty="0" smtClean="0">
+              <a:rPr lang="en-US" altLang="ko-KR" b="1" dirty="0">
                 <a:latin typeface="나눔고딕" pitchFamily="50" charset="-127"/>
                 <a:ea typeface="나눔고딕" pitchFamily="50" charset="-127"/>
               </a:rPr>
               <a:t> </a:t>
             </a:r>
             <a:r>
-              <a:rPr lang="ko-KR" altLang="en-US" b="1" dirty="0" smtClean="0">
+              <a:rPr lang="ko-KR" altLang="en-US" b="1" dirty="0">
                 <a:latin typeface="나눔고딕" pitchFamily="50" charset="-127"/>
                 <a:ea typeface="나눔고딕" pitchFamily="50" charset="-127"/>
               </a:rPr>
               <a:t>인간의 지능</a:t>
             </a:r>
             <a:r>
-              <a:rPr lang="en-US" altLang="ko-KR" b="1" dirty="0" smtClean="0">
+              <a:rPr lang="en-US" altLang="ko-KR" b="1" dirty="0">
                 <a:latin typeface="나눔고딕" pitchFamily="50" charset="-127"/>
                 <a:ea typeface="나눔고딕" pitchFamily="50" charset="-127"/>
               </a:rPr>
               <a:t>, </a:t>
             </a:r>
             <a:r>
-              <a:rPr lang="ko-KR" altLang="en-US" b="1" dirty="0" smtClean="0">
+              <a:rPr lang="ko-KR" altLang="en-US" b="1" dirty="0">
                 <a:latin typeface="나눔고딕" pitchFamily="50" charset="-127"/>
                 <a:ea typeface="나눔고딕" pitchFamily="50" charset="-127"/>
               </a:rPr>
               <a:t>언어</a:t>
             </a:r>
             <a:r>
-              <a:rPr lang="en-US" altLang="ko-KR" b="1" dirty="0" smtClean="0">
+              <a:rPr lang="en-US" altLang="ko-KR" b="1" dirty="0">
                 <a:latin typeface="나눔고딕" pitchFamily="50" charset="-127"/>
                 <a:ea typeface="나눔고딕" pitchFamily="50" charset="-127"/>
               </a:rPr>
               <a:t>, </a:t>
             </a:r>
             <a:r>
-              <a:rPr lang="ko-KR" altLang="en-US" b="1" dirty="0" smtClean="0">
+              <a:rPr lang="ko-KR" altLang="en-US" b="1" dirty="0">
                 <a:latin typeface="나눔고딕" pitchFamily="50" charset="-127"/>
                 <a:ea typeface="나눔고딕" pitchFamily="50" charset="-127"/>
               </a:rPr>
               <a:t>감정</a:t>
             </a:r>
             <a:r>
-              <a:rPr lang="en-US" altLang="ko-KR" b="1" dirty="0" smtClean="0">
+              <a:rPr lang="en-US" altLang="ko-KR" b="1" dirty="0">
                 <a:latin typeface="나눔고딕" pitchFamily="50" charset="-127"/>
                 <a:ea typeface="나눔고딕" pitchFamily="50" charset="-127"/>
               </a:rPr>
               <a:t>, </a:t>
             </a:r>
             <a:r>
-              <a:rPr lang="ko-KR" altLang="en-US" b="1" dirty="0" smtClean="0">
+              <a:rPr lang="ko-KR" altLang="en-US" b="1" dirty="0">
                 <a:latin typeface="나눔고딕" pitchFamily="50" charset="-127"/>
                 <a:ea typeface="나눔고딕" pitchFamily="50" charset="-127"/>
               </a:rPr>
               <a:t>육체적 능력</a:t>
             </a:r>
             <a:r>
-              <a:rPr lang="en-US" altLang="ko-KR" b="1" dirty="0" smtClean="0">
+              <a:rPr lang="en-US" altLang="ko-KR" b="1" dirty="0">
                 <a:latin typeface="나눔고딕" pitchFamily="50" charset="-127"/>
                 <a:ea typeface="나눔고딕" pitchFamily="50" charset="-127"/>
               </a:rPr>
               <a:t>…</a:t>
             </a:r>
             <a:r>
-              <a:rPr lang="ko-KR" altLang="en-US" b="1" dirty="0" smtClean="0">
+              <a:rPr lang="ko-KR" altLang="en-US" b="1" dirty="0">
                 <a:latin typeface="나눔고딕" pitchFamily="50" charset="-127"/>
                 <a:ea typeface="나눔고딕" pitchFamily="50" charset="-127"/>
               </a:rPr>
               <a:t>을</a:t>
             </a:r>
             <a:r>
-              <a:rPr lang="en-US" altLang="ko-KR" b="1" dirty="0" smtClean="0">
+              <a:rPr lang="en-US" altLang="ko-KR" b="1" dirty="0">
                 <a:latin typeface="나눔고딕" pitchFamily="50" charset="-127"/>
                 <a:ea typeface="나눔고딕" pitchFamily="50" charset="-127"/>
               </a:rPr>
               <a:t> </a:t>
             </a:r>
             <a:r>
-              <a:rPr lang="ko-KR" altLang="en-US" b="1" dirty="0" smtClean="0">
+              <a:rPr lang="ko-KR" altLang="en-US" b="1" dirty="0">
                 <a:latin typeface="나눔고딕" pitchFamily="50" charset="-127"/>
                 <a:ea typeface="나눔고딕" pitchFamily="50" charset="-127"/>
               </a:rPr>
               <a:t>모방</a:t>
             </a:r>
-            <a:endParaRPr lang="en-US" altLang="ko-KR" b="1" dirty="0" smtClean="0">
+            <a:endParaRPr lang="en-US" altLang="ko-KR" b="1" dirty="0">
               <a:latin typeface="나눔고딕" pitchFamily="50" charset="-127"/>
               <a:ea typeface="나눔고딕" pitchFamily="50" charset="-127"/>
             </a:endParaRPr>
@@ -6995,196 +7085,161 @@
               </a:lnSpc>
             </a:pPr>
             <a:r>
-              <a:rPr lang="en-US" altLang="ko-KR" b="1" dirty="0" smtClean="0">
+              <a:rPr lang="en-US" altLang="ko-KR" b="1" dirty="0">
                 <a:latin typeface="나눔고딕" pitchFamily="50" charset="-127"/>
                 <a:ea typeface="나눔고딕" pitchFamily="50" charset="-127"/>
               </a:rPr>
               <a:t> </a:t>
             </a:r>
             <a:r>
-              <a:rPr lang="ko-KR" altLang="en-US" b="1" dirty="0" smtClean="0">
-                <a:latin typeface="나눔고딕" pitchFamily="50" charset="-127"/>
-                <a:ea typeface="나눔고딕" pitchFamily="50" charset="-127"/>
-              </a:rPr>
-              <a:t>로봇이 인간을 매우 정교하게 </a:t>
-            </a:r>
-            <a:r>
-              <a:rPr lang="ko-KR" altLang="en-US" b="1" dirty="0" smtClean="0">
-                <a:latin typeface="나눔고딕" pitchFamily="50" charset="-127"/>
-                <a:ea typeface="나눔고딕" pitchFamily="50" charset="-127"/>
-              </a:rPr>
-              <a:t>모방한다면</a:t>
-            </a:r>
-            <a:r>
-              <a:rPr lang="en-US" altLang="ko-KR" b="1" dirty="0" smtClean="0">
+              <a:rPr lang="ko-KR" altLang="en-US" b="1" dirty="0">
+                <a:latin typeface="나눔고딕" pitchFamily="50" charset="-127"/>
+                <a:ea typeface="나눔고딕" pitchFamily="50" charset="-127"/>
+              </a:rPr>
+              <a:t>로봇이 인간을 매우 정교하게 모방한다면</a:t>
+            </a:r>
+            <a:r>
+              <a:rPr lang="en-US" altLang="ko-KR" b="1" dirty="0">
                 <a:latin typeface="나눔고딕" pitchFamily="50" charset="-127"/>
                 <a:ea typeface="나눔고딕" pitchFamily="50" charset="-127"/>
               </a:rPr>
               <a:t>,</a:t>
             </a:r>
             <a:r>
-              <a:rPr lang="ko-KR" altLang="en-US" b="1" dirty="0" smtClean="0">
-                <a:latin typeface="나눔고딕" pitchFamily="50" charset="-127"/>
-                <a:ea typeface="나눔고딕" pitchFamily="50" charset="-127"/>
-              </a:rPr>
-              <a:t> </a:t>
-            </a:r>
-            <a:r>
-              <a:rPr lang="ko-KR" altLang="en-US" b="1" dirty="0" smtClean="0">
-                <a:latin typeface="나눔고딕" pitchFamily="50" charset="-127"/>
-                <a:ea typeface="나눔고딕" pitchFamily="50" charset="-127"/>
-              </a:rPr>
-              <a:t>인간과 </a:t>
-            </a:r>
-            <a:r>
-              <a:rPr lang="ko-KR" altLang="en-US" b="1" dirty="0" smtClean="0">
-                <a:latin typeface="나눔고딕" pitchFamily="50" charset="-127"/>
-                <a:ea typeface="나눔고딕" pitchFamily="50" charset="-127"/>
-              </a:rPr>
-              <a:t>로봇과 다른 </a:t>
-            </a:r>
-            <a:r>
-              <a:rPr lang="ko-KR" altLang="en-US" b="1" dirty="0" smtClean="0">
-                <a:latin typeface="나눔고딕" pitchFamily="50" charset="-127"/>
-                <a:ea typeface="나눔고딕" pitchFamily="50" charset="-127"/>
-              </a:rPr>
-              <a:t>점은 무엇인가</a:t>
-            </a:r>
-            <a:r>
-              <a:rPr lang="en-US" altLang="ko-KR" b="1" dirty="0" smtClean="0">
+              <a:rPr lang="ko-KR" altLang="en-US" b="1" dirty="0">
+                <a:latin typeface="나눔고딕" pitchFamily="50" charset="-127"/>
+                <a:ea typeface="나눔고딕" pitchFamily="50" charset="-127"/>
+              </a:rPr>
+              <a:t> 인간과 로봇과 다른 점은 무엇인가</a:t>
+            </a:r>
+            <a:r>
+              <a:rPr lang="en-US" altLang="ko-KR" b="1" dirty="0">
                 <a:latin typeface="나눔고딕" pitchFamily="50" charset="-127"/>
                 <a:ea typeface="나눔고딕" pitchFamily="50" charset="-127"/>
               </a:rPr>
               <a:t>? </a:t>
             </a:r>
             <a:r>
-              <a:rPr lang="ko-KR" altLang="en-US" b="1" dirty="0" smtClean="0">
-                <a:latin typeface="나눔고딕" pitchFamily="50" charset="-127"/>
-                <a:ea typeface="나눔고딕" pitchFamily="50" charset="-127"/>
-              </a:rPr>
-              <a:t>로봇으로 </a:t>
-            </a:r>
-            <a:r>
-              <a:rPr lang="ko-KR" altLang="en-US" b="1" dirty="0" smtClean="0">
-                <a:latin typeface="나눔고딕" pitchFamily="50" charset="-127"/>
-                <a:ea typeface="나눔고딕" pitchFamily="50" charset="-127"/>
-              </a:rPr>
-              <a:t>모방되지 않고 남아 있는 인간 고유의 본성이 있는가</a:t>
-            </a:r>
-            <a:r>
-              <a:rPr lang="en-US" altLang="ko-KR" b="1" dirty="0" smtClean="0">
+              <a:rPr lang="ko-KR" altLang="en-US" b="1" dirty="0">
+                <a:latin typeface="나눔고딕" pitchFamily="50" charset="-127"/>
+                <a:ea typeface="나눔고딕" pitchFamily="50" charset="-127"/>
+              </a:rPr>
+              <a:t>로봇으로 모방되지 않고 남아 있는 인간 고유의 본성이 있는가</a:t>
+            </a:r>
+            <a:r>
+              <a:rPr lang="en-US" altLang="ko-KR" b="1" dirty="0">
                 <a:latin typeface="나눔고딕" pitchFamily="50" charset="-127"/>
                 <a:ea typeface="나눔고딕" pitchFamily="50" charset="-127"/>
               </a:rPr>
               <a:t>? →</a:t>
             </a:r>
             <a:r>
-              <a:rPr lang="ko-KR" altLang="en-US" b="1" dirty="0" smtClean="0">
+              <a:rPr lang="ko-KR" altLang="en-US" b="1" dirty="0">
                 <a:latin typeface="나눔고딕" pitchFamily="50" charset="-127"/>
                 <a:ea typeface="나눔고딕" pitchFamily="50" charset="-127"/>
               </a:rPr>
               <a:t>인간과 로봇의 다른 점을 판별하는 기준과 척도는 무엇인가</a:t>
             </a:r>
             <a:r>
-              <a:rPr lang="en-US" altLang="ko-KR" b="1" dirty="0" smtClean="0">
+              <a:rPr lang="en-US" altLang="ko-KR" b="1" dirty="0">
                 <a:latin typeface="나눔고딕" pitchFamily="50" charset="-127"/>
                 <a:ea typeface="나눔고딕" pitchFamily="50" charset="-127"/>
               </a:rPr>
               <a:t>? </a:t>
             </a:r>
             <a:r>
-              <a:rPr lang="ko-KR" altLang="en-US" b="1" dirty="0" smtClean="0">
+              <a:rPr lang="ko-KR" altLang="en-US" b="1" dirty="0">
                 <a:latin typeface="나눔고딕" pitchFamily="50" charset="-127"/>
                 <a:ea typeface="나눔고딕" pitchFamily="50" charset="-127"/>
               </a:rPr>
               <a:t>인간만이 </a:t>
             </a:r>
             <a:r>
-              <a:rPr lang="en-US" altLang="ko-KR" b="1" dirty="0" smtClean="0">
+              <a:rPr lang="en-US" altLang="ko-KR" b="1" dirty="0">
                 <a:latin typeface="나눔고딕" pitchFamily="50" charset="-127"/>
                 <a:ea typeface="나눔고딕" pitchFamily="50" charset="-127"/>
               </a:rPr>
               <a:t>‘</a:t>
             </a:r>
             <a:r>
-              <a:rPr lang="ko-KR" altLang="en-US" b="1" dirty="0" smtClean="0">
+              <a:rPr lang="ko-KR" altLang="en-US" b="1" dirty="0">
                 <a:latin typeface="나눔고딕" pitchFamily="50" charset="-127"/>
                 <a:ea typeface="나눔고딕" pitchFamily="50" charset="-127"/>
               </a:rPr>
               <a:t>영혼</a:t>
             </a:r>
             <a:r>
-              <a:rPr lang="en-US" altLang="ko-KR" b="1" dirty="0" smtClean="0">
+              <a:rPr lang="en-US" altLang="ko-KR" b="1" dirty="0">
                 <a:latin typeface="나눔고딕" pitchFamily="50" charset="-127"/>
                 <a:ea typeface="나눔고딕" pitchFamily="50" charset="-127"/>
               </a:rPr>
               <a:t>’</a:t>
             </a:r>
             <a:r>
-              <a:rPr lang="ko-KR" altLang="en-US" b="1" dirty="0" smtClean="0">
+              <a:rPr lang="ko-KR" altLang="en-US" b="1" dirty="0">
                 <a:latin typeface="나눔고딕" pitchFamily="50" charset="-127"/>
                 <a:ea typeface="나눔고딕" pitchFamily="50" charset="-127"/>
               </a:rPr>
               <a:t>을 가졌다고</a:t>
             </a:r>
             <a:r>
-              <a:rPr lang="en-US" altLang="ko-KR" b="1" dirty="0" smtClean="0">
+              <a:rPr lang="en-US" altLang="ko-KR" b="1" dirty="0">
                 <a:latin typeface="나눔고딕" pitchFamily="50" charset="-127"/>
                 <a:ea typeface="나눔고딕" pitchFamily="50" charset="-127"/>
               </a:rPr>
               <a:t>, ‘</a:t>
             </a:r>
             <a:r>
-              <a:rPr lang="ko-KR" altLang="en-US" b="1" dirty="0" smtClean="0">
+              <a:rPr lang="ko-KR" altLang="en-US" b="1" dirty="0">
                 <a:latin typeface="나눔고딕" pitchFamily="50" charset="-127"/>
                 <a:ea typeface="나눔고딕" pitchFamily="50" charset="-127"/>
               </a:rPr>
               <a:t>지능</a:t>
             </a:r>
             <a:r>
-              <a:rPr lang="en-US" altLang="ko-KR" b="1" dirty="0" smtClean="0">
+              <a:rPr lang="en-US" altLang="ko-KR" b="1" dirty="0">
                 <a:latin typeface="나눔고딕" pitchFamily="50" charset="-127"/>
                 <a:ea typeface="나눔고딕" pitchFamily="50" charset="-127"/>
               </a:rPr>
               <a:t>’</a:t>
             </a:r>
             <a:r>
-              <a:rPr lang="ko-KR" altLang="en-US" b="1" dirty="0" smtClean="0">
+              <a:rPr lang="ko-KR" altLang="en-US" b="1" dirty="0">
                 <a:latin typeface="나눔고딕" pitchFamily="50" charset="-127"/>
                 <a:ea typeface="나눔고딕" pitchFamily="50" charset="-127"/>
               </a:rPr>
               <a:t>을 가졌다고</a:t>
             </a:r>
             <a:r>
-              <a:rPr lang="en-US" altLang="ko-KR" b="1" dirty="0" smtClean="0">
+              <a:rPr lang="en-US" altLang="ko-KR" b="1" dirty="0">
                 <a:latin typeface="나눔고딕" pitchFamily="50" charset="-127"/>
                 <a:ea typeface="나눔고딕" pitchFamily="50" charset="-127"/>
               </a:rPr>
               <a:t>, ‘</a:t>
             </a:r>
             <a:r>
-              <a:rPr lang="ko-KR" altLang="en-US" b="1" dirty="0" smtClean="0">
+              <a:rPr lang="ko-KR" altLang="en-US" b="1" dirty="0">
                 <a:latin typeface="나눔고딕" pitchFamily="50" charset="-127"/>
                 <a:ea typeface="나눔고딕" pitchFamily="50" charset="-127"/>
               </a:rPr>
               <a:t>감정</a:t>
             </a:r>
             <a:r>
-              <a:rPr lang="en-US" altLang="ko-KR" b="1" dirty="0" smtClean="0">
+              <a:rPr lang="en-US" altLang="ko-KR" b="1" dirty="0">
                 <a:latin typeface="나눔고딕" pitchFamily="50" charset="-127"/>
                 <a:ea typeface="나눔고딕" pitchFamily="50" charset="-127"/>
               </a:rPr>
               <a:t>’</a:t>
             </a:r>
             <a:r>
-              <a:rPr lang="ko-KR" altLang="en-US" b="1" dirty="0" smtClean="0">
+              <a:rPr lang="ko-KR" altLang="en-US" b="1" dirty="0">
                 <a:latin typeface="나눔고딕" pitchFamily="50" charset="-127"/>
                 <a:ea typeface="나눔고딕" pitchFamily="50" charset="-127"/>
               </a:rPr>
               <a:t>을 가졌다고 판별할 수 있는 기준과 척도는 무엇인가</a:t>
             </a:r>
             <a:r>
-              <a:rPr lang="en-US" altLang="ko-KR" b="1" smtClean="0">
+              <a:rPr lang="en-US" altLang="ko-KR" b="1" dirty="0">
                 <a:latin typeface="나눔고딕" pitchFamily="50" charset="-127"/>
                 <a:ea typeface="나눔고딕" pitchFamily="50" charset="-127"/>
               </a:rPr>
@@ -7194,6 +7249,165 @@
               <a:latin typeface="나눔고딕" pitchFamily="50" charset="-127"/>
               <a:ea typeface="나눔고딕" pitchFamily="50" charset="-127"/>
             </a:endParaRPr>
+          </a:p>
+        </p:txBody>
+      </p:sp>
+      <p:cxnSp>
+        <p:nvCxnSpPr>
+          <p:cNvPr id="6" name="직선 화살표 연결선 5">
+            <a:extLst>
+              <a:ext uri="{FF2B5EF4-FFF2-40B4-BE49-F238E27FC236}">
+                <a16:creationId xmlns:a16="http://schemas.microsoft.com/office/drawing/2014/main" id="{C9194A3A-8FFE-4C57-AEE9-F5E3326F0FD6}"/>
+              </a:ext>
+            </a:extLst>
+          </p:cNvPr>
+          <p:cNvCxnSpPr/>
+          <p:nvPr/>
+        </p:nvCxnSpPr>
+        <p:spPr>
+          <a:xfrm flipV="1">
+            <a:off x="6456040" y="764704"/>
+            <a:ext cx="864096" cy="716625"/>
+          </a:xfrm>
+          <a:prstGeom prst="straightConnector1">
+            <a:avLst/>
+          </a:prstGeom>
+          <a:ln>
+            <a:tailEnd type="triangle"/>
+          </a:ln>
+        </p:spPr>
+        <p:style>
+          <a:lnRef idx="1">
+            <a:schemeClr val="accent1"/>
+          </a:lnRef>
+          <a:fillRef idx="0">
+            <a:schemeClr val="accent1"/>
+          </a:fillRef>
+          <a:effectRef idx="0">
+            <a:schemeClr val="accent1"/>
+          </a:effectRef>
+          <a:fontRef idx="minor">
+            <a:schemeClr val="tx1"/>
+          </a:fontRef>
+        </p:style>
+      </p:cxnSp>
+      <p:sp>
+        <p:nvSpPr>
+          <p:cNvPr id="7" name="TextBox 6">
+            <a:extLst>
+              <a:ext uri="{FF2B5EF4-FFF2-40B4-BE49-F238E27FC236}">
+                <a16:creationId xmlns:a16="http://schemas.microsoft.com/office/drawing/2014/main" id="{A13ED325-87EC-4512-B7AB-844C30D482CE}"/>
+              </a:ext>
+            </a:extLst>
+          </p:cNvPr>
+          <p:cNvSpPr txBox="1"/>
+          <p:nvPr/>
+        </p:nvSpPr>
+        <p:spPr>
+          <a:xfrm>
+            <a:off x="7248128" y="196506"/>
+            <a:ext cx="2088232" cy="646331"/>
+          </a:xfrm>
+          <a:prstGeom prst="rect">
+            <a:avLst/>
+          </a:prstGeom>
+          <a:noFill/>
+        </p:spPr>
+        <p:txBody>
+          <a:bodyPr wrap="square" rtlCol="0">
+            <a:spAutoFit/>
+          </a:bodyPr>
+          <a:lstStyle/>
+          <a:p>
+            <a:r>
+              <a:rPr lang="ko-KR" altLang="en-US" dirty="0"/>
+              <a:t>구별할 수 </a:t>
+            </a:r>
+            <a:endParaRPr lang="en-US" altLang="ko-KR" dirty="0"/>
+          </a:p>
+          <a:p>
+            <a:r>
+              <a:rPr lang="ko-KR" altLang="en-US" dirty="0"/>
+              <a:t>없을 정도로만</a:t>
+            </a:r>
+          </a:p>
+        </p:txBody>
+      </p:sp>
+      <p:cxnSp>
+        <p:nvCxnSpPr>
+          <p:cNvPr id="9" name="직선 화살표 연결선 8">
+            <a:extLst>
+              <a:ext uri="{FF2B5EF4-FFF2-40B4-BE49-F238E27FC236}">
+                <a16:creationId xmlns:a16="http://schemas.microsoft.com/office/drawing/2014/main" id="{FE3DA998-002F-467F-BB1E-9DB5ED5F9C96}"/>
+              </a:ext>
+            </a:extLst>
+          </p:cNvPr>
+          <p:cNvCxnSpPr/>
+          <p:nvPr/>
+        </p:nvCxnSpPr>
+        <p:spPr>
+          <a:xfrm flipV="1">
+            <a:off x="5375920" y="5949280"/>
+            <a:ext cx="1080120" cy="58012"/>
+          </a:xfrm>
+          <a:prstGeom prst="straightConnector1">
+            <a:avLst/>
+          </a:prstGeom>
+          <a:ln>
+            <a:tailEnd type="triangle"/>
+          </a:ln>
+        </p:spPr>
+        <p:style>
+          <a:lnRef idx="1">
+            <a:schemeClr val="accent1"/>
+          </a:lnRef>
+          <a:fillRef idx="0">
+            <a:schemeClr val="accent1"/>
+          </a:fillRef>
+          <a:effectRef idx="0">
+            <a:schemeClr val="accent1"/>
+          </a:effectRef>
+          <a:fontRef idx="minor">
+            <a:schemeClr val="tx1"/>
+          </a:fontRef>
+        </p:style>
+      </p:cxnSp>
+      <p:sp>
+        <p:nvSpPr>
+          <p:cNvPr id="10" name="TextBox 9">
+            <a:extLst>
+              <a:ext uri="{FF2B5EF4-FFF2-40B4-BE49-F238E27FC236}">
+                <a16:creationId xmlns:a16="http://schemas.microsoft.com/office/drawing/2014/main" id="{DCFA844B-49C0-4E78-BA92-8BBE8D8EA3C9}"/>
+              </a:ext>
+            </a:extLst>
+          </p:cNvPr>
+          <p:cNvSpPr txBox="1"/>
+          <p:nvPr/>
+        </p:nvSpPr>
+        <p:spPr>
+          <a:xfrm>
+            <a:off x="6960096" y="5661248"/>
+            <a:ext cx="1872208" cy="369332"/>
+          </a:xfrm>
+          <a:prstGeom prst="rect">
+            <a:avLst/>
+          </a:prstGeom>
+          <a:noFill/>
+        </p:spPr>
+        <p:txBody>
+          <a:bodyPr wrap="square" rtlCol="0">
+            <a:spAutoFit/>
+          </a:bodyPr>
+          <a:lstStyle/>
+          <a:p>
+            <a:r>
+              <a:rPr lang="en-US" altLang="ko-KR" dirty="0"/>
+              <a:t>? </a:t>
+            </a:r>
+            <a:r>
+              <a:rPr lang="ko-KR" altLang="en-US" dirty="0"/>
+              <a:t>창의성 자의식</a:t>
+            </a:r>
           </a:p>
         </p:txBody>
       </p:sp>
@@ -7245,147 +7459,147 @@
               </a:lnSpc>
             </a:pPr>
             <a:r>
-              <a:rPr lang="en-US" altLang="ko-KR" dirty="0" smtClean="0">
+              <a:rPr lang="en-US" altLang="ko-KR" dirty="0">
                 <a:latin typeface="나눔고딕" pitchFamily="50" charset="-127"/>
                 <a:ea typeface="나눔고딕" pitchFamily="50" charset="-127"/>
               </a:rPr>
               <a:t> “</a:t>
             </a:r>
             <a:r>
-              <a:rPr lang="ko-KR" altLang="en-US" b="1" dirty="0" smtClean="0">
+              <a:rPr lang="ko-KR" altLang="en-US" b="1" dirty="0">
                 <a:latin typeface="나눔고딕" pitchFamily="50" charset="-127"/>
                 <a:ea typeface="나눔고딕" pitchFamily="50" charset="-127"/>
               </a:rPr>
               <a:t>나는 있다</a:t>
             </a:r>
             <a:r>
-              <a:rPr lang="en-US" altLang="ko-KR" b="1" dirty="0" smtClean="0">
+              <a:rPr lang="en-US" altLang="ko-KR" b="1" dirty="0">
                 <a:latin typeface="나눔고딕" pitchFamily="50" charset="-127"/>
                 <a:ea typeface="나눔고딕" pitchFamily="50" charset="-127"/>
               </a:rPr>
               <a:t>, </a:t>
             </a:r>
             <a:r>
-              <a:rPr lang="ko-KR" altLang="en-US" b="1" dirty="0" smtClean="0">
+              <a:rPr lang="ko-KR" altLang="en-US" b="1" dirty="0">
                 <a:latin typeface="나눔고딕" pitchFamily="50" charset="-127"/>
                 <a:ea typeface="나눔고딕" pitchFamily="50" charset="-127"/>
               </a:rPr>
               <a:t>나는 존재한다</a:t>
             </a:r>
             <a:r>
-              <a:rPr lang="en-US" altLang="ko-KR" b="1" dirty="0" smtClean="0">
+              <a:rPr lang="en-US" altLang="ko-KR" b="1" dirty="0">
                 <a:latin typeface="나눔고딕" pitchFamily="50" charset="-127"/>
                 <a:ea typeface="나눔고딕" pitchFamily="50" charset="-127"/>
               </a:rPr>
               <a:t>, </a:t>
             </a:r>
             <a:r>
-              <a:rPr lang="ko-KR" altLang="en-US" b="1" dirty="0" smtClean="0">
+              <a:rPr lang="ko-KR" altLang="en-US" b="1" dirty="0">
                 <a:latin typeface="나눔고딕" pitchFamily="50" charset="-127"/>
                 <a:ea typeface="나눔고딕" pitchFamily="50" charset="-127"/>
               </a:rPr>
               <a:t>이것은 확실하다</a:t>
             </a:r>
             <a:r>
-              <a:rPr lang="en-US" altLang="ko-KR" b="1" dirty="0" smtClean="0">
+              <a:rPr lang="en-US" altLang="ko-KR" b="1" dirty="0">
                 <a:latin typeface="나눔고딕" pitchFamily="50" charset="-127"/>
                 <a:ea typeface="나눔고딕" pitchFamily="50" charset="-127"/>
               </a:rPr>
               <a:t>. </a:t>
             </a:r>
             <a:r>
-              <a:rPr lang="ko-KR" altLang="en-US" b="1" dirty="0" smtClean="0">
+              <a:rPr lang="ko-KR" altLang="en-US" b="1" dirty="0">
                 <a:latin typeface="나눔고딕" pitchFamily="50" charset="-127"/>
                 <a:ea typeface="나눔고딕" pitchFamily="50" charset="-127"/>
               </a:rPr>
               <a:t>그러나 얼마 동안</a:t>
             </a:r>
             <a:r>
-              <a:rPr lang="en-US" altLang="ko-KR" b="1" dirty="0" smtClean="0">
+              <a:rPr lang="en-US" altLang="ko-KR" b="1" dirty="0">
                 <a:latin typeface="나눔고딕" pitchFamily="50" charset="-127"/>
                 <a:ea typeface="나눔고딕" pitchFamily="50" charset="-127"/>
               </a:rPr>
               <a:t>? </a:t>
             </a:r>
             <a:r>
-              <a:rPr lang="ko-KR" altLang="en-US" b="1" dirty="0" smtClean="0">
+              <a:rPr lang="ko-KR" altLang="en-US" b="1" dirty="0">
                 <a:latin typeface="나눔고딕" pitchFamily="50" charset="-127"/>
                 <a:ea typeface="나눔고딕" pitchFamily="50" charset="-127"/>
               </a:rPr>
               <a:t>내가 생각하는 동안이다</a:t>
             </a:r>
             <a:r>
-              <a:rPr lang="en-US" altLang="ko-KR" b="1" dirty="0" smtClean="0">
+              <a:rPr lang="en-US" altLang="ko-KR" b="1" dirty="0">
                 <a:latin typeface="나눔고딕" pitchFamily="50" charset="-127"/>
                 <a:ea typeface="나눔고딕" pitchFamily="50" charset="-127"/>
               </a:rPr>
               <a:t>. </a:t>
             </a:r>
             <a:r>
-              <a:rPr lang="ko-KR" altLang="en-US" b="1" dirty="0" smtClean="0">
+              <a:rPr lang="ko-KR" altLang="en-US" b="1" dirty="0">
                 <a:latin typeface="나눔고딕" pitchFamily="50" charset="-127"/>
                 <a:ea typeface="나눔고딕" pitchFamily="50" charset="-127"/>
               </a:rPr>
               <a:t>왜냐하면 내가 생각하기를 멈추자마자 존재하는 것도 멈출 수 있기 때문이다</a:t>
             </a:r>
             <a:r>
-              <a:rPr lang="en-US" altLang="ko-KR" b="1" dirty="0" smtClean="0">
+              <a:rPr lang="en-US" altLang="ko-KR" b="1" dirty="0">
                 <a:latin typeface="나눔고딕" pitchFamily="50" charset="-127"/>
                 <a:ea typeface="나눔고딕" pitchFamily="50" charset="-127"/>
               </a:rPr>
               <a:t>.” (</a:t>
             </a:r>
             <a:r>
-              <a:rPr lang="ko-KR" altLang="en-US" b="1" dirty="0" smtClean="0">
+              <a:rPr lang="ko-KR" altLang="en-US" b="1" dirty="0">
                 <a:latin typeface="나눔고딕" pitchFamily="50" charset="-127"/>
                 <a:ea typeface="나눔고딕" pitchFamily="50" charset="-127"/>
               </a:rPr>
               <a:t>데카르트</a:t>
             </a:r>
             <a:r>
-              <a:rPr lang="en-US" altLang="ko-KR" b="1" dirty="0" smtClean="0">
+              <a:rPr lang="en-US" altLang="ko-KR" b="1" dirty="0">
                 <a:latin typeface="나눔고딕" pitchFamily="50" charset="-127"/>
                 <a:ea typeface="나눔고딕" pitchFamily="50" charset="-127"/>
               </a:rPr>
               <a:t>, 『</a:t>
             </a:r>
             <a:r>
-              <a:rPr lang="ko-KR" altLang="en-US" b="1" dirty="0" smtClean="0">
+              <a:rPr lang="ko-KR" altLang="en-US" b="1" dirty="0">
                 <a:latin typeface="나눔고딕" pitchFamily="50" charset="-127"/>
                 <a:ea typeface="나눔고딕" pitchFamily="50" charset="-127"/>
               </a:rPr>
               <a:t>성찰</a:t>
             </a:r>
             <a:r>
-              <a:rPr lang="en-US" altLang="ko-KR" b="1" dirty="0" smtClean="0">
+              <a:rPr lang="en-US" altLang="ko-KR" b="1" dirty="0">
                 <a:latin typeface="나눔고딕" pitchFamily="50" charset="-127"/>
                 <a:ea typeface="나눔고딕" pitchFamily="50" charset="-127"/>
               </a:rPr>
               <a:t>』, </a:t>
             </a:r>
             <a:r>
-              <a:rPr lang="ko-KR" altLang="en-US" b="1" dirty="0" smtClean="0">
+              <a:rPr lang="ko-KR" altLang="en-US" b="1" dirty="0">
                 <a:latin typeface="나눔고딕" pitchFamily="50" charset="-127"/>
                 <a:ea typeface="나눔고딕" pitchFamily="50" charset="-127"/>
               </a:rPr>
               <a:t>제</a:t>
             </a:r>
             <a:r>
-              <a:rPr lang="en-US" altLang="ko-KR" b="1" dirty="0" smtClean="0">
+              <a:rPr lang="en-US" altLang="ko-KR" b="1" dirty="0">
                 <a:latin typeface="나눔고딕" pitchFamily="50" charset="-127"/>
                 <a:ea typeface="나눔고딕" pitchFamily="50" charset="-127"/>
               </a:rPr>
               <a:t>2</a:t>
             </a:r>
             <a:r>
-              <a:rPr lang="ko-KR" altLang="en-US" b="1" dirty="0" smtClean="0">
+              <a:rPr lang="ko-KR" altLang="en-US" b="1" dirty="0">
                 <a:latin typeface="나눔고딕" pitchFamily="50" charset="-127"/>
                 <a:ea typeface="나눔고딕" pitchFamily="50" charset="-127"/>
               </a:rPr>
               <a:t>성찰</a:t>
             </a:r>
             <a:r>
-              <a:rPr lang="en-US" altLang="ko-KR" b="1" dirty="0" smtClean="0">
+              <a:rPr lang="en-US" altLang="ko-KR" b="1" dirty="0">
                 <a:latin typeface="나눔고딕" pitchFamily="50" charset="-127"/>
                 <a:ea typeface="나눔고딕" pitchFamily="50" charset="-127"/>
               </a:rPr>
@@ -7399,48 +7613,48 @@
               </a:lnSpc>
             </a:pPr>
             <a:r>
-              <a:rPr lang="en-US" altLang="ko-KR" b="1" dirty="0" smtClean="0">
+              <a:rPr lang="en-US" altLang="ko-KR" b="1" dirty="0">
                 <a:latin typeface="나눔고딕" pitchFamily="50" charset="-127"/>
                 <a:ea typeface="나눔고딕" pitchFamily="50" charset="-127"/>
               </a:rPr>
               <a:t> </a:t>
             </a:r>
             <a:r>
-              <a:rPr lang="ko-KR" altLang="en-US" b="1" dirty="0" smtClean="0">
+              <a:rPr lang="ko-KR" altLang="en-US" b="1" dirty="0">
                 <a:latin typeface="나눔고딕" pitchFamily="50" charset="-127"/>
                 <a:ea typeface="나눔고딕" pitchFamily="50" charset="-127"/>
               </a:rPr>
               <a:t>확실한 것은 </a:t>
             </a:r>
             <a:r>
-              <a:rPr lang="en-US" altLang="ko-KR" b="1" dirty="0" smtClean="0">
+              <a:rPr lang="en-US" altLang="ko-KR" b="1" dirty="0">
                 <a:latin typeface="나눔고딕" pitchFamily="50" charset="-127"/>
                 <a:ea typeface="나눔고딕" pitchFamily="50" charset="-127"/>
               </a:rPr>
               <a:t>‘</a:t>
             </a:r>
             <a:r>
-              <a:rPr lang="ko-KR" altLang="en-US" b="1" dirty="0" smtClean="0">
+              <a:rPr lang="ko-KR" altLang="en-US" b="1" dirty="0">
                 <a:latin typeface="나눔고딕" pitchFamily="50" charset="-127"/>
                 <a:ea typeface="나눔고딕" pitchFamily="50" charset="-127"/>
               </a:rPr>
               <a:t>나는 생각하는 동안 존재한다</a:t>
             </a:r>
             <a:r>
-              <a:rPr lang="en-US" altLang="ko-KR" b="1" dirty="0" smtClean="0">
+              <a:rPr lang="en-US" altLang="ko-KR" b="1" dirty="0">
                 <a:latin typeface="나눔고딕" pitchFamily="50" charset="-127"/>
                 <a:ea typeface="나눔고딕" pitchFamily="50" charset="-127"/>
               </a:rPr>
               <a:t>’</a:t>
             </a:r>
             <a:r>
-              <a:rPr lang="ko-KR" altLang="en-US" b="1" dirty="0" smtClean="0">
+              <a:rPr lang="ko-KR" altLang="en-US" b="1" dirty="0">
                 <a:latin typeface="나눔고딕" pitchFamily="50" charset="-127"/>
                 <a:ea typeface="나눔고딕" pitchFamily="50" charset="-127"/>
               </a:rPr>
               <a:t>는 것 → 생각하지 않는다면 나는 존재하지 않을 수 있다</a:t>
             </a:r>
-            <a:endParaRPr lang="en-US" altLang="ko-KR" b="1" dirty="0" smtClean="0">
+            <a:endParaRPr lang="en-US" altLang="ko-KR" b="1" dirty="0">
               <a:latin typeface="나눔고딕" pitchFamily="50" charset="-127"/>
               <a:ea typeface="나눔고딕" pitchFamily="50" charset="-127"/>
             </a:endParaRPr>
@@ -7459,63 +7673,63 @@
               <a:t> </a:t>
             </a:r>
             <a:r>
-              <a:rPr lang="ko-KR" altLang="en-US" b="1" dirty="0" smtClean="0">
+              <a:rPr lang="ko-KR" altLang="en-US" b="1" dirty="0">
                 <a:latin typeface="나눔고딕" pitchFamily="50" charset="-127"/>
                 <a:ea typeface="나눔고딕" pitchFamily="50" charset="-127"/>
               </a:rPr>
               <a:t>내가 생각하고 있는 현재의</a:t>
             </a:r>
             <a:r>
-              <a:rPr lang="en-US" altLang="ko-KR" b="1" dirty="0" smtClean="0">
+              <a:rPr lang="en-US" altLang="ko-KR" b="1" dirty="0">
                 <a:latin typeface="나눔고딕" pitchFamily="50" charset="-127"/>
                 <a:ea typeface="나눔고딕" pitchFamily="50" charset="-127"/>
               </a:rPr>
               <a:t> </a:t>
             </a:r>
             <a:r>
-              <a:rPr lang="ko-KR" altLang="en-US" b="1" dirty="0" smtClean="0">
+              <a:rPr lang="ko-KR" altLang="en-US" b="1" dirty="0">
                 <a:latin typeface="나눔고딕" pitchFamily="50" charset="-127"/>
                 <a:ea typeface="나눔고딕" pitchFamily="50" charset="-127"/>
               </a:rPr>
               <a:t>순간에만 나의 존재에 대해 확신할 수 있다 → 나의 존재의 확실성은 현재의 순간</a:t>
             </a:r>
             <a:r>
-              <a:rPr lang="en-US" altLang="ko-KR" b="1" dirty="0" smtClean="0">
+              <a:rPr lang="en-US" altLang="ko-KR" b="1" dirty="0">
                 <a:latin typeface="나눔고딕" pitchFamily="50" charset="-127"/>
                 <a:ea typeface="나눔고딕" pitchFamily="50" charset="-127"/>
               </a:rPr>
               <a:t>‘</a:t>
             </a:r>
             <a:r>
-              <a:rPr lang="ko-KR" altLang="en-US" b="1" dirty="0" smtClean="0">
+              <a:rPr lang="ko-KR" altLang="en-US" b="1" dirty="0">
                 <a:latin typeface="나눔고딕" pitchFamily="50" charset="-127"/>
                 <a:ea typeface="나눔고딕" pitchFamily="50" charset="-127"/>
               </a:rPr>
               <a:t>들</a:t>
             </a:r>
             <a:r>
-              <a:rPr lang="en-US" altLang="ko-KR" b="1" dirty="0" smtClean="0">
+              <a:rPr lang="en-US" altLang="ko-KR" b="1" dirty="0">
                 <a:latin typeface="나눔고딕" pitchFamily="50" charset="-127"/>
                 <a:ea typeface="나눔고딕" pitchFamily="50" charset="-127"/>
               </a:rPr>
               <a:t>’</a:t>
             </a:r>
             <a:r>
-              <a:rPr lang="ko-KR" altLang="en-US" b="1" dirty="0" smtClean="0">
+              <a:rPr lang="ko-KR" altLang="en-US" b="1" dirty="0">
                 <a:latin typeface="나눔고딕" pitchFamily="50" charset="-127"/>
                 <a:ea typeface="나눔고딕" pitchFamily="50" charset="-127"/>
               </a:rPr>
               <a:t>에서 단속적으로만 말해질 수 있다 </a:t>
             </a:r>
             <a:r>
-              <a:rPr lang="en-US" altLang="ko-KR" b="1" dirty="0" smtClean="0">
+              <a:rPr lang="en-US" altLang="ko-KR" b="1" dirty="0">
                 <a:latin typeface="나눔고딕" pitchFamily="50" charset="-127"/>
                 <a:ea typeface="나눔고딕" pitchFamily="50" charset="-127"/>
               </a:rPr>
               <a:t>(</a:t>
             </a:r>
             <a:r>
-              <a:rPr lang="ko-KR" altLang="en-US" b="1" dirty="0" smtClean="0">
+              <a:rPr lang="ko-KR" altLang="en-US" b="1" dirty="0">
                 <a:latin typeface="나눔고딕" pitchFamily="50" charset="-127"/>
                 <a:ea typeface="나눔고딕" pitchFamily="50" charset="-127"/>
               </a:rPr>
@@ -7528,10 +7742,6 @@
               </a:rPr>
               <a:t>)</a:t>
             </a:r>
-            <a:endParaRPr lang="en-US" altLang="ko-KR" b="1" dirty="0" smtClean="0">
-              <a:latin typeface="나눔고딕" pitchFamily="50" charset="-127"/>
-              <a:ea typeface="나눔고딕" pitchFamily="50" charset="-127"/>
-            </a:endParaRPr>
           </a:p>
           <a:p>
             <a:pPr>
@@ -7564,37 +7774,33 @@
           <a:lstStyle/>
           <a:p>
             <a:r>
-              <a:rPr lang="en-US" altLang="ko-KR" dirty="0" smtClean="0">
+              <a:rPr lang="en-US" altLang="ko-KR" dirty="0">
                 <a:latin typeface="나눔고딕" pitchFamily="50" charset="-127"/>
                 <a:ea typeface="나눔고딕" pitchFamily="50" charset="-127"/>
               </a:rPr>
               <a:t>(1) </a:t>
             </a:r>
             <a:r>
-              <a:rPr lang="ko-KR" altLang="en-US" dirty="0" smtClean="0">
+              <a:rPr lang="ko-KR" altLang="en-US" dirty="0">
                 <a:latin typeface="나눔고딕" pitchFamily="50" charset="-127"/>
                 <a:ea typeface="나눔고딕" pitchFamily="50" charset="-127"/>
               </a:rPr>
               <a:t>나의 존재의 지속적 </a:t>
             </a:r>
             <a:r>
-              <a:rPr lang="ko-KR" altLang="en-US" dirty="0" err="1" smtClean="0">
+              <a:rPr lang="ko-KR" altLang="en-US" dirty="0" err="1">
                 <a:latin typeface="나눔고딕" pitchFamily="50" charset="-127"/>
                 <a:ea typeface="나눔고딕" pitchFamily="50" charset="-127"/>
               </a:rPr>
               <a:t>자기동일성</a:t>
             </a:r>
             <a:r>
-              <a:rPr lang="ko-KR" altLang="en-US" dirty="0" smtClean="0">
+              <a:rPr lang="ko-KR" altLang="en-US" dirty="0">
                 <a:latin typeface="나눔고딕" pitchFamily="50" charset="-127"/>
                 <a:ea typeface="나눔고딕" pitchFamily="50" charset="-127"/>
               </a:rPr>
               <a:t> </a:t>
             </a:r>
-            <a:endParaRPr lang="ko-KR" altLang="en-US" dirty="0">
-              <a:latin typeface="나눔고딕" pitchFamily="50" charset="-127"/>
-              <a:ea typeface="나눔고딕" pitchFamily="50" charset="-127"/>
-            </a:endParaRPr>
           </a:p>
         </p:txBody>
       </p:sp>
@@ -7653,18 +7859,11 @@
               <a:t> </a:t>
             </a:r>
             <a:r>
-              <a:rPr lang="ko-KR" altLang="en-US" b="1" dirty="0" smtClean="0">
-                <a:latin typeface="나눔고딕" pitchFamily="50" charset="-127"/>
-                <a:ea typeface="나눔고딕" pitchFamily="50" charset="-127"/>
-              </a:rPr>
-              <a:t>단속적 자기동일성의 문제 → 코마에 </a:t>
-            </a:r>
-            <a:r>
-              <a:rPr lang="ko-KR" altLang="en-US" b="1" dirty="0">
-                <a:latin typeface="나눔고딕" pitchFamily="50" charset="-127"/>
-                <a:ea typeface="나눔고딕" pitchFamily="50" charset="-127"/>
-              </a:rPr>
-              <a:t>빠진 사람의 예</a:t>
+              <a:rPr lang="ko-KR" altLang="en-US" b="1" dirty="0">
+                <a:latin typeface="나눔고딕" pitchFamily="50" charset="-127"/>
+                <a:ea typeface="나눔고딕" pitchFamily="50" charset="-127"/>
+              </a:rPr>
+              <a:t>단속적 자기동일성의 문제 → 코마에 빠진 사람의 예</a:t>
             </a:r>
             <a:r>
               <a:rPr lang="en-US" altLang="ko-KR" b="1" dirty="0">
@@ -7786,23 +7985,19 @@
               <a:t> </a:t>
             </a:r>
             <a:r>
-              <a:rPr lang="ko-KR" altLang="en-US" b="1" dirty="0" smtClean="0">
+              <a:rPr lang="ko-KR" altLang="en-US" b="1" dirty="0">
                 <a:latin typeface="나눔고딕" pitchFamily="50" charset="-127"/>
                 <a:ea typeface="나눔고딕" pitchFamily="50" charset="-127"/>
               </a:rPr>
               <a:t>데카르트의 문제 해결</a:t>
             </a:r>
             <a:r>
-              <a:rPr lang="en-US" altLang="ko-KR" b="1" dirty="0" smtClean="0">
+              <a:rPr lang="en-US" altLang="ko-KR" b="1" dirty="0">
                 <a:latin typeface="나눔고딕" pitchFamily="50" charset="-127"/>
                 <a:ea typeface="나눔고딕" pitchFamily="50" charset="-127"/>
               </a:rPr>
               <a:t>:</a:t>
             </a:r>
-            <a:endParaRPr lang="en-US" altLang="ko-KR" b="1" dirty="0">
-              <a:latin typeface="나눔고딕" pitchFamily="50" charset="-127"/>
-              <a:ea typeface="나눔고딕" pitchFamily="50" charset="-127"/>
-            </a:endParaRPr>
           </a:p>
           <a:p>
             <a:pPr>
@@ -7868,21 +8063,21 @@
               <a:t>(</a:t>
             </a:r>
             <a:r>
-              <a:rPr lang="ko-KR" altLang="en-US" b="1" dirty="0" smtClean="0">
+              <a:rPr lang="ko-KR" altLang="en-US" b="1" dirty="0">
                 <a:latin typeface="나눔고딕" pitchFamily="50" charset="-127"/>
                 <a:ea typeface="나눔고딕" pitchFamily="50" charset="-127"/>
               </a:rPr>
               <a:t>재</a:t>
             </a:r>
             <a:r>
-              <a:rPr lang="en-US" altLang="ko-KR" b="1" dirty="0" smtClean="0">
+              <a:rPr lang="en-US" altLang="ko-KR" b="1" dirty="0">
                 <a:latin typeface="나눔고딕" pitchFamily="50" charset="-127"/>
                 <a:ea typeface="나눔고딕" pitchFamily="50" charset="-127"/>
               </a:rPr>
               <a:t>)</a:t>
             </a:r>
             <a:r>
-              <a:rPr lang="ko-KR" altLang="en-US" b="1" dirty="0" smtClean="0">
+              <a:rPr lang="ko-KR" altLang="en-US" b="1" dirty="0">
                 <a:latin typeface="나눔고딕" pitchFamily="50" charset="-127"/>
                 <a:ea typeface="나눔고딕" pitchFamily="50" charset="-127"/>
               </a:rPr>
@@ -7999,7 +8194,7 @@
               <a:buNone/>
             </a:pPr>
             <a:r>
-              <a:rPr lang="en-US" altLang="ko-KR" b="1" dirty="0" smtClean="0">
+              <a:rPr lang="en-US" altLang="ko-KR" b="1" dirty="0">
                 <a:latin typeface="나눔고딕" pitchFamily="50" charset="-127"/>
                 <a:ea typeface="나눔고딕" pitchFamily="50" charset="-127"/>
               </a:rPr>
@@ -8013,13 +8208,13 @@
               </a:lnSpc>
             </a:pPr>
             <a:r>
-              <a:rPr lang="ko-KR" altLang="en-US" b="1" dirty="0" smtClean="0">
+              <a:rPr lang="ko-KR" altLang="en-US" b="1" dirty="0">
                 <a:latin typeface="나눔고딕" pitchFamily="50" charset="-127"/>
                 <a:ea typeface="나눔고딕" pitchFamily="50" charset="-127"/>
               </a:rPr>
               <a:t>나비가 된 꿈을 꾼 장자</a:t>
             </a:r>
-            <a:endParaRPr lang="en-US" altLang="ko-KR" b="1" dirty="0" smtClean="0">
+            <a:endParaRPr lang="en-US" altLang="ko-KR" b="1" dirty="0">
               <a:latin typeface="나눔고딕" pitchFamily="50" charset="-127"/>
               <a:ea typeface="나눔고딕" pitchFamily="50" charset="-127"/>
             </a:endParaRPr>
@@ -8031,42 +8226,42 @@
               </a:lnSpc>
             </a:pPr>
             <a:r>
-              <a:rPr lang="en-US" altLang="ko-KR" b="1" dirty="0" smtClean="0">
+              <a:rPr lang="en-US" altLang="ko-KR" b="1" dirty="0">
                 <a:latin typeface="나눔고딕" pitchFamily="50" charset="-127"/>
                 <a:ea typeface="나눔고딕" pitchFamily="50" charset="-127"/>
               </a:rPr>
               <a:t> ‘</a:t>
             </a:r>
             <a:r>
-              <a:rPr lang="ko-KR" altLang="en-US" b="1" dirty="0" smtClean="0">
+              <a:rPr lang="ko-KR" altLang="en-US" b="1" dirty="0">
                 <a:latin typeface="나눔고딕" pitchFamily="50" charset="-127"/>
                 <a:ea typeface="나눔고딕" pitchFamily="50" charset="-127"/>
               </a:rPr>
               <a:t>내가 나비의 꿈을 꾼 것인가</a:t>
             </a:r>
             <a:r>
-              <a:rPr lang="en-US" altLang="ko-KR" b="1" dirty="0" smtClean="0">
+              <a:rPr lang="en-US" altLang="ko-KR" b="1" dirty="0">
                 <a:latin typeface="나눔고딕" pitchFamily="50" charset="-127"/>
                 <a:ea typeface="나눔고딕" pitchFamily="50" charset="-127"/>
               </a:rPr>
               <a:t>, </a:t>
             </a:r>
             <a:r>
-              <a:rPr lang="ko-KR" altLang="en-US" b="1" dirty="0" smtClean="0">
+              <a:rPr lang="ko-KR" altLang="en-US" b="1" dirty="0">
                 <a:latin typeface="나눔고딕" pitchFamily="50" charset="-127"/>
                 <a:ea typeface="나눔고딕" pitchFamily="50" charset="-127"/>
               </a:rPr>
               <a:t>나비가 나의 꿈을 꾼 것인가</a:t>
             </a:r>
             <a:r>
-              <a:rPr lang="en-US" altLang="ko-KR" b="1" dirty="0" smtClean="0">
+              <a:rPr lang="en-US" altLang="ko-KR" b="1" dirty="0">
                 <a:latin typeface="나눔고딕" pitchFamily="50" charset="-127"/>
                 <a:ea typeface="나눔고딕" pitchFamily="50" charset="-127"/>
               </a:rPr>
               <a:t>?’ </a:t>
             </a:r>
             <a:r>
-              <a:rPr lang="en-US" altLang="ko-KR" b="1" dirty="0" smtClean="0">
+              <a:rPr lang="en-US" altLang="ko-KR" b="1" dirty="0">
                 <a:latin typeface="나눔고딕" pitchFamily="50" charset="-127"/>
                 <a:ea typeface="나눔고딕" pitchFamily="50" charset="-127"/>
                 <a:cs typeface="Times New Roman"/>
@@ -8074,7 +8269,7 @@
               <a:t>→ </a:t>
             </a:r>
             <a:r>
-              <a:rPr lang="ko-KR" altLang="en-US" b="1" dirty="0" smtClean="0">
+              <a:rPr lang="ko-KR" altLang="en-US" b="1" dirty="0">
                 <a:latin typeface="나눔고딕" pitchFamily="50" charset="-127"/>
                 <a:ea typeface="나눔고딕" pitchFamily="50" charset="-127"/>
                 <a:cs typeface="Times New Roman"/>
@@ -8082,7 +8277,7 @@
               <a:t>나의</a:t>
             </a:r>
             <a:r>
-              <a:rPr lang="en-US" altLang="ko-KR" b="1" dirty="0" smtClean="0">
+              <a:rPr lang="en-US" altLang="ko-KR" b="1" dirty="0">
                 <a:latin typeface="나눔고딕" pitchFamily="50" charset="-127"/>
                 <a:ea typeface="나눔고딕" pitchFamily="50" charset="-127"/>
                 <a:cs typeface="Times New Roman"/>
@@ -8090,14 +8285,14 @@
               <a:t> </a:t>
             </a:r>
             <a:r>
-              <a:rPr lang="ko-KR" altLang="en-US" b="1" dirty="0" smtClean="0">
+              <a:rPr lang="ko-KR" altLang="en-US" b="1" dirty="0">
                 <a:latin typeface="나눔고딕" pitchFamily="50" charset="-127"/>
                 <a:ea typeface="나눔고딕" pitchFamily="50" charset="-127"/>
                 <a:cs typeface="Times New Roman"/>
               </a:rPr>
               <a:t>존재는 나비가 꾼 꿈일 가능성이 있다</a:t>
             </a:r>
-            <a:endParaRPr lang="en-US" altLang="ko-KR" b="1" dirty="0" smtClean="0">
+            <a:endParaRPr lang="en-US" altLang="ko-KR" b="1" dirty="0">
               <a:latin typeface="나눔고딕" pitchFamily="50" charset="-127"/>
               <a:ea typeface="나눔고딕" pitchFamily="50" charset="-127"/>
             </a:endParaRPr>
@@ -8116,7 +8311,7 @@
               <a:t> </a:t>
             </a:r>
             <a:r>
-              <a:rPr lang="ko-KR" altLang="en-US" b="1" dirty="0" smtClean="0">
+              <a:rPr lang="ko-KR" altLang="en-US" b="1" dirty="0">
                 <a:latin typeface="나눔고딕" pitchFamily="50" charset="-127"/>
                 <a:ea typeface="나눔고딕" pitchFamily="50" charset="-127"/>
               </a:rPr>
@@ -8135,28 +8330,28 @@
               <a:buAutoNum type="arabicParenBoth"/>
             </a:pPr>
             <a:r>
-              <a:rPr lang="ko-KR" altLang="en-US" b="1" dirty="0" smtClean="0">
+              <a:rPr lang="ko-KR" altLang="en-US" b="1" dirty="0">
                 <a:latin typeface="나눔고딕" pitchFamily="50" charset="-127"/>
                 <a:ea typeface="나눔고딕" pitchFamily="50" charset="-127"/>
               </a:rPr>
               <a:t> 데카르트</a:t>
             </a:r>
             <a:r>
-              <a:rPr lang="en-US" altLang="ko-KR" b="1" dirty="0" smtClean="0">
+              <a:rPr lang="en-US" altLang="ko-KR" b="1" dirty="0">
                 <a:latin typeface="나눔고딕" pitchFamily="50" charset="-127"/>
                 <a:ea typeface="나눔고딕" pitchFamily="50" charset="-127"/>
               </a:rPr>
               <a:t>: </a:t>
             </a:r>
             <a:r>
-              <a:rPr lang="ko-KR" altLang="en-US" b="1" dirty="0" smtClean="0">
+              <a:rPr lang="ko-KR" altLang="en-US" b="1" dirty="0">
                 <a:latin typeface="나눔고딕" pitchFamily="50" charset="-127"/>
                 <a:ea typeface="나눔고딕" pitchFamily="50" charset="-127"/>
               </a:rPr>
               <a:t>난롯가에 앉아 있는 꿈을 꾸고 나서 자신이 가지고 있는 육체의 존재를 의심 </a:t>
             </a:r>
             <a:r>
-              <a:rPr lang="ko-KR" altLang="en-US" b="1" dirty="0" smtClean="0">
+              <a:rPr lang="ko-KR" altLang="en-US" b="1" dirty="0">
                 <a:latin typeface="나눔고딕" pitchFamily="50" charset="-127"/>
                 <a:ea typeface="나눔고딕" pitchFamily="50" charset="-127"/>
                 <a:cs typeface="Times New Roman"/>
@@ -8164,7 +8359,7 @@
               <a:t>→ 하지만</a:t>
             </a:r>
             <a:r>
-              <a:rPr lang="en-US" altLang="ko-KR" b="1" dirty="0" smtClean="0">
+              <a:rPr lang="en-US" altLang="ko-KR" b="1" dirty="0">
                 <a:latin typeface="나눔고딕" pitchFamily="50" charset="-127"/>
                 <a:ea typeface="나눔고딕" pitchFamily="50" charset="-127"/>
                 <a:cs typeface="Times New Roman"/>
@@ -8172,14 +8367,14 @@
               <a:t>, </a:t>
             </a:r>
             <a:r>
-              <a:rPr lang="ko-KR" altLang="en-US" b="1" dirty="0" smtClean="0">
+              <a:rPr lang="ko-KR" altLang="en-US" b="1" dirty="0">
                 <a:latin typeface="나눔고딕" pitchFamily="50" charset="-127"/>
                 <a:ea typeface="나눔고딕" pitchFamily="50" charset="-127"/>
                 <a:cs typeface="Times New Roman"/>
               </a:rPr>
               <a:t>생각하는 영혼으로서 자신의 존재는 의심하지 않는다</a:t>
             </a:r>
-            <a:endParaRPr lang="en-US" altLang="ko-KR" b="1" dirty="0" smtClean="0">
+            <a:endParaRPr lang="en-US" altLang="ko-KR" b="1" dirty="0">
               <a:latin typeface="나눔고딕" pitchFamily="50" charset="-127"/>
               <a:ea typeface="나눔고딕" pitchFamily="50" charset="-127"/>
               <a:cs typeface="Times New Roman"/>
@@ -8193,63 +8388,63 @@
               <a:buAutoNum type="arabicParenBoth"/>
             </a:pPr>
             <a:r>
-              <a:rPr lang="ko-KR" altLang="en-US" b="1" dirty="0" smtClean="0">
+              <a:rPr lang="ko-KR" altLang="en-US" b="1" dirty="0">
                 <a:latin typeface="나눔고딕" pitchFamily="50" charset="-127"/>
                 <a:ea typeface="나눔고딕" pitchFamily="50" charset="-127"/>
               </a:rPr>
               <a:t> 장자</a:t>
             </a:r>
             <a:r>
-              <a:rPr lang="en-US" altLang="ko-KR" b="1" dirty="0" smtClean="0">
+              <a:rPr lang="en-US" altLang="ko-KR" b="1" dirty="0">
                 <a:latin typeface="나눔고딕" pitchFamily="50" charset="-127"/>
                 <a:ea typeface="나눔고딕" pitchFamily="50" charset="-127"/>
               </a:rPr>
               <a:t>: ‘</a:t>
             </a:r>
             <a:r>
-              <a:rPr lang="ko-KR" altLang="en-US" b="1" dirty="0" smtClean="0">
+              <a:rPr lang="ko-KR" altLang="en-US" b="1" dirty="0">
                 <a:latin typeface="나눔고딕" pitchFamily="50" charset="-127"/>
                 <a:ea typeface="나눔고딕" pitchFamily="50" charset="-127"/>
               </a:rPr>
               <a:t>나</a:t>
             </a:r>
             <a:r>
-              <a:rPr lang="en-US" altLang="ko-KR" b="1" dirty="0" smtClean="0">
+              <a:rPr lang="en-US" altLang="ko-KR" b="1" dirty="0">
                 <a:latin typeface="나눔고딕" pitchFamily="50" charset="-127"/>
                 <a:ea typeface="나눔고딕" pitchFamily="50" charset="-127"/>
               </a:rPr>
               <a:t>’</a:t>
             </a:r>
             <a:r>
-              <a:rPr lang="ko-KR" altLang="en-US" b="1" dirty="0" smtClean="0">
+              <a:rPr lang="ko-KR" altLang="en-US" b="1" dirty="0">
                 <a:latin typeface="나눔고딕" pitchFamily="50" charset="-127"/>
                 <a:ea typeface="나눔고딕" pitchFamily="50" charset="-127"/>
               </a:rPr>
               <a:t>는 나비가 꿈꾼 가상적 존재</a:t>
             </a:r>
             <a:r>
-              <a:rPr lang="en-US" altLang="ko-KR" b="1" dirty="0" smtClean="0">
+              <a:rPr lang="en-US" altLang="ko-KR" b="1" dirty="0">
                 <a:latin typeface="나눔고딕" pitchFamily="50" charset="-127"/>
                 <a:ea typeface="나눔고딕" pitchFamily="50" charset="-127"/>
               </a:rPr>
               <a:t>? </a:t>
             </a:r>
             <a:r>
-              <a:rPr lang="ko-KR" altLang="en-US" b="1" dirty="0" smtClean="0">
+              <a:rPr lang="ko-KR" altLang="en-US" b="1" dirty="0">
                 <a:latin typeface="나눔고딕" pitchFamily="50" charset="-127"/>
                 <a:ea typeface="나눔고딕" pitchFamily="50" charset="-127"/>
               </a:rPr>
               <a:t>나의 존재는 가상이고 나비의 존재가 진짜일 수 있지 않을까</a:t>
             </a:r>
             <a:r>
-              <a:rPr lang="en-US" altLang="ko-KR" b="1" dirty="0" smtClean="0">
+              <a:rPr lang="en-US" altLang="ko-KR" b="1" dirty="0">
                 <a:latin typeface="나눔고딕" pitchFamily="50" charset="-127"/>
                 <a:ea typeface="나눔고딕" pitchFamily="50" charset="-127"/>
               </a:rPr>
               <a:t>?</a:t>
             </a:r>
             <a:r>
-              <a:rPr lang="en-US" altLang="ko-KR" b="1" dirty="0" smtClean="0">
+              <a:rPr lang="en-US" altLang="ko-KR" b="1" dirty="0">
                 <a:latin typeface="Times New Roman"/>
                 <a:ea typeface="나눔고딕" pitchFamily="50" charset="-127"/>
                 <a:cs typeface="Times New Roman"/>
@@ -8257,21 +8452,21 @@
               <a:t> →</a:t>
             </a:r>
             <a:r>
-              <a:rPr lang="en-US" altLang="ko-KR" b="1" dirty="0" smtClean="0">
+              <a:rPr lang="en-US" altLang="ko-KR" b="1" dirty="0">
                 <a:latin typeface="나눔고딕" pitchFamily="50" charset="-127"/>
                 <a:ea typeface="나눔고딕" pitchFamily="50" charset="-127"/>
               </a:rPr>
               <a:t> </a:t>
             </a:r>
             <a:r>
-              <a:rPr lang="ko-KR" altLang="en-US" b="1" dirty="0" smtClean="0">
+              <a:rPr lang="ko-KR" altLang="en-US" b="1" dirty="0">
                 <a:latin typeface="나눔고딕" pitchFamily="50" charset="-127"/>
                 <a:ea typeface="나눔고딕" pitchFamily="50" charset="-127"/>
               </a:rPr>
               <a:t>자신의 존재 자체가 허구일 수 있는 가능성을 생각했다</a:t>
             </a:r>
             <a:r>
-              <a:rPr lang="en-US" altLang="ko-KR" b="1" dirty="0" smtClean="0">
+              <a:rPr lang="en-US" altLang="ko-KR" b="1" dirty="0">
                 <a:latin typeface="나눔고딕" pitchFamily="50" charset="-127"/>
                 <a:ea typeface="나눔고딕" pitchFamily="50" charset="-127"/>
               </a:rPr>
@@ -8382,13 +8577,6 @@
   <p:clrMapOvr>
     <a:masterClrMapping/>
   </p:clrMapOvr>
-  <p:timing>
-    <p:tnLst>
-      <p:par>
-        <p:cTn id="1" dur="indefinite" restart="never" nodeType="tmRoot"/>
-      </p:par>
-    </p:tnLst>
-  </p:timing>
 </p:sld>
 </file>
 
@@ -8443,95 +8631,88 @@
               </a:lnSpc>
             </a:pPr>
             <a:r>
-              <a:rPr lang="en-US" altLang="ko-KR" sz="2400" b="1" dirty="0" smtClean="0">
+              <a:rPr lang="en-US" altLang="ko-KR" sz="2400" b="1" dirty="0">
                 <a:latin typeface="나눔고딕" pitchFamily="50" charset="-127"/>
                 <a:ea typeface="나눔고딕" pitchFamily="50" charset="-127"/>
               </a:rPr>
               <a:t>‘</a:t>
             </a:r>
             <a:r>
-              <a:rPr lang="ko-KR" altLang="en-US" sz="2400" b="1" dirty="0" err="1" smtClean="0">
+              <a:rPr lang="ko-KR" altLang="en-US" sz="2400" b="1" dirty="0" err="1">
                 <a:latin typeface="나눔고딕" pitchFamily="50" charset="-127"/>
                 <a:ea typeface="나눔고딕" pitchFamily="50" charset="-127"/>
               </a:rPr>
               <a:t>전뇌</a:t>
             </a:r>
             <a:r>
-              <a:rPr lang="en-US" altLang="ko-KR" sz="2400" b="1" dirty="0" smtClean="0">
+              <a:rPr lang="en-US" altLang="ko-KR" sz="2400" b="1" dirty="0">
                 <a:latin typeface="나눔고딕" pitchFamily="50" charset="-127"/>
                 <a:ea typeface="나눔고딕" pitchFamily="50" charset="-127"/>
               </a:rPr>
               <a:t>’(</a:t>
             </a:r>
             <a:r>
-              <a:rPr lang="ko-KR" altLang="en-US" sz="2400" b="1" dirty="0" err="1" smtClean="0">
+              <a:rPr lang="ko-KR" altLang="en-US" sz="2400" b="1" dirty="0" err="1">
                 <a:latin typeface="나눔고딕" pitchFamily="50" charset="-127"/>
                 <a:ea typeface="나눔고딕" pitchFamily="50" charset="-127"/>
               </a:rPr>
               <a:t>전자두뇌</a:t>
             </a:r>
             <a:r>
-              <a:rPr lang="en-US" altLang="ko-KR" sz="2400" b="1" dirty="0" smtClean="0">
+              <a:rPr lang="en-US" altLang="ko-KR" sz="2400" b="1" dirty="0">
                 <a:latin typeface="나눔고딕" pitchFamily="50" charset="-127"/>
                 <a:ea typeface="나눔고딕" pitchFamily="50" charset="-127"/>
               </a:rPr>
               <a:t>)</a:t>
             </a:r>
             <a:r>
-              <a:rPr lang="ko-KR" altLang="en-US" sz="2400" b="1" dirty="0" smtClean="0">
+              <a:rPr lang="ko-KR" altLang="en-US" sz="2400" b="1" dirty="0">
                 <a:latin typeface="나눔고딕" pitchFamily="50" charset="-127"/>
                 <a:ea typeface="나눔고딕" pitchFamily="50" charset="-127"/>
               </a:rPr>
               <a:t>와 </a:t>
             </a:r>
             <a:r>
-              <a:rPr lang="en-US" altLang="ko-KR" sz="2400" b="1" dirty="0" smtClean="0">
+              <a:rPr lang="en-US" altLang="ko-KR" sz="2400" b="1" dirty="0">
                 <a:latin typeface="나눔고딕" pitchFamily="50" charset="-127"/>
                 <a:ea typeface="나눔고딕" pitchFamily="50" charset="-127"/>
               </a:rPr>
               <a:t>‘</a:t>
             </a:r>
             <a:r>
-              <a:rPr lang="ko-KR" altLang="en-US" sz="2400" b="1" dirty="0" err="1" smtClean="0">
+              <a:rPr lang="ko-KR" altLang="en-US" sz="2400" b="1" dirty="0" err="1">
                 <a:latin typeface="나눔고딕" pitchFamily="50" charset="-127"/>
                 <a:ea typeface="나눔고딕" pitchFamily="50" charset="-127"/>
               </a:rPr>
               <a:t>의체</a:t>
             </a:r>
             <a:r>
-              <a:rPr lang="en-US" altLang="ko-KR" sz="2400" b="1" dirty="0" smtClean="0">
+              <a:rPr lang="en-US" altLang="ko-KR" sz="2400" b="1" dirty="0">
                 <a:latin typeface="나눔고딕" pitchFamily="50" charset="-127"/>
                 <a:ea typeface="나눔고딕" pitchFamily="50" charset="-127"/>
               </a:rPr>
               <a:t>’(</a:t>
             </a:r>
             <a:r>
-              <a:rPr lang="ko-KR" altLang="en-US" sz="2400" b="1" dirty="0" smtClean="0">
+              <a:rPr lang="ko-KR" altLang="en-US" sz="2400" b="1" dirty="0">
                 <a:latin typeface="나눔고딕" pitchFamily="50" charset="-127"/>
                 <a:ea typeface="나눔고딕" pitchFamily="50" charset="-127"/>
               </a:rPr>
               <a:t>기계화된 신체</a:t>
             </a:r>
             <a:r>
-              <a:rPr lang="en-US" altLang="ko-KR" sz="2400" b="1" dirty="0" smtClean="0">
+              <a:rPr lang="en-US" altLang="ko-KR" sz="2400" b="1" dirty="0">
                 <a:latin typeface="나눔고딕" pitchFamily="50" charset="-127"/>
                 <a:ea typeface="나눔고딕" pitchFamily="50" charset="-127"/>
               </a:rPr>
               <a:t>)</a:t>
             </a:r>
             <a:r>
-              <a:rPr lang="ko-KR" altLang="en-US" sz="2400" b="1" dirty="0" smtClean="0">
-                <a:latin typeface="나눔고딕" pitchFamily="50" charset="-127"/>
-                <a:ea typeface="나눔고딕" pitchFamily="50" charset="-127"/>
-              </a:rPr>
-              <a:t> </a:t>
-            </a:r>
-            <a:r>
               <a:rPr lang="ko-KR" altLang="en-US" sz="2400" b="1" dirty="0">
                 <a:latin typeface="나눔고딕" pitchFamily="50" charset="-127"/>
                 <a:ea typeface="나눔고딕" pitchFamily="50" charset="-127"/>
               </a:rPr>
-              <a:t>속에 담긴 </a:t>
+              <a:t> 속에 담긴 </a:t>
             </a:r>
             <a:endParaRPr lang="en-US" altLang="ko-KR" sz="2400" b="1" dirty="0">
               <a:latin typeface="나눔고딕" pitchFamily="50" charset="-127"/>
@@ -8550,14 +8731,7 @@
                 <a:latin typeface="나눔고딕" pitchFamily="50" charset="-127"/>
                 <a:ea typeface="나눔고딕" pitchFamily="50" charset="-127"/>
               </a:rPr>
-              <a:t>자신의 영혼의 존재를 </a:t>
-            </a:r>
-            <a:r>
-              <a:rPr lang="ko-KR" altLang="en-US" sz="2400" b="1" dirty="0" smtClean="0">
-                <a:latin typeface="나눔고딕" pitchFamily="50" charset="-127"/>
-                <a:ea typeface="나눔고딕" pitchFamily="50" charset="-127"/>
-              </a:rPr>
-              <a:t>의심한다</a:t>
+              <a:t>자신의 영혼의 존재를 의심한다</a:t>
             </a:r>
             <a:endParaRPr lang="en-US" altLang="ko-KR" sz="2400" b="1" dirty="0">
               <a:latin typeface="나눔고딕" pitchFamily="50" charset="-127"/>
@@ -8671,23 +8845,7 @@
                 <a:ea typeface="나눔고딕" pitchFamily="50" charset="-127"/>
                 <a:cs typeface="Times New Roman"/>
               </a:rPr>
-              <a:t>→ 생각하는 내 </a:t>
-            </a:r>
-            <a:r>
-              <a:rPr lang="ko-KR" altLang="en-US" sz="2400" b="1" dirty="0" smtClean="0">
-                <a:latin typeface="나눔고딕" pitchFamily="50" charset="-127"/>
-                <a:ea typeface="나눔고딕" pitchFamily="50" charset="-127"/>
-                <a:cs typeface="Times New Roman"/>
-              </a:rPr>
-              <a:t>영혼의 존재 자체가 </a:t>
-            </a:r>
-            <a:r>
-              <a:rPr lang="ko-KR" altLang="en-US" sz="2400" b="1" dirty="0">
-                <a:latin typeface="나눔고딕" pitchFamily="50" charset="-127"/>
-                <a:ea typeface="나눔고딕" pitchFamily="50" charset="-127"/>
-                <a:cs typeface="Times New Roman"/>
-              </a:rPr>
-              <a:t>만들어진 가상∙허구∙꿈이 아닐까</a:t>
+              <a:t>→ 생각하는 내 영혼의 존재 자체가 만들어진 가상∙허구∙꿈이 아닐까</a:t>
             </a:r>
             <a:r>
               <a:rPr lang="en-US" altLang="ko-KR" sz="2400" b="1" dirty="0">
@@ -8723,7 +8881,7 @@
               </a:lnSpc>
             </a:pPr>
             <a:r>
-              <a:rPr lang="en-US" altLang="ko-KR" sz="3200" dirty="0" smtClean="0">
+              <a:rPr lang="en-US" altLang="ko-KR" sz="3200" dirty="0">
                 <a:latin typeface="나눔고딕" pitchFamily="50" charset="-127"/>
                 <a:ea typeface="나눔고딕" pitchFamily="50" charset="-127"/>
               </a:rPr>
@@ -8799,13 +8957,6 @@
   <p:clrMapOvr>
     <a:masterClrMapping/>
   </p:clrMapOvr>
-  <p:timing>
-    <p:tnLst>
-      <p:par>
-        <p:cTn id="1" dur="indefinite" restart="never" nodeType="tmRoot"/>
-      </p:par>
-    </p:tnLst>
-  </p:timing>
 </p:sld>
 </file>
 
@@ -8839,7 +8990,7 @@
         <p:spPr/>
         <p:txBody>
           <a:bodyPr>
-            <a:normAutofit fontScale="62500" lnSpcReduction="20000"/>
+            <a:normAutofit fontScale="55000" lnSpcReduction="20000"/>
           </a:bodyPr>
           <a:lstStyle/>
           <a:p>
@@ -8849,20 +9000,20 @@
               </a:lnSpc>
             </a:pPr>
             <a:r>
-              <a:rPr lang="ko-KR" altLang="en-US" b="1" dirty="0" smtClean="0">
+              <a:rPr lang="ko-KR" altLang="en-US" b="1" dirty="0">
                 <a:latin typeface="나눔고딕" pitchFamily="50" charset="-127"/>
                 <a:ea typeface="나눔고딕" pitchFamily="50" charset="-127"/>
               </a:rPr>
               <a:t>“뭘 생각하고 있어</a:t>
             </a:r>
             <a:r>
-              <a:rPr lang="en-US" altLang="ko-KR" b="1" dirty="0" smtClean="0">
+              <a:rPr lang="en-US" altLang="ko-KR" b="1" dirty="0">
                 <a:latin typeface="나눔고딕" pitchFamily="50" charset="-127"/>
                 <a:ea typeface="나눔고딕" pitchFamily="50" charset="-127"/>
               </a:rPr>
               <a:t>?”</a:t>
             </a:r>
-            <a:endParaRPr lang="ko-KR" altLang="en-US" b="1" dirty="0" smtClean="0">
+            <a:endParaRPr lang="ko-KR" altLang="en-US" b="1" dirty="0">
               <a:latin typeface="나눔고딕" pitchFamily="50" charset="-127"/>
               <a:ea typeface="나눔고딕" pitchFamily="50" charset="-127"/>
             </a:endParaRPr>
@@ -8874,34 +9025,34 @@
               </a:lnSpc>
             </a:pPr>
             <a:r>
-              <a:rPr lang="ko-KR" altLang="en-US" b="1" dirty="0" smtClean="0">
+              <a:rPr lang="ko-KR" altLang="en-US" b="1" dirty="0">
                 <a:latin typeface="나눔고딕" pitchFamily="50" charset="-127"/>
                 <a:ea typeface="나눔고딕" pitchFamily="50" charset="-127"/>
               </a:rPr>
               <a:t>“저 </a:t>
             </a:r>
             <a:r>
-              <a:rPr lang="ko-KR" altLang="en-US" b="1" dirty="0" err="1" smtClean="0">
+              <a:rPr lang="ko-KR" altLang="en-US" b="1" dirty="0" err="1">
                 <a:latin typeface="나눔고딕" pitchFamily="50" charset="-127"/>
                 <a:ea typeface="나눔고딕" pitchFamily="50" charset="-127"/>
               </a:rPr>
               <a:t>의체</a:t>
             </a:r>
             <a:r>
-              <a:rPr lang="ko-KR" altLang="en-US" b="1" dirty="0" smtClean="0">
+              <a:rPr lang="ko-KR" altLang="en-US" b="1" dirty="0">
                 <a:latin typeface="나눔고딕" pitchFamily="50" charset="-127"/>
                 <a:ea typeface="나눔고딕" pitchFamily="50" charset="-127"/>
               </a:rPr>
               <a:t> 날 닮지 않았어</a:t>
             </a:r>
             <a:r>
-              <a:rPr lang="en-US" altLang="ko-KR" b="1" dirty="0" smtClean="0">
+              <a:rPr lang="en-US" altLang="ko-KR" b="1" dirty="0">
                 <a:latin typeface="나눔고딕" pitchFamily="50" charset="-127"/>
                 <a:ea typeface="나눔고딕" pitchFamily="50" charset="-127"/>
               </a:rPr>
               <a:t>?”</a:t>
             </a:r>
-            <a:endParaRPr lang="ko-KR" altLang="en-US" b="1" dirty="0" smtClean="0">
+            <a:endParaRPr lang="ko-KR" altLang="en-US" b="1" dirty="0">
               <a:latin typeface="나눔고딕" pitchFamily="50" charset="-127"/>
               <a:ea typeface="나눔고딕" pitchFamily="50" charset="-127"/>
             </a:endParaRPr>
@@ -8913,7 +9064,7 @@
               </a:lnSpc>
             </a:pPr>
             <a:r>
-              <a:rPr lang="ko-KR" altLang="en-US" b="1" dirty="0" smtClean="0">
+              <a:rPr lang="ko-KR" altLang="en-US" b="1" dirty="0">
                 <a:latin typeface="나눔고딕" pitchFamily="50" charset="-127"/>
                 <a:ea typeface="나눔고딕" pitchFamily="50" charset="-127"/>
               </a:rPr>
@@ -8927,104 +9078,104 @@
               </a:lnSpc>
             </a:pPr>
             <a:r>
-              <a:rPr lang="ko-KR" altLang="en-US" b="1" dirty="0" smtClean="0">
+              <a:rPr lang="ko-KR" altLang="en-US" b="1" dirty="0">
                 <a:latin typeface="나눔고딕" pitchFamily="50" charset="-127"/>
                 <a:ea typeface="나눔고딕" pitchFamily="50" charset="-127"/>
               </a:rPr>
               <a:t>“얼굴이나 골격만이 아니라</a:t>
             </a:r>
             <a:r>
-              <a:rPr lang="en-US" altLang="ko-KR" b="1" dirty="0" smtClean="0">
+              <a:rPr lang="en-US" altLang="ko-KR" b="1" dirty="0">
                 <a:latin typeface="나눔고딕" pitchFamily="50" charset="-127"/>
                 <a:ea typeface="나눔고딕" pitchFamily="50" charset="-127"/>
               </a:rPr>
               <a:t>... </a:t>
             </a:r>
             <a:r>
-              <a:rPr lang="ko-KR" altLang="en-US" b="1" dirty="0" smtClean="0">
+              <a:rPr lang="ko-KR" altLang="en-US" b="1" dirty="0">
                 <a:latin typeface="나눔고딕" pitchFamily="50" charset="-127"/>
                 <a:ea typeface="나눔고딕" pitchFamily="50" charset="-127"/>
               </a:rPr>
               <a:t>나 같이 완전히 의체화한 사이보그라면 누구나 생각해</a:t>
             </a:r>
             <a:r>
-              <a:rPr lang="en-US" altLang="ko-KR" b="1" dirty="0" smtClean="0">
+              <a:rPr lang="en-US" altLang="ko-KR" b="1" dirty="0">
                 <a:latin typeface="나눔고딕" pitchFamily="50" charset="-127"/>
                 <a:ea typeface="나눔고딕" pitchFamily="50" charset="-127"/>
               </a:rPr>
               <a:t>. </a:t>
             </a:r>
             <a:r>
-              <a:rPr lang="ko-KR" altLang="en-US" b="1" dirty="0" smtClean="0">
+              <a:rPr lang="ko-KR" altLang="en-US" b="1" dirty="0">
                 <a:latin typeface="나눔고딕" pitchFamily="50" charset="-127"/>
                 <a:ea typeface="나눔고딕" pitchFamily="50" charset="-127"/>
               </a:rPr>
               <a:t>어쩌면 자신은 훨씬 이전에 죽었고 지금의 자신은 </a:t>
             </a:r>
             <a:r>
-              <a:rPr lang="ko-KR" altLang="en-US" b="1" dirty="0" err="1" smtClean="0">
+              <a:rPr lang="ko-KR" altLang="en-US" b="1" dirty="0" err="1">
                 <a:latin typeface="나눔고딕" pitchFamily="50" charset="-127"/>
                 <a:ea typeface="나눔고딕" pitchFamily="50" charset="-127"/>
               </a:rPr>
               <a:t>전뇌와</a:t>
             </a:r>
             <a:r>
-              <a:rPr lang="ko-KR" altLang="en-US" b="1" dirty="0" smtClean="0">
+              <a:rPr lang="ko-KR" altLang="en-US" b="1" dirty="0">
                 <a:latin typeface="나눔고딕" pitchFamily="50" charset="-127"/>
                 <a:ea typeface="나눔고딕" pitchFamily="50" charset="-127"/>
               </a:rPr>
               <a:t> </a:t>
             </a:r>
             <a:r>
-              <a:rPr lang="ko-KR" altLang="en-US" b="1" dirty="0" err="1" smtClean="0">
+              <a:rPr lang="ko-KR" altLang="en-US" b="1" dirty="0" err="1">
                 <a:latin typeface="나눔고딕" pitchFamily="50" charset="-127"/>
                 <a:ea typeface="나눔고딕" pitchFamily="50" charset="-127"/>
               </a:rPr>
               <a:t>의체로</a:t>
             </a:r>
             <a:r>
-              <a:rPr lang="ko-KR" altLang="en-US" b="1" dirty="0" smtClean="0">
+              <a:rPr lang="ko-KR" altLang="en-US" b="1" dirty="0">
                 <a:latin typeface="나눔고딕" pitchFamily="50" charset="-127"/>
                 <a:ea typeface="나눔고딕" pitchFamily="50" charset="-127"/>
               </a:rPr>
               <a:t> 구성된 모의 인격이 아닐까</a:t>
             </a:r>
             <a:r>
-              <a:rPr lang="en-US" altLang="ko-KR" b="1" dirty="0" smtClean="0">
+              <a:rPr lang="en-US" altLang="ko-KR" b="1" dirty="0">
                 <a:latin typeface="나눔고딕" pitchFamily="50" charset="-127"/>
                 <a:ea typeface="나눔고딕" pitchFamily="50" charset="-127"/>
               </a:rPr>
               <a:t>.. </a:t>
             </a:r>
             <a:r>
-              <a:rPr lang="ko-KR" altLang="en-US" b="1" dirty="0" smtClean="0">
+              <a:rPr lang="ko-KR" altLang="en-US" b="1" dirty="0">
                 <a:latin typeface="나눔고딕" pitchFamily="50" charset="-127"/>
                 <a:ea typeface="나눔고딕" pitchFamily="50" charset="-127"/>
               </a:rPr>
               <a:t>아니</a:t>
             </a:r>
             <a:r>
-              <a:rPr lang="en-US" altLang="ko-KR" b="1" dirty="0" smtClean="0">
+              <a:rPr lang="en-US" altLang="ko-KR" b="1" dirty="0">
                 <a:latin typeface="나눔고딕" pitchFamily="50" charset="-127"/>
                 <a:ea typeface="나눔고딕" pitchFamily="50" charset="-127"/>
               </a:rPr>
               <a:t>, </a:t>
             </a:r>
             <a:r>
-              <a:rPr lang="ko-KR" altLang="en-US" b="1" dirty="0" smtClean="0">
+              <a:rPr lang="ko-KR" altLang="en-US" b="1" dirty="0">
                 <a:latin typeface="나눔고딕" pitchFamily="50" charset="-127"/>
                 <a:ea typeface="나눔고딕" pitchFamily="50" charset="-127"/>
               </a:rPr>
               <a:t>무릇 나라는 건 처음부터 존재하지 않았던 것 아닐까 하고</a:t>
             </a:r>
             <a:r>
-              <a:rPr lang="en-US" altLang="ko-KR" b="1" dirty="0" smtClean="0">
+              <a:rPr lang="en-US" altLang="ko-KR" b="1" dirty="0">
                 <a:latin typeface="나눔고딕" pitchFamily="50" charset="-127"/>
                 <a:ea typeface="나눔고딕" pitchFamily="50" charset="-127"/>
               </a:rPr>
               <a:t>...”</a:t>
             </a:r>
-            <a:endParaRPr lang="ko-KR" altLang="en-US" b="1" dirty="0" smtClean="0">
+            <a:endParaRPr lang="ko-KR" altLang="en-US" b="1" dirty="0">
               <a:latin typeface="나눔고딕" pitchFamily="50" charset="-127"/>
               <a:ea typeface="나눔고딕" pitchFamily="50" charset="-127"/>
             </a:endParaRPr>
@@ -9036,20 +9187,20 @@
               </a:lnSpc>
             </a:pPr>
             <a:r>
-              <a:rPr lang="ko-KR" altLang="en-US" b="1" dirty="0" smtClean="0">
+              <a:rPr lang="ko-KR" altLang="en-US" b="1" dirty="0">
                 <a:latin typeface="나눔고딕" pitchFamily="50" charset="-127"/>
                 <a:ea typeface="나눔고딕" pitchFamily="50" charset="-127"/>
               </a:rPr>
               <a:t>“네 티탄 두개골 안에는 뇌도 있고 제대로 인간 취급도 받고 있잖아</a:t>
             </a:r>
             <a:r>
-              <a:rPr lang="en-US" altLang="ko-KR" b="1" dirty="0" smtClean="0">
+              <a:rPr lang="en-US" altLang="ko-KR" b="1" dirty="0">
                 <a:latin typeface="나눔고딕" pitchFamily="50" charset="-127"/>
                 <a:ea typeface="나눔고딕" pitchFamily="50" charset="-127"/>
               </a:rPr>
               <a:t>.”</a:t>
             </a:r>
-            <a:endParaRPr lang="ko-KR" altLang="en-US" b="1" dirty="0" smtClean="0">
+            <a:endParaRPr lang="ko-KR" altLang="en-US" b="1" dirty="0">
               <a:latin typeface="나눔고딕" pitchFamily="50" charset="-127"/>
               <a:ea typeface="나눔고딕" pitchFamily="50" charset="-127"/>
             </a:endParaRPr>
@@ -9061,34 +9212,34 @@
               </a:lnSpc>
             </a:pPr>
             <a:r>
-              <a:rPr lang="ko-KR" altLang="en-US" b="1" dirty="0" smtClean="0">
+              <a:rPr lang="ko-KR" altLang="en-US" b="1" dirty="0">
                 <a:latin typeface="나눔고딕" pitchFamily="50" charset="-127"/>
                 <a:ea typeface="나눔고딕" pitchFamily="50" charset="-127"/>
               </a:rPr>
               <a:t>“자신의 뇌를 본 인간 따윈 없어</a:t>
             </a:r>
             <a:r>
-              <a:rPr lang="en-US" altLang="ko-KR" b="1" dirty="0" smtClean="0">
+              <a:rPr lang="en-US" altLang="ko-KR" b="1" dirty="0">
                 <a:latin typeface="나눔고딕" pitchFamily="50" charset="-127"/>
                 <a:ea typeface="나눔고딕" pitchFamily="50" charset="-127"/>
               </a:rPr>
               <a:t>. </a:t>
             </a:r>
             <a:r>
-              <a:rPr lang="ko-KR" altLang="en-US" b="1" dirty="0" smtClean="0">
+              <a:rPr lang="ko-KR" altLang="en-US" b="1" dirty="0">
                 <a:latin typeface="나눔고딕" pitchFamily="50" charset="-127"/>
                 <a:ea typeface="나눔고딕" pitchFamily="50" charset="-127"/>
               </a:rPr>
               <a:t>결국은 주위의 상황으로 나 같은 게 있다고 판단할 뿐이야</a:t>
             </a:r>
             <a:r>
-              <a:rPr lang="en-US" altLang="ko-KR" b="1" dirty="0" smtClean="0">
+              <a:rPr lang="en-US" altLang="ko-KR" b="1" dirty="0">
                 <a:latin typeface="나눔고딕" pitchFamily="50" charset="-127"/>
                 <a:ea typeface="나눔고딕" pitchFamily="50" charset="-127"/>
               </a:rPr>
               <a:t>.”</a:t>
             </a:r>
-            <a:endParaRPr lang="ko-KR" altLang="en-US" b="1" dirty="0" smtClean="0">
+            <a:endParaRPr lang="ko-KR" altLang="en-US" b="1" dirty="0">
               <a:latin typeface="나눔고딕" pitchFamily="50" charset="-127"/>
               <a:ea typeface="나눔고딕" pitchFamily="50" charset="-127"/>
             </a:endParaRPr>
@@ -9100,34 +9251,34 @@
               </a:lnSpc>
             </a:pPr>
             <a:r>
-              <a:rPr lang="ko-KR" altLang="en-US" b="1" dirty="0" smtClean="0">
+              <a:rPr lang="ko-KR" altLang="en-US" b="1" dirty="0">
                 <a:latin typeface="나눔고딕" pitchFamily="50" charset="-127"/>
                 <a:ea typeface="나눔고딕" pitchFamily="50" charset="-127"/>
               </a:rPr>
               <a:t>“자신의 </a:t>
             </a:r>
             <a:r>
-              <a:rPr lang="ko-KR" altLang="en-US" b="1" dirty="0" err="1" smtClean="0">
+              <a:rPr lang="ko-KR" altLang="en-US" b="1" dirty="0" err="1">
                 <a:latin typeface="나눔고딕" pitchFamily="50" charset="-127"/>
                 <a:ea typeface="나눔고딕" pitchFamily="50" charset="-127"/>
               </a:rPr>
               <a:t>고스트를</a:t>
             </a:r>
             <a:r>
-              <a:rPr lang="ko-KR" altLang="en-US" b="1" dirty="0" smtClean="0">
+              <a:rPr lang="ko-KR" altLang="en-US" b="1" dirty="0">
                 <a:latin typeface="나눔고딕" pitchFamily="50" charset="-127"/>
                 <a:ea typeface="나눔고딕" pitchFamily="50" charset="-127"/>
               </a:rPr>
               <a:t> 믿지 못하고 있는 거야</a:t>
             </a:r>
             <a:r>
-              <a:rPr lang="en-US" altLang="ko-KR" b="1" dirty="0" smtClean="0">
+              <a:rPr lang="en-US" altLang="ko-KR" b="1" dirty="0">
                 <a:latin typeface="나눔고딕" pitchFamily="50" charset="-127"/>
                 <a:ea typeface="나눔고딕" pitchFamily="50" charset="-127"/>
               </a:rPr>
               <a:t>?”</a:t>
             </a:r>
-            <a:endParaRPr lang="ko-KR" altLang="en-US" b="1" dirty="0" smtClean="0">
+            <a:endParaRPr lang="ko-KR" altLang="en-US" b="1" dirty="0">
               <a:latin typeface="나눔고딕" pitchFamily="50" charset="-127"/>
               <a:ea typeface="나눔고딕" pitchFamily="50" charset="-127"/>
             </a:endParaRPr>
@@ -9139,62 +9290,62 @@
               </a:lnSpc>
             </a:pPr>
             <a:r>
-              <a:rPr lang="ko-KR" altLang="en-US" b="1" dirty="0" smtClean="0">
+              <a:rPr lang="ko-KR" altLang="en-US" b="1" dirty="0">
                 <a:latin typeface="나눔고딕" pitchFamily="50" charset="-127"/>
                 <a:ea typeface="나눔고딕" pitchFamily="50" charset="-127"/>
               </a:rPr>
               <a:t>“만약 </a:t>
             </a:r>
             <a:r>
-              <a:rPr lang="ko-KR" altLang="en-US" b="1" dirty="0" err="1" smtClean="0">
+              <a:rPr lang="ko-KR" altLang="en-US" b="1" dirty="0" err="1">
                 <a:latin typeface="나눔고딕" pitchFamily="50" charset="-127"/>
                 <a:ea typeface="나눔고딕" pitchFamily="50" charset="-127"/>
               </a:rPr>
               <a:t>전뇌</a:t>
             </a:r>
             <a:r>
-              <a:rPr lang="ko-KR" altLang="en-US" b="1" dirty="0" smtClean="0">
+              <a:rPr lang="ko-KR" altLang="en-US" b="1" dirty="0">
                 <a:latin typeface="나눔고딕" pitchFamily="50" charset="-127"/>
                 <a:ea typeface="나눔고딕" pitchFamily="50" charset="-127"/>
               </a:rPr>
               <a:t> 자체가 </a:t>
             </a:r>
             <a:r>
-              <a:rPr lang="ko-KR" altLang="en-US" b="1" dirty="0" err="1" smtClean="0">
+              <a:rPr lang="ko-KR" altLang="en-US" b="1" dirty="0" err="1">
                 <a:latin typeface="나눔고딕" pitchFamily="50" charset="-127"/>
                 <a:ea typeface="나눔고딕" pitchFamily="50" charset="-127"/>
               </a:rPr>
               <a:t>고스트를</a:t>
             </a:r>
             <a:r>
-              <a:rPr lang="ko-KR" altLang="en-US" b="1" dirty="0" smtClean="0">
+              <a:rPr lang="ko-KR" altLang="en-US" b="1" dirty="0">
                 <a:latin typeface="나눔고딕" pitchFamily="50" charset="-127"/>
                 <a:ea typeface="나눔고딕" pitchFamily="50" charset="-127"/>
               </a:rPr>
               <a:t> 만들어내고 혼을 깃들인다고 한다면</a:t>
             </a:r>
             <a:r>
-              <a:rPr lang="en-US" altLang="ko-KR" b="1" dirty="0" smtClean="0">
+              <a:rPr lang="en-US" altLang="ko-KR" b="1" dirty="0">
                 <a:latin typeface="나눔고딕" pitchFamily="50" charset="-127"/>
                 <a:ea typeface="나눔고딕" pitchFamily="50" charset="-127"/>
               </a:rPr>
               <a:t>, </a:t>
             </a:r>
             <a:r>
-              <a:rPr lang="ko-KR" altLang="en-US" b="1" dirty="0" smtClean="0">
+              <a:rPr lang="ko-KR" altLang="en-US" b="1" dirty="0">
                 <a:latin typeface="나눔고딕" pitchFamily="50" charset="-127"/>
                 <a:ea typeface="나눔고딕" pitchFamily="50" charset="-127"/>
               </a:rPr>
               <a:t>그 때는 뭘 근거로 자신을 믿어야 한다고 생각해</a:t>
             </a:r>
             <a:r>
-              <a:rPr lang="en-US" altLang="ko-KR" b="1" dirty="0" smtClean="0">
+              <a:rPr lang="en-US" altLang="ko-KR" b="1" dirty="0">
                 <a:latin typeface="나눔고딕" pitchFamily="50" charset="-127"/>
                 <a:ea typeface="나눔고딕" pitchFamily="50" charset="-127"/>
               </a:rPr>
               <a:t>?”</a:t>
             </a:r>
-            <a:endParaRPr lang="ko-KR" altLang="en-US" b="1" dirty="0" smtClean="0">
+            <a:endParaRPr lang="ko-KR" altLang="en-US" b="1" dirty="0">
               <a:latin typeface="나눔고딕" pitchFamily="50" charset="-127"/>
               <a:ea typeface="나눔고딕" pitchFamily="50" charset="-127"/>
             </a:endParaRPr>
@@ -9251,13 +9402,6 @@
   <p:clrMapOvr>
     <a:masterClrMapping/>
   </p:clrMapOvr>
-  <p:timing>
-    <p:tnLst>
-      <p:par>
-        <p:cTn id="1" dur="indefinite" restart="never" nodeType="tmRoot"/>
-      </p:par>
-    </p:tnLst>
-  </p:timing>
 </p:sld>
 </file>
 
@@ -9515,42 +9659,34 @@
                 <a:ea typeface="나눔고딕" pitchFamily="50" charset="-127"/>
                 <a:cs typeface="Times New Roman"/>
               </a:rPr>
-              <a:t>아니지만 허구적 존재일 </a:t>
-            </a:r>
-            <a:r>
-              <a:rPr lang="ko-KR" altLang="en-US" sz="2400" b="1" dirty="0" smtClean="0">
+              <a:t>아니지만 허구적 존재일 가능성</a:t>
+            </a:r>
+            <a:r>
+              <a:rPr lang="en-US" altLang="ko-KR" sz="2400" b="1" dirty="0">
                 <a:latin typeface="나눔고딕" pitchFamily="50" charset="-127"/>
                 <a:ea typeface="나눔고딕" pitchFamily="50" charset="-127"/>
                 <a:cs typeface="Times New Roman"/>
               </a:rPr>
-              <a:t>가능성</a:t>
-            </a:r>
-            <a:r>
-              <a:rPr lang="en-US" altLang="ko-KR" sz="2400" b="1" dirty="0" smtClean="0">
+              <a:t>(</a:t>
+            </a:r>
+            <a:r>
+              <a:rPr lang="ko-KR" altLang="en-US" sz="2400" b="1" dirty="0">
                 <a:latin typeface="나눔고딕" pitchFamily="50" charset="-127"/>
                 <a:ea typeface="나눔고딕" pitchFamily="50" charset="-127"/>
                 <a:cs typeface="Times New Roman"/>
               </a:rPr>
-              <a:t>(</a:t>
-            </a:r>
-            <a:r>
-              <a:rPr lang="ko-KR" altLang="en-US" sz="2400" b="1" dirty="0" smtClean="0">
+              <a:t>악령에 의해 만들어진 존재</a:t>
+            </a:r>
+            <a:r>
+              <a:rPr lang="en-US" altLang="ko-KR" sz="2400" b="1" dirty="0">
                 <a:latin typeface="나눔고딕" pitchFamily="50" charset="-127"/>
                 <a:ea typeface="나눔고딕" pitchFamily="50" charset="-127"/>
                 <a:cs typeface="Times New Roman"/>
               </a:rPr>
-              <a:t>악령에 의해 만들어진 존재</a:t>
-            </a:r>
-            <a:r>
-              <a:rPr lang="en-US" altLang="ko-KR" sz="2400" b="1" dirty="0" smtClean="0">
-                <a:latin typeface="나눔고딕" pitchFamily="50" charset="-127"/>
-                <a:ea typeface="나눔고딕" pitchFamily="50" charset="-127"/>
-                <a:cs typeface="Times New Roman"/>
-              </a:rPr>
               <a:t>)</a:t>
             </a:r>
             <a:r>
-              <a:rPr lang="ko-KR" altLang="en-US" sz="2400" b="1" dirty="0" smtClean="0">
+              <a:rPr lang="ko-KR" altLang="en-US" sz="2400" b="1" dirty="0">
                 <a:latin typeface="나눔고딕" pitchFamily="50" charset="-127"/>
                 <a:ea typeface="나눔고딕" pitchFamily="50" charset="-127"/>
                 <a:cs typeface="Times New Roman"/>
@@ -9583,15 +9719,15 @@
                 <a:ea typeface="나눔고딕" pitchFamily="50" charset="-127"/>
                 <a:cs typeface="Times New Roman"/>
               </a:rPr>
-              <a:t>허구적 존재 → 만들어진 </a:t>
-            </a:r>
-            <a:r>
-              <a:rPr lang="ko-KR" altLang="en-US" sz="2400" b="1" dirty="0" smtClean="0">
+              <a:t>허구적 존재 → 만들어진 존재 → </a:t>
+            </a:r>
+            <a:r>
+              <a:rPr lang="en-US" altLang="ko-KR" sz="2400" b="1" dirty="0">
                 <a:latin typeface="나눔고딕" pitchFamily="50" charset="-127"/>
                 <a:ea typeface="나눔고딕" pitchFamily="50" charset="-127"/>
                 <a:cs typeface="Times New Roman"/>
               </a:rPr>
-              <a:t>존재 </a:t>
+              <a:t>(</a:t>
             </a:r>
             <a:r>
               <a:rPr lang="ko-KR" altLang="en-US" sz="2400" b="1" dirty="0">
@@ -9599,42 +9735,26 @@
                 <a:ea typeface="나눔고딕" pitchFamily="50" charset="-127"/>
                 <a:cs typeface="Times New Roman"/>
               </a:rPr>
-              <a:t>→ </a:t>
-            </a:r>
-            <a:r>
-              <a:rPr lang="en-US" altLang="ko-KR" sz="2400" b="1" dirty="0" smtClean="0">
+              <a:t>주체가 아닌</a:t>
+            </a:r>
+            <a:r>
+              <a:rPr lang="en-US" altLang="ko-KR" sz="2400" b="1" dirty="0">
                 <a:latin typeface="나눔고딕" pitchFamily="50" charset="-127"/>
                 <a:ea typeface="나눔고딕" pitchFamily="50" charset="-127"/>
                 <a:cs typeface="Times New Roman"/>
               </a:rPr>
-              <a:t>(</a:t>
-            </a:r>
-            <a:r>
-              <a:rPr lang="ko-KR" altLang="en-US" sz="2400" b="1" dirty="0" smtClean="0">
+              <a:t>) </a:t>
+            </a:r>
+            <a:r>
+              <a:rPr lang="ko-KR" altLang="en-US" sz="2400" b="1" dirty="0" err="1">
                 <a:latin typeface="나눔고딕" pitchFamily="50" charset="-127"/>
                 <a:ea typeface="나눔고딕" pitchFamily="50" charset="-127"/>
                 <a:cs typeface="Times New Roman"/>
               </a:rPr>
-              <a:t>주체가 아닌</a:t>
-            </a:r>
-            <a:r>
-              <a:rPr lang="en-US" altLang="ko-KR" sz="2400" b="1" dirty="0" smtClean="0">
-                <a:latin typeface="나눔고딕" pitchFamily="50" charset="-127"/>
-                <a:ea typeface="나눔고딕" pitchFamily="50" charset="-127"/>
-                <a:cs typeface="Times New Roman"/>
-              </a:rPr>
-              <a:t>) </a:t>
-            </a:r>
-            <a:r>
-              <a:rPr lang="ko-KR" altLang="en-US" sz="2400" b="1" dirty="0" err="1" smtClean="0">
-                <a:latin typeface="나눔고딕" pitchFamily="50" charset="-127"/>
-                <a:ea typeface="나눔고딕" pitchFamily="50" charset="-127"/>
-                <a:cs typeface="Times New Roman"/>
-              </a:rPr>
               <a:t>조작가능한</a:t>
             </a:r>
             <a:r>
-              <a:rPr lang="ko-KR" altLang="en-US" sz="2400" b="1" dirty="0" smtClean="0">
+              <a:rPr lang="ko-KR" altLang="en-US" sz="2400" b="1" dirty="0">
                 <a:latin typeface="나눔고딕" pitchFamily="50" charset="-127"/>
                 <a:ea typeface="나눔고딕" pitchFamily="50" charset="-127"/>
                 <a:cs typeface="Times New Roman"/>
@@ -9670,7 +9790,7 @@
           <a:p>
             <a:pPr algn="ctr"/>
             <a:r>
-              <a:rPr lang="en-US" altLang="ko-KR" sz="3600" dirty="0" smtClean="0">
+              <a:rPr lang="en-US" altLang="ko-KR" sz="3600" dirty="0">
                 <a:latin typeface="나눔고딕" pitchFamily="50" charset="-127"/>
                 <a:ea typeface="나눔고딕" pitchFamily="50" charset="-127"/>
               </a:rPr>
@@ -9706,13 +9826,6 @@
   <p:clrMapOvr>
     <a:masterClrMapping/>
   </p:clrMapOvr>
-  <p:timing>
-    <p:tnLst>
-      <p:par>
-        <p:cTn id="1" dur="indefinite" restart="never" nodeType="tmRoot"/>
-      </p:par>
-    </p:tnLst>
-  </p:timing>
 </p:sld>
 </file>
 
@@ -9825,10 +9938,9 @@
                     <a:p>
                       <a:pPr algn="ctr" latinLnBrk="1"/>
                       <a:r>
-                        <a:rPr lang="ko-KR" altLang="en-US" sz="2200" b="1" dirty="0" smtClean="0"/>
+                        <a:rPr lang="ko-KR" altLang="en-US" sz="2200" b="1" dirty="0"/>
                         <a:t>장자</a:t>
                       </a:r>
-                      <a:endParaRPr lang="ko-KR" altLang="en-US" sz="2200" b="1" dirty="0"/>
                     </a:p>
                   </a:txBody>
                   <a:tcPr/>
@@ -9840,7 +9952,7 @@
                     <a:p>
                       <a:pPr algn="ctr" latinLnBrk="1"/>
                       <a:r>
-                        <a:rPr lang="ko-KR" altLang="en-US" sz="2200" b="1" dirty="0" err="1" smtClean="0"/>
+                        <a:rPr lang="ko-KR" altLang="en-US" sz="2200" b="1" dirty="0" err="1"/>
                         <a:t>쿠사나기</a:t>
                       </a:r>
                       <a:endParaRPr lang="ko-KR" altLang="en-US" sz="2200" b="1" dirty="0"/>
@@ -9855,10 +9967,9 @@
                     <a:p>
                       <a:pPr algn="ctr" latinLnBrk="1"/>
                       <a:r>
-                        <a:rPr lang="ko-KR" altLang="en-US" sz="2200" b="1" dirty="0" smtClean="0"/>
+                        <a:rPr lang="ko-KR" altLang="en-US" sz="2200" b="1" dirty="0"/>
                         <a:t>데카르트</a:t>
                       </a:r>
-                      <a:endParaRPr lang="ko-KR" altLang="en-US" sz="2200" b="1" dirty="0"/>
                     </a:p>
                   </a:txBody>
                   <a:tcPr/>
@@ -9877,10 +9988,9 @@
                     <a:p>
                       <a:pPr algn="ctr" latinLnBrk="1"/>
                       <a:r>
-                        <a:rPr lang="ko-KR" altLang="en-US" sz="2200" b="1" dirty="0" smtClean="0"/>
+                        <a:rPr lang="ko-KR" altLang="en-US" sz="2200" b="1" dirty="0"/>
                         <a:t>원작자</a:t>
                       </a:r>
-                      <a:endParaRPr lang="ko-KR" altLang="en-US" sz="2200" b="1" dirty="0"/>
                     </a:p>
                   </a:txBody>
                   <a:tcPr/>
@@ -9892,10 +10002,9 @@
                     <a:p>
                       <a:pPr algn="ctr" latinLnBrk="1"/>
                       <a:r>
-                        <a:rPr lang="ko-KR" altLang="en-US" sz="2200" b="1" dirty="0" smtClean="0"/>
+                        <a:rPr lang="ko-KR" altLang="en-US" sz="2200" b="1" dirty="0"/>
                         <a:t>나비</a:t>
                       </a:r>
-                      <a:endParaRPr lang="ko-KR" altLang="en-US" sz="2200" b="1" dirty="0"/>
                     </a:p>
                   </a:txBody>
                   <a:tcPr/>
@@ -9907,10 +10016,9 @@
                     <a:p>
                       <a:pPr algn="ctr" latinLnBrk="1"/>
                       <a:r>
-                        <a:rPr lang="ko-KR" altLang="en-US" sz="2200" b="1" dirty="0" smtClean="0"/>
+                        <a:rPr lang="ko-KR" altLang="en-US" sz="2200" b="1" dirty="0"/>
                         <a:t>엔지니어</a:t>
                       </a:r>
-                      <a:endParaRPr lang="ko-KR" altLang="en-US" sz="2200" b="1" dirty="0"/>
                     </a:p>
                   </a:txBody>
                   <a:tcPr/>
@@ -9922,10 +10030,9 @@
                     <a:p>
                       <a:pPr algn="ctr" latinLnBrk="1"/>
                       <a:r>
-                        <a:rPr lang="ko-KR" altLang="en-US" sz="2200" b="1" dirty="0" smtClean="0"/>
+                        <a:rPr lang="ko-KR" altLang="en-US" sz="2200" b="1" dirty="0"/>
                         <a:t>악령</a:t>
                       </a:r>
-                      <a:endParaRPr lang="ko-KR" altLang="en-US" sz="2200" b="1" dirty="0"/>
                     </a:p>
                   </a:txBody>
                   <a:tcPr/>
@@ -9944,10 +10051,9 @@
                     <a:p>
                       <a:pPr algn="ctr" latinLnBrk="1"/>
                       <a:r>
-                        <a:rPr lang="ko-KR" altLang="en-US" sz="2200" b="1" dirty="0" smtClean="0"/>
+                        <a:rPr lang="ko-KR" altLang="en-US" sz="2200" b="1" dirty="0"/>
                         <a:t>만들어진 가상의 존재</a:t>
                       </a:r>
-                      <a:endParaRPr lang="ko-KR" altLang="en-US" sz="2200" b="1" dirty="0"/>
                     </a:p>
                   </a:txBody>
                   <a:tcPr/>
@@ -9959,10 +10065,9 @@
                     <a:p>
                       <a:pPr algn="ctr" latinLnBrk="1"/>
                       <a:r>
-                        <a:rPr lang="ko-KR" altLang="en-US" sz="2200" b="1" dirty="0" smtClean="0"/>
+                        <a:rPr lang="ko-KR" altLang="en-US" sz="2200" b="1" dirty="0"/>
                         <a:t>나의 존재</a:t>
                       </a:r>
-                      <a:endParaRPr lang="ko-KR" altLang="en-US" sz="2200" b="1" dirty="0"/>
                     </a:p>
                   </a:txBody>
                   <a:tcPr/>
@@ -9974,10 +10079,9 @@
                     <a:p>
                       <a:pPr algn="ctr" latinLnBrk="1"/>
                       <a:r>
-                        <a:rPr lang="ko-KR" altLang="en-US" sz="2200" b="1" dirty="0" smtClean="0"/>
+                        <a:rPr lang="ko-KR" altLang="en-US" sz="2200" b="1" dirty="0"/>
                         <a:t>고스트의 존재</a:t>
                       </a:r>
-                      <a:endParaRPr lang="ko-KR" altLang="en-US" sz="2200" b="1" dirty="0"/>
                     </a:p>
                   </a:txBody>
                   <a:tcPr/>
@@ -9989,11 +10093,11 @@
                     <a:p>
                       <a:pPr algn="ctr" latinLnBrk="1"/>
                       <a:r>
-                        <a:rPr lang="ko-KR" altLang="en-US" sz="2200" b="1" dirty="0" smtClean="0"/>
+                        <a:rPr lang="ko-KR" altLang="en-US" sz="2200" b="1" dirty="0"/>
                         <a:t>생각하는 나의 존재</a:t>
                       </a:r>
                       <a:r>
-                        <a:rPr lang="en-US" altLang="ko-KR" sz="2200" b="1" dirty="0" smtClean="0"/>
+                        <a:rPr lang="en-US" altLang="ko-KR" sz="2200" b="1" dirty="0"/>
                         <a:t>?</a:t>
                       </a:r>
                       <a:endParaRPr lang="ko-KR" altLang="en-US" sz="2200" b="1" dirty="0"/>
@@ -10015,10 +10119,9 @@
                     <a:p>
                       <a:pPr algn="ctr" latinLnBrk="1"/>
                       <a:r>
-                        <a:rPr lang="ko-KR" altLang="en-US" sz="2200" b="1" dirty="0" smtClean="0"/>
+                        <a:rPr lang="ko-KR" altLang="en-US" sz="2200" b="1" dirty="0"/>
                         <a:t>의심</a:t>
                       </a:r>
-                      <a:endParaRPr lang="ko-KR" altLang="en-US" sz="2200" b="1" dirty="0"/>
                     </a:p>
                   </a:txBody>
                   <a:tcPr/>
@@ -10030,11 +10133,11 @@
                     <a:p>
                       <a:pPr algn="ctr" latinLnBrk="1"/>
                       <a:r>
-                        <a:rPr lang="ko-KR" altLang="en-US" sz="2200" b="1" dirty="0" smtClean="0"/>
+                        <a:rPr lang="ko-KR" altLang="en-US" sz="2200" b="1" dirty="0"/>
                         <a:t>나는 나비의 꿈이 아닐까</a:t>
                       </a:r>
                       <a:r>
-                        <a:rPr lang="en-US" altLang="ko-KR" sz="2200" b="1" dirty="0" smtClean="0"/>
+                        <a:rPr lang="en-US" altLang="ko-KR" sz="2200" b="1" dirty="0"/>
                         <a:t>?</a:t>
                       </a:r>
                       <a:endParaRPr lang="ko-KR" altLang="en-US" sz="2200" b="1" dirty="0"/>
@@ -10049,19 +10152,19 @@
                     <a:p>
                       <a:pPr algn="ctr" latinLnBrk="1"/>
                       <a:r>
-                        <a:rPr lang="ko-KR" altLang="en-US" sz="2200" b="1" dirty="0" smtClean="0"/>
+                        <a:rPr lang="ko-KR" altLang="en-US" sz="2200" b="1" dirty="0"/>
                         <a:t>나의 고스트는 엔지니어가 만든 </a:t>
                       </a:r>
                       <a:r>
-                        <a:rPr lang="ko-KR" altLang="en-US" sz="2200" b="1" dirty="0" err="1" smtClean="0"/>
+                        <a:rPr lang="ko-KR" altLang="en-US" sz="2200" b="1" dirty="0" err="1"/>
                         <a:t>의체에</a:t>
                       </a:r>
                       <a:r>
-                        <a:rPr lang="ko-KR" altLang="en-US" sz="2200" b="1" dirty="0" smtClean="0"/>
+                        <a:rPr lang="ko-KR" altLang="en-US" sz="2200" b="1" dirty="0"/>
                         <a:t> 깃든 것이 아닐까</a:t>
                       </a:r>
                       <a:r>
-                        <a:rPr lang="en-US" altLang="ko-KR" sz="2200" b="1" dirty="0" smtClean="0"/>
+                        <a:rPr lang="en-US" altLang="ko-KR" sz="2200" b="1" dirty="0"/>
                         <a:t>?</a:t>
                       </a:r>
                       <a:endParaRPr lang="ko-KR" altLang="en-US" sz="2200" b="1" dirty="0"/>
@@ -10076,11 +10179,11 @@
                     <a:p>
                       <a:pPr algn="ctr" latinLnBrk="1"/>
                       <a:r>
-                        <a:rPr lang="ko-KR" altLang="en-US" sz="2200" b="1" dirty="0" smtClean="0"/>
+                        <a:rPr lang="ko-KR" altLang="en-US" sz="2200" b="1" dirty="0"/>
                         <a:t>생각하는 나의 존재 자체가 악령이 만든 것이 아닐까</a:t>
                       </a:r>
                       <a:r>
-                        <a:rPr lang="en-US" altLang="ko-KR" sz="2200" b="1" dirty="0" smtClean="0"/>
+                        <a:rPr lang="en-US" altLang="ko-KR" sz="2200" b="1" dirty="0"/>
                         <a:t>?</a:t>
                       </a:r>
                       <a:endParaRPr lang="ko-KR" altLang="en-US" sz="2200" b="1" dirty="0"/>
@@ -10132,13 +10235,6 @@
   <p:clrMapOvr>
     <a:masterClrMapping/>
   </p:clrMapOvr>
-  <p:timing>
-    <p:tnLst>
-      <p:par>
-        <p:cTn id="1" dur="indefinite" restart="never" nodeType="tmRoot"/>
-      </p:par>
-    </p:tnLst>
-  </p:timing>
 </p:sld>
 </file>
 
@@ -10182,20 +10278,20 @@
               </a:lnSpc>
             </a:pPr>
             <a:r>
-              <a:rPr lang="en-US" altLang="ko-KR" b="1" dirty="0" smtClean="0">
+              <a:rPr lang="en-US" altLang="ko-KR" b="1" dirty="0">
                 <a:latin typeface="나눔고딕" pitchFamily="50" charset="-127"/>
                 <a:ea typeface="나눔고딕" pitchFamily="50" charset="-127"/>
               </a:rPr>
               <a:t> </a:t>
             </a:r>
             <a:r>
-              <a:rPr lang="ko-KR" altLang="en-US" b="1" dirty="0" smtClean="0">
+              <a:rPr lang="ko-KR" altLang="en-US" b="1" dirty="0">
                 <a:latin typeface="나눔고딕" pitchFamily="50" charset="-127"/>
                 <a:ea typeface="나눔고딕" pitchFamily="50" charset="-127"/>
               </a:rPr>
               <a:t>나의 영혼의 존재는 내가 생각하는 한에서 확실</a:t>
             </a:r>
-            <a:endParaRPr lang="en-US" altLang="ko-KR" b="1" dirty="0" smtClean="0">
+            <a:endParaRPr lang="en-US" altLang="ko-KR" b="1" dirty="0">
               <a:latin typeface="나눔고딕" pitchFamily="50" charset="-127"/>
               <a:ea typeface="나눔고딕" pitchFamily="50" charset="-127"/>
             </a:endParaRPr>
@@ -10207,20 +10303,20 @@
               </a:lnSpc>
             </a:pPr>
             <a:r>
-              <a:rPr lang="en-US" altLang="ko-KR" b="1" dirty="0" smtClean="0">
+              <a:rPr lang="en-US" altLang="ko-KR" b="1" dirty="0">
                 <a:latin typeface="나눔고딕" pitchFamily="50" charset="-127"/>
                 <a:ea typeface="나눔고딕" pitchFamily="50" charset="-127"/>
               </a:rPr>
               <a:t> </a:t>
             </a:r>
             <a:r>
-              <a:rPr lang="ko-KR" altLang="en-US" b="1" dirty="0" smtClean="0">
+              <a:rPr lang="ko-KR" altLang="en-US" b="1" dirty="0">
                 <a:latin typeface="나눔고딕" pitchFamily="50" charset="-127"/>
                 <a:ea typeface="나눔고딕" pitchFamily="50" charset="-127"/>
               </a:rPr>
               <a:t>타인의 영혼의 존재</a:t>
             </a:r>
-            <a:endParaRPr lang="en-US" altLang="ko-KR" b="1" dirty="0" smtClean="0">
+            <a:endParaRPr lang="en-US" altLang="ko-KR" b="1" dirty="0">
               <a:latin typeface="나눔고딕" pitchFamily="50" charset="-127"/>
               <a:ea typeface="나눔고딕" pitchFamily="50" charset="-127"/>
             </a:endParaRPr>
@@ -10233,13 +10329,13 @@
               <a:buAutoNum type="arabicParenBoth"/>
             </a:pPr>
             <a:r>
-              <a:rPr lang="ko-KR" altLang="en-US" b="1" dirty="0" smtClean="0">
+              <a:rPr lang="ko-KR" altLang="en-US" b="1" dirty="0">
                 <a:latin typeface="나눔고딕" pitchFamily="50" charset="-127"/>
                 <a:ea typeface="나눔고딕" pitchFamily="50" charset="-127"/>
               </a:rPr>
               <a:t>타인의 영혼의 존재는 그가 생각하는 한에서 그 자신에게만 확실</a:t>
             </a:r>
-            <a:endParaRPr lang="en-US" altLang="ko-KR" b="1" dirty="0" smtClean="0">
+            <a:endParaRPr lang="en-US" altLang="ko-KR" b="1" dirty="0">
               <a:latin typeface="나눔고딕" pitchFamily="50" charset="-127"/>
               <a:ea typeface="나눔고딕" pitchFamily="50" charset="-127"/>
             </a:endParaRPr>
@@ -10252,13 +10348,13 @@
               <a:buAutoNum type="arabicParenBoth"/>
             </a:pPr>
             <a:r>
-              <a:rPr lang="ko-KR" altLang="en-US" b="1" dirty="0" smtClean="0">
+              <a:rPr lang="ko-KR" altLang="en-US" b="1" dirty="0">
                 <a:latin typeface="나눔고딕" pitchFamily="50" charset="-127"/>
                 <a:ea typeface="나눔고딕" pitchFamily="50" charset="-127"/>
               </a:rPr>
               <a:t>타인의 생각하는 영혼의 존재는 나에게 불확실</a:t>
             </a:r>
-            <a:endParaRPr lang="en-US" altLang="ko-KR" b="1" dirty="0" smtClean="0">
+            <a:endParaRPr lang="en-US" altLang="ko-KR" b="1" dirty="0">
               <a:latin typeface="나눔고딕" pitchFamily="50" charset="-127"/>
               <a:ea typeface="나눔고딕" pitchFamily="50" charset="-127"/>
             </a:endParaRPr>
@@ -10271,13 +10367,13 @@
               <a:buAutoNum type="arabicParenBoth"/>
             </a:pPr>
             <a:r>
-              <a:rPr lang="ko-KR" altLang="en-US" b="1" dirty="0" smtClean="0">
+              <a:rPr lang="ko-KR" altLang="en-US" b="1" dirty="0">
                 <a:latin typeface="나눔고딕" pitchFamily="50" charset="-127"/>
                 <a:ea typeface="나눔고딕" pitchFamily="50" charset="-127"/>
               </a:rPr>
               <a:t>나의 생각하는 영혼의 존재는 타인에게 불확실</a:t>
             </a:r>
-            <a:endParaRPr lang="en-US" altLang="ko-KR" b="1" dirty="0" smtClean="0">
+            <a:endParaRPr lang="en-US" altLang="ko-KR" b="1" dirty="0">
               <a:latin typeface="나눔고딕" pitchFamily="50" charset="-127"/>
               <a:ea typeface="나눔고딕" pitchFamily="50" charset="-127"/>
             </a:endParaRPr>
@@ -10290,13 +10386,13 @@
               <a:buAutoNum type="arabicParenBoth"/>
             </a:pPr>
             <a:r>
-              <a:rPr lang="ko-KR" altLang="en-US" b="1" dirty="0" smtClean="0">
+              <a:rPr lang="ko-KR" altLang="en-US" b="1" dirty="0">
                 <a:latin typeface="나눔고딕" pitchFamily="50" charset="-127"/>
                 <a:ea typeface="나눔고딕" pitchFamily="50" charset="-127"/>
               </a:rPr>
               <a:t>각자의 영혼의 존재는 각자에게만 확실할 수 있음</a:t>
             </a:r>
-            <a:endParaRPr lang="en-US" altLang="ko-KR" b="1" dirty="0" smtClean="0">
+            <a:endParaRPr lang="en-US" altLang="ko-KR" b="1" dirty="0">
               <a:latin typeface="나눔고딕" pitchFamily="50" charset="-127"/>
               <a:ea typeface="나눔고딕" pitchFamily="50" charset="-127"/>
             </a:endParaRPr>
@@ -10309,13 +10405,13 @@
               <a:buAutoNum type="arabicParenBoth"/>
             </a:pPr>
             <a:r>
-              <a:rPr lang="ko-KR" altLang="en-US" b="1" dirty="0" smtClean="0">
+              <a:rPr lang="ko-KR" altLang="en-US" b="1" dirty="0">
                 <a:latin typeface="나눔고딕" pitchFamily="50" charset="-127"/>
                 <a:ea typeface="나눔고딕" pitchFamily="50" charset="-127"/>
               </a:rPr>
               <a:t>우리는 서로의 영혼의 존재에 대해 확실하게 알 수 없음  </a:t>
             </a:r>
-            <a:endParaRPr lang="en-US" altLang="ko-KR" b="1" dirty="0" smtClean="0">
+            <a:endParaRPr lang="en-US" altLang="ko-KR" b="1" dirty="0">
               <a:latin typeface="나눔고딕" pitchFamily="50" charset="-127"/>
               <a:ea typeface="나눔고딕" pitchFamily="50" charset="-127"/>
             </a:endParaRPr>
@@ -10342,23 +10438,93 @@
           <a:p>
             <a:pPr algn="ctr"/>
             <a:r>
-              <a:rPr lang="en-US" altLang="ko-KR" dirty="0" smtClean="0">
+              <a:rPr lang="en-US" altLang="ko-KR" dirty="0">
                 <a:latin typeface="나눔고딕" pitchFamily="50" charset="-127"/>
                 <a:ea typeface="나눔고딕" pitchFamily="50" charset="-127"/>
               </a:rPr>
               <a:t>(3) </a:t>
             </a:r>
             <a:r>
-              <a:rPr lang="ko-KR" altLang="en-US" dirty="0" smtClean="0">
+              <a:rPr lang="ko-KR" altLang="en-US" dirty="0">
                 <a:latin typeface="나눔고딕" pitchFamily="50" charset="-127"/>
                 <a:ea typeface="나눔고딕" pitchFamily="50" charset="-127"/>
               </a:rPr>
               <a:t>타인 영혼의 존재의 인식 문제</a:t>
             </a:r>
-            <a:endParaRPr lang="ko-KR" altLang="en-US" dirty="0">
-              <a:latin typeface="나눔고딕" pitchFamily="50" charset="-127"/>
-              <a:ea typeface="나눔고딕" pitchFamily="50" charset="-127"/>
-            </a:endParaRPr>
+          </a:p>
+        </p:txBody>
+      </p:sp>
+      <p:cxnSp>
+        <p:nvCxnSpPr>
+          <p:cNvPr id="5" name="직선 화살표 연결선 4">
+            <a:extLst>
+              <a:ext uri="{FF2B5EF4-FFF2-40B4-BE49-F238E27FC236}">
+                <a16:creationId xmlns:a16="http://schemas.microsoft.com/office/drawing/2014/main" id="{49735D4B-8A95-4895-A5BB-DA64CB8CAB82}"/>
+              </a:ext>
+            </a:extLst>
+          </p:cNvPr>
+          <p:cNvCxnSpPr/>
+          <p:nvPr/>
+        </p:nvCxnSpPr>
+        <p:spPr>
+          <a:xfrm flipV="1">
+            <a:off x="9048328" y="3789040"/>
+            <a:ext cx="432048" cy="288032"/>
+          </a:xfrm>
+          <a:prstGeom prst="straightConnector1">
+            <a:avLst/>
+          </a:prstGeom>
+          <a:ln>
+            <a:tailEnd type="triangle"/>
+          </a:ln>
+        </p:spPr>
+        <p:style>
+          <a:lnRef idx="1">
+            <a:schemeClr val="accent1"/>
+          </a:lnRef>
+          <a:fillRef idx="0">
+            <a:schemeClr val="accent1"/>
+          </a:fillRef>
+          <a:effectRef idx="0">
+            <a:schemeClr val="accent1"/>
+          </a:effectRef>
+          <a:fontRef idx="minor">
+            <a:schemeClr val="tx1"/>
+          </a:fontRef>
+        </p:style>
+      </p:cxnSp>
+      <p:sp>
+        <p:nvSpPr>
+          <p:cNvPr id="6" name="TextBox 5">
+            <a:extLst>
+              <a:ext uri="{FF2B5EF4-FFF2-40B4-BE49-F238E27FC236}">
+                <a16:creationId xmlns:a16="http://schemas.microsoft.com/office/drawing/2014/main" id="{E3456DF6-AC43-49E5-A6F6-4C907B65E609}"/>
+              </a:ext>
+            </a:extLst>
+          </p:cNvPr>
+          <p:cNvSpPr txBox="1"/>
+          <p:nvPr/>
+        </p:nvSpPr>
+        <p:spPr>
+          <a:xfrm>
+            <a:off x="9984432" y="3717032"/>
+            <a:ext cx="1440160" cy="646331"/>
+          </a:xfrm>
+          <a:prstGeom prst="rect">
+            <a:avLst/>
+          </a:prstGeom>
+          <a:noFill/>
+        </p:spPr>
+        <p:txBody>
+          <a:bodyPr wrap="square" rtlCol="0">
+            <a:spAutoFit/>
+          </a:bodyPr>
+          <a:lstStyle/>
+          <a:p>
+            <a:r>
+              <a:rPr lang="ko-KR" altLang="en-US"/>
+              <a:t>타인은 확실하지 않아</a:t>
+            </a:r>
           </a:p>
         </p:txBody>
       </p:sp>
@@ -10367,13 +10533,6 @@
   <p:clrMapOvr>
     <a:masterClrMapping/>
   </p:clrMapOvr>
-  <p:timing>
-    <p:tnLst>
-      <p:par>
-        <p:cTn id="1" dur="indefinite" restart="never" nodeType="tmRoot"/>
-      </p:par>
-    </p:tnLst>
-  </p:timing>
 </p:sld>
 </file>
 
